--- a/1_Fundamentos/0_Conceitos_Tecnologia_Informacao/01_Binarios_Software_Hardware.pptx
+++ b/1_Fundamentos/0_Conceitos_Tecnologia_Informacao/01_Binarios_Software_Hardware.pptx
@@ -5,14 +5,25 @@
     <p:sldMasterId id="2147483648" r:id="rId1"/>
   </p:sldMasterIdLst>
   <p:notesMasterIdLst>
-    <p:notesMasterId r:id="rId7"/>
+    <p:notesMasterId r:id="rId18"/>
   </p:notesMasterIdLst>
   <p:sldIdLst>
     <p:sldId id="256" r:id="rId2"/>
     <p:sldId id="257" r:id="rId3"/>
     <p:sldId id="285" r:id="rId4"/>
-    <p:sldId id="262" r:id="rId5"/>
-    <p:sldId id="284" r:id="rId6"/>
+    <p:sldId id="286" r:id="rId5"/>
+    <p:sldId id="287" r:id="rId6"/>
+    <p:sldId id="288" r:id="rId7"/>
+    <p:sldId id="289" r:id="rId8"/>
+    <p:sldId id="290" r:id="rId9"/>
+    <p:sldId id="293" r:id="rId10"/>
+    <p:sldId id="291" r:id="rId11"/>
+    <p:sldId id="292" r:id="rId12"/>
+    <p:sldId id="294" r:id="rId13"/>
+    <p:sldId id="295" r:id="rId14"/>
+    <p:sldId id="296" r:id="rId15"/>
+    <p:sldId id="262" r:id="rId16"/>
+    <p:sldId id="284" r:id="rId17"/>
   </p:sldIdLst>
   <p:sldSz cx="12192000" cy="6858000"/>
   <p:notesSz cx="6858000" cy="9144000"/>
@@ -201,7 +212,7 @@
           <a:p>
             <a:fld id="{C8E93356-E4B9-4F55-97DE-AD9935BDB4CA}" type="datetimeFigureOut">
               <a:rPr lang="pt-BR" smtClean="0"/>
-              <a:t>23/02/2025</a:t>
+              <a:t>09/03/2025</a:t>
             </a:fld>
             <a:endParaRPr lang="pt-BR"/>
           </a:p>
@@ -552,6 +563,342 @@
 </p:notes>
 </file>
 
+<file path=ppt/notesSlides/notesSlide2.xml><?xml version="1.0" encoding="utf-8"?>
+<p:notes xmlns:a="http://schemas.openxmlformats.org/drawingml/2006/main" xmlns:r="http://schemas.openxmlformats.org/officeDocument/2006/relationships" xmlns:p="http://schemas.openxmlformats.org/presentationml/2006/main">
+  <p:cSld>
+    <p:spTree>
+      <p:nvGrpSpPr>
+        <p:cNvPr id="1" name=""/>
+        <p:cNvGrpSpPr/>
+        <p:nvPr/>
+      </p:nvGrpSpPr>
+      <p:grpSpPr>
+        <a:xfrm>
+          <a:off x="0" y="0"/>
+          <a:ext cx="0" cy="0"/>
+          <a:chOff x="0" y="0"/>
+          <a:chExt cx="0" cy="0"/>
+        </a:xfrm>
+      </p:grpSpPr>
+      <p:sp>
+        <p:nvSpPr>
+          <p:cNvPr id="2" name="Espaço Reservado para Imagem de Slide 1"/>
+          <p:cNvSpPr>
+            <a:spLocks noGrp="1" noRot="1" noChangeAspect="1"/>
+          </p:cNvSpPr>
+          <p:nvPr>
+            <p:ph type="sldImg"/>
+          </p:nvPr>
+        </p:nvSpPr>
+        <p:spPr/>
+      </p:sp>
+      <p:sp>
+        <p:nvSpPr>
+          <p:cNvPr id="3" name="Espaço Reservado para Anotações 2"/>
+          <p:cNvSpPr>
+            <a:spLocks noGrp="1"/>
+          </p:cNvSpPr>
+          <p:nvPr>
+            <p:ph type="body" idx="1"/>
+          </p:nvPr>
+        </p:nvSpPr>
+        <p:spPr/>
+        <p:txBody>
+          <a:bodyPr/>
+          <a:lstStyle/>
+          <a:p>
+            <a:endParaRPr lang="pt-BR" dirty="0"/>
+          </a:p>
+        </p:txBody>
+      </p:sp>
+      <p:sp>
+        <p:nvSpPr>
+          <p:cNvPr id="4" name="Espaço Reservado para Número de Slide 3"/>
+          <p:cNvSpPr>
+            <a:spLocks noGrp="1"/>
+          </p:cNvSpPr>
+          <p:nvPr>
+            <p:ph type="sldNum" sz="quarter" idx="5"/>
+          </p:nvPr>
+        </p:nvSpPr>
+        <p:spPr/>
+        <p:txBody>
+          <a:bodyPr/>
+          <a:lstStyle/>
+          <a:p>
+            <a:fld id="{C0394496-4624-49BA-BC6B-4D56A0687092}" type="slidenum">
+              <a:rPr lang="pt-BR" smtClean="0"/>
+              <a:t>5</a:t>
+            </a:fld>
+            <a:endParaRPr lang="pt-BR"/>
+          </a:p>
+        </p:txBody>
+      </p:sp>
+    </p:spTree>
+    <p:extLst>
+      <p:ext uri="{BB962C8B-B14F-4D97-AF65-F5344CB8AC3E}">
+        <p14:creationId xmlns:p14="http://schemas.microsoft.com/office/powerpoint/2010/main" val="806382487"/>
+      </p:ext>
+    </p:extLst>
+  </p:cSld>
+  <p:clrMapOvr>
+    <a:masterClrMapping/>
+  </p:clrMapOvr>
+</p:notes>
+</file>
+
+<file path=ppt/notesSlides/notesSlide3.xml><?xml version="1.0" encoding="utf-8"?>
+<p:notes xmlns:a="http://schemas.openxmlformats.org/drawingml/2006/main" xmlns:r="http://schemas.openxmlformats.org/officeDocument/2006/relationships" xmlns:p="http://schemas.openxmlformats.org/presentationml/2006/main">
+  <p:cSld>
+    <p:spTree>
+      <p:nvGrpSpPr>
+        <p:cNvPr id="1" name=""/>
+        <p:cNvGrpSpPr/>
+        <p:nvPr/>
+      </p:nvGrpSpPr>
+      <p:grpSpPr>
+        <a:xfrm>
+          <a:off x="0" y="0"/>
+          <a:ext cx="0" cy="0"/>
+          <a:chOff x="0" y="0"/>
+          <a:chExt cx="0" cy="0"/>
+        </a:xfrm>
+      </p:grpSpPr>
+      <p:sp>
+        <p:nvSpPr>
+          <p:cNvPr id="2" name="Espaço Reservado para Imagem de Slide 1"/>
+          <p:cNvSpPr>
+            <a:spLocks noGrp="1" noRot="1" noChangeAspect="1"/>
+          </p:cNvSpPr>
+          <p:nvPr>
+            <p:ph type="sldImg"/>
+          </p:nvPr>
+        </p:nvSpPr>
+        <p:spPr/>
+      </p:sp>
+      <p:sp>
+        <p:nvSpPr>
+          <p:cNvPr id="3" name="Espaço Reservado para Anotações 2"/>
+          <p:cNvSpPr>
+            <a:spLocks noGrp="1"/>
+          </p:cNvSpPr>
+          <p:nvPr>
+            <p:ph type="body" idx="1"/>
+          </p:nvPr>
+        </p:nvSpPr>
+        <p:spPr/>
+        <p:txBody>
+          <a:bodyPr/>
+          <a:lstStyle/>
+          <a:p>
+            <a:endParaRPr lang="pt-BR" dirty="0"/>
+          </a:p>
+        </p:txBody>
+      </p:sp>
+      <p:sp>
+        <p:nvSpPr>
+          <p:cNvPr id="4" name="Espaço Reservado para Número de Slide 3"/>
+          <p:cNvSpPr>
+            <a:spLocks noGrp="1"/>
+          </p:cNvSpPr>
+          <p:nvPr>
+            <p:ph type="sldNum" sz="quarter" idx="5"/>
+          </p:nvPr>
+        </p:nvSpPr>
+        <p:spPr/>
+        <p:txBody>
+          <a:bodyPr/>
+          <a:lstStyle/>
+          <a:p>
+            <a:fld id="{C0394496-4624-49BA-BC6B-4D56A0687092}" type="slidenum">
+              <a:rPr lang="pt-BR" smtClean="0"/>
+              <a:t>11</a:t>
+            </a:fld>
+            <a:endParaRPr lang="pt-BR"/>
+          </a:p>
+        </p:txBody>
+      </p:sp>
+    </p:spTree>
+    <p:extLst>
+      <p:ext uri="{BB962C8B-B14F-4D97-AF65-F5344CB8AC3E}">
+        <p14:creationId xmlns:p14="http://schemas.microsoft.com/office/powerpoint/2010/main" val="692482464"/>
+      </p:ext>
+    </p:extLst>
+  </p:cSld>
+  <p:clrMapOvr>
+    <a:masterClrMapping/>
+  </p:clrMapOvr>
+</p:notes>
+</file>
+
+<file path=ppt/notesSlides/notesSlide4.xml><?xml version="1.0" encoding="utf-8"?>
+<p:notes xmlns:a="http://schemas.openxmlformats.org/drawingml/2006/main" xmlns:r="http://schemas.openxmlformats.org/officeDocument/2006/relationships" xmlns:p="http://schemas.openxmlformats.org/presentationml/2006/main">
+  <p:cSld>
+    <p:spTree>
+      <p:nvGrpSpPr>
+        <p:cNvPr id="1" name=""/>
+        <p:cNvGrpSpPr/>
+        <p:nvPr/>
+      </p:nvGrpSpPr>
+      <p:grpSpPr>
+        <a:xfrm>
+          <a:off x="0" y="0"/>
+          <a:ext cx="0" cy="0"/>
+          <a:chOff x="0" y="0"/>
+          <a:chExt cx="0" cy="0"/>
+        </a:xfrm>
+      </p:grpSpPr>
+      <p:sp>
+        <p:nvSpPr>
+          <p:cNvPr id="2" name="Espaço Reservado para Imagem de Slide 1"/>
+          <p:cNvSpPr>
+            <a:spLocks noGrp="1" noRot="1" noChangeAspect="1"/>
+          </p:cNvSpPr>
+          <p:nvPr>
+            <p:ph type="sldImg"/>
+          </p:nvPr>
+        </p:nvSpPr>
+        <p:spPr/>
+      </p:sp>
+      <p:sp>
+        <p:nvSpPr>
+          <p:cNvPr id="3" name="Espaço Reservado para Anotações 2"/>
+          <p:cNvSpPr>
+            <a:spLocks noGrp="1"/>
+          </p:cNvSpPr>
+          <p:nvPr>
+            <p:ph type="body" idx="1"/>
+          </p:nvPr>
+        </p:nvSpPr>
+        <p:spPr/>
+        <p:txBody>
+          <a:bodyPr/>
+          <a:lstStyle/>
+          <a:p>
+            <a:endParaRPr lang="pt-BR" dirty="0"/>
+          </a:p>
+        </p:txBody>
+      </p:sp>
+      <p:sp>
+        <p:nvSpPr>
+          <p:cNvPr id="4" name="Espaço Reservado para Número de Slide 3"/>
+          <p:cNvSpPr>
+            <a:spLocks noGrp="1"/>
+          </p:cNvSpPr>
+          <p:nvPr>
+            <p:ph type="sldNum" sz="quarter" idx="5"/>
+          </p:nvPr>
+        </p:nvSpPr>
+        <p:spPr/>
+        <p:txBody>
+          <a:bodyPr/>
+          <a:lstStyle/>
+          <a:p>
+            <a:fld id="{C0394496-4624-49BA-BC6B-4D56A0687092}" type="slidenum">
+              <a:rPr lang="pt-BR" smtClean="0"/>
+              <a:t>12</a:t>
+            </a:fld>
+            <a:endParaRPr lang="pt-BR"/>
+          </a:p>
+        </p:txBody>
+      </p:sp>
+    </p:spTree>
+    <p:extLst>
+      <p:ext uri="{BB962C8B-B14F-4D97-AF65-F5344CB8AC3E}">
+        <p14:creationId xmlns:p14="http://schemas.microsoft.com/office/powerpoint/2010/main" val="434866000"/>
+      </p:ext>
+    </p:extLst>
+  </p:cSld>
+  <p:clrMapOvr>
+    <a:masterClrMapping/>
+  </p:clrMapOvr>
+</p:notes>
+</file>
+
+<file path=ppt/notesSlides/notesSlide5.xml><?xml version="1.0" encoding="utf-8"?>
+<p:notes xmlns:a="http://schemas.openxmlformats.org/drawingml/2006/main" xmlns:r="http://schemas.openxmlformats.org/officeDocument/2006/relationships" xmlns:p="http://schemas.openxmlformats.org/presentationml/2006/main">
+  <p:cSld>
+    <p:spTree>
+      <p:nvGrpSpPr>
+        <p:cNvPr id="1" name=""/>
+        <p:cNvGrpSpPr/>
+        <p:nvPr/>
+      </p:nvGrpSpPr>
+      <p:grpSpPr>
+        <a:xfrm>
+          <a:off x="0" y="0"/>
+          <a:ext cx="0" cy="0"/>
+          <a:chOff x="0" y="0"/>
+          <a:chExt cx="0" cy="0"/>
+        </a:xfrm>
+      </p:grpSpPr>
+      <p:sp>
+        <p:nvSpPr>
+          <p:cNvPr id="2" name="Espaço Reservado para Imagem de Slide 1"/>
+          <p:cNvSpPr>
+            <a:spLocks noGrp="1" noRot="1" noChangeAspect="1"/>
+          </p:cNvSpPr>
+          <p:nvPr>
+            <p:ph type="sldImg"/>
+          </p:nvPr>
+        </p:nvSpPr>
+        <p:spPr/>
+      </p:sp>
+      <p:sp>
+        <p:nvSpPr>
+          <p:cNvPr id="3" name="Espaço Reservado para Anotações 2"/>
+          <p:cNvSpPr>
+            <a:spLocks noGrp="1"/>
+          </p:cNvSpPr>
+          <p:nvPr>
+            <p:ph type="body" idx="1"/>
+          </p:nvPr>
+        </p:nvSpPr>
+        <p:spPr/>
+        <p:txBody>
+          <a:bodyPr/>
+          <a:lstStyle/>
+          <a:p>
+            <a:endParaRPr lang="pt-BR" dirty="0"/>
+          </a:p>
+        </p:txBody>
+      </p:sp>
+      <p:sp>
+        <p:nvSpPr>
+          <p:cNvPr id="4" name="Espaço Reservado para Número de Slide 3"/>
+          <p:cNvSpPr>
+            <a:spLocks noGrp="1"/>
+          </p:cNvSpPr>
+          <p:nvPr>
+            <p:ph type="sldNum" sz="quarter" idx="5"/>
+          </p:nvPr>
+        </p:nvSpPr>
+        <p:spPr/>
+        <p:txBody>
+          <a:bodyPr/>
+          <a:lstStyle/>
+          <a:p>
+            <a:fld id="{C0394496-4624-49BA-BC6B-4D56A0687092}" type="slidenum">
+              <a:rPr lang="pt-BR" smtClean="0"/>
+              <a:t>14</a:t>
+            </a:fld>
+            <a:endParaRPr lang="pt-BR"/>
+          </a:p>
+        </p:txBody>
+      </p:sp>
+    </p:spTree>
+    <p:extLst>
+      <p:ext uri="{BB962C8B-B14F-4D97-AF65-F5344CB8AC3E}">
+        <p14:creationId xmlns:p14="http://schemas.microsoft.com/office/powerpoint/2010/main" val="1386406668"/>
+      </p:ext>
+    </p:extLst>
+  </p:cSld>
+  <p:clrMapOvr>
+    <a:masterClrMapping/>
+  </p:clrMapOvr>
+</p:notes>
+</file>
+
 <file path=ppt/slideLayouts/slideLayout1.xml><?xml version="1.0" encoding="utf-8"?>
 <p:sldLayout xmlns:a="http://schemas.openxmlformats.org/drawingml/2006/main" xmlns:r="http://schemas.openxmlformats.org/officeDocument/2006/relationships" xmlns:p="http://schemas.openxmlformats.org/presentationml/2006/main" type="title" preserve="1">
   <p:cSld name="Slide de Título">
@@ -699,7 +1046,7 @@
           <a:p>
             <a:fld id="{63F25792-1D6D-478A-9814-31B09A883214}" type="datetimeFigureOut">
               <a:rPr lang="pt-BR" smtClean="0"/>
-              <a:t>23/02/2025</a:t>
+              <a:t>09/03/2025</a:t>
             </a:fld>
             <a:endParaRPr lang="pt-BR"/>
           </a:p>
@@ -897,7 +1244,7 @@
           <a:p>
             <a:fld id="{63F25792-1D6D-478A-9814-31B09A883214}" type="datetimeFigureOut">
               <a:rPr lang="pt-BR" smtClean="0"/>
-              <a:t>23/02/2025</a:t>
+              <a:t>09/03/2025</a:t>
             </a:fld>
             <a:endParaRPr lang="pt-BR"/>
           </a:p>
@@ -1105,7 +1452,7 @@
           <a:p>
             <a:fld id="{63F25792-1D6D-478A-9814-31B09A883214}" type="datetimeFigureOut">
               <a:rPr lang="pt-BR" smtClean="0"/>
-              <a:t>23/02/2025</a:t>
+              <a:t>09/03/2025</a:t>
             </a:fld>
             <a:endParaRPr lang="pt-BR"/>
           </a:p>
@@ -1303,7 +1650,7 @@
           <a:p>
             <a:fld id="{63F25792-1D6D-478A-9814-31B09A883214}" type="datetimeFigureOut">
               <a:rPr lang="pt-BR" smtClean="0"/>
-              <a:t>23/02/2025</a:t>
+              <a:t>09/03/2025</a:t>
             </a:fld>
             <a:endParaRPr lang="pt-BR"/>
           </a:p>
@@ -1578,7 +1925,7 @@
           <a:p>
             <a:fld id="{63F25792-1D6D-478A-9814-31B09A883214}" type="datetimeFigureOut">
               <a:rPr lang="pt-BR" smtClean="0"/>
-              <a:t>23/02/2025</a:t>
+              <a:t>09/03/2025</a:t>
             </a:fld>
             <a:endParaRPr lang="pt-BR"/>
           </a:p>
@@ -1843,7 +2190,7 @@
           <a:p>
             <a:fld id="{63F25792-1D6D-478A-9814-31B09A883214}" type="datetimeFigureOut">
               <a:rPr lang="pt-BR" smtClean="0"/>
-              <a:t>23/02/2025</a:t>
+              <a:t>09/03/2025</a:t>
             </a:fld>
             <a:endParaRPr lang="pt-BR"/>
           </a:p>
@@ -2255,7 +2602,7 @@
           <a:p>
             <a:fld id="{63F25792-1D6D-478A-9814-31B09A883214}" type="datetimeFigureOut">
               <a:rPr lang="pt-BR" smtClean="0"/>
-              <a:t>23/02/2025</a:t>
+              <a:t>09/03/2025</a:t>
             </a:fld>
             <a:endParaRPr lang="pt-BR"/>
           </a:p>
@@ -2396,7 +2743,7 @@
           <a:p>
             <a:fld id="{63F25792-1D6D-478A-9814-31B09A883214}" type="datetimeFigureOut">
               <a:rPr lang="pt-BR" smtClean="0"/>
-              <a:t>23/02/2025</a:t>
+              <a:t>09/03/2025</a:t>
             </a:fld>
             <a:endParaRPr lang="pt-BR"/>
           </a:p>
@@ -2509,7 +2856,7 @@
           <a:p>
             <a:fld id="{63F25792-1D6D-478A-9814-31B09A883214}" type="datetimeFigureOut">
               <a:rPr lang="pt-BR" smtClean="0"/>
-              <a:t>23/02/2025</a:t>
+              <a:t>09/03/2025</a:t>
             </a:fld>
             <a:endParaRPr lang="pt-BR"/>
           </a:p>
@@ -2820,7 +3167,7 @@
           <a:p>
             <a:fld id="{63F25792-1D6D-478A-9814-31B09A883214}" type="datetimeFigureOut">
               <a:rPr lang="pt-BR" smtClean="0"/>
-              <a:t>23/02/2025</a:t>
+              <a:t>09/03/2025</a:t>
             </a:fld>
             <a:endParaRPr lang="pt-BR"/>
           </a:p>
@@ -3108,7 +3455,7 @@
           <a:p>
             <a:fld id="{63F25792-1D6D-478A-9814-31B09A883214}" type="datetimeFigureOut">
               <a:rPr lang="pt-BR" smtClean="0"/>
-              <a:t>23/02/2025</a:t>
+              <a:t>09/03/2025</a:t>
             </a:fld>
             <a:endParaRPr lang="pt-BR"/>
           </a:p>
@@ -3349,7 +3696,7 @@
           <a:p>
             <a:fld id="{63F25792-1D6D-478A-9814-31B09A883214}" type="datetimeFigureOut">
               <a:rPr lang="pt-BR" smtClean="0"/>
-              <a:t>23/02/2025</a:t>
+              <a:t>09/03/2025</a:t>
             </a:fld>
             <a:endParaRPr lang="pt-BR"/>
           </a:p>
@@ -5137,6 +5484,1437 @@
 </p:sld>
 </file>
 
+<file path=ppt/slides/slide10.xml><?xml version="1.0" encoding="utf-8"?>
+<p:sld xmlns:a="http://schemas.openxmlformats.org/drawingml/2006/main" xmlns:r="http://schemas.openxmlformats.org/officeDocument/2006/relationships" xmlns:p="http://schemas.openxmlformats.org/presentationml/2006/main">
+  <p:cSld>
+    <p:bg>
+      <p:bgPr>
+        <a:solidFill>
+          <a:schemeClr val="bg1"/>
+        </a:solidFill>
+        <a:effectLst/>
+      </p:bgPr>
+    </p:bg>
+    <p:spTree>
+      <p:nvGrpSpPr>
+        <p:cNvPr id="1" name=""/>
+        <p:cNvGrpSpPr/>
+        <p:nvPr/>
+      </p:nvGrpSpPr>
+      <p:grpSpPr>
+        <a:xfrm>
+          <a:off x="0" y="0"/>
+          <a:ext cx="0" cy="0"/>
+          <a:chOff x="0" y="0"/>
+          <a:chExt cx="0" cy="0"/>
+        </a:xfrm>
+      </p:grpSpPr>
+      <p:sp useBgFill="1">
+        <p:nvSpPr>
+          <p:cNvPr id="5127" name="Rectangle 5126">
+            <a:extLst>
+              <a:ext uri="{FF2B5EF4-FFF2-40B4-BE49-F238E27FC236}">
+                <a16:creationId xmlns:a16="http://schemas.microsoft.com/office/drawing/2014/main" id="{DBC6133C-0615-4CE4-9132-37E609A9BDFA}"/>
+              </a:ext>
+              <a:ext uri="{C183D7F6-B498-43B3-948B-1728B52AA6E4}">
+                <adec:decorative xmlns:adec="http://schemas.microsoft.com/office/drawing/2017/decorative" val="1"/>
+              </a:ext>
+            </a:extLst>
+          </p:cNvPr>
+          <p:cNvSpPr>
+            <a:spLocks noGrp="1" noRot="1" noChangeAspect="1" noMove="1" noResize="1" noEditPoints="1" noAdjustHandles="1" noChangeArrowheads="1" noChangeShapeType="1" noTextEdit="1"/>
+          </p:cNvSpPr>
+          <p:nvPr>
+            <p:extLst>
+              <p:ext uri="{386F3935-93C4-4BCD-93E2-E3B085C9AB24}">
+                <p16:designElem xmlns:p16="http://schemas.microsoft.com/office/powerpoint/2015/main" val="1"/>
+              </p:ext>
+            </p:extLst>
+          </p:nvPr>
+        </p:nvSpPr>
+        <p:spPr>
+          <a:xfrm>
+            <a:off x="0" y="0"/>
+            <a:ext cx="12191999" cy="6857365"/>
+          </a:xfrm>
+          <a:prstGeom prst="rect">
+            <a:avLst/>
+          </a:prstGeom>
+          <a:ln>
+            <a:noFill/>
+          </a:ln>
+        </p:spPr>
+        <p:style>
+          <a:lnRef idx="2">
+            <a:schemeClr val="accent1">
+              <a:shade val="50000"/>
+            </a:schemeClr>
+          </a:lnRef>
+          <a:fillRef idx="1">
+            <a:schemeClr val="accent1"/>
+          </a:fillRef>
+          <a:effectRef idx="0">
+            <a:schemeClr val="accent1"/>
+          </a:effectRef>
+          <a:fontRef idx="minor">
+            <a:schemeClr val="lt1"/>
+          </a:fontRef>
+        </p:style>
+        <p:txBody>
+          <a:bodyPr rtlCol="0" anchor="ctr"/>
+          <a:lstStyle/>
+          <a:p>
+            <a:pPr algn="ctr"/>
+            <a:endParaRPr lang="en-US"/>
+          </a:p>
+        </p:txBody>
+      </p:sp>
+      <p:sp>
+        <p:nvSpPr>
+          <p:cNvPr id="2" name="Título 1">
+            <a:extLst>
+              <a:ext uri="{FF2B5EF4-FFF2-40B4-BE49-F238E27FC236}">
+                <a16:creationId xmlns:a16="http://schemas.microsoft.com/office/drawing/2014/main" id="{981F6C66-7813-5F54-4A4A-38EA79FB6D54}"/>
+              </a:ext>
+            </a:extLst>
+          </p:cNvPr>
+          <p:cNvSpPr>
+            <a:spLocks noGrp="1"/>
+          </p:cNvSpPr>
+          <p:nvPr>
+            <p:ph type="title"/>
+          </p:nvPr>
+        </p:nvSpPr>
+        <p:spPr>
+          <a:xfrm>
+            <a:off x="645064" y="525982"/>
+            <a:ext cx="4282983" cy="1200361"/>
+          </a:xfrm>
+        </p:spPr>
+        <p:txBody>
+          <a:bodyPr anchor="b">
+            <a:normAutofit/>
+          </a:bodyPr>
+          <a:lstStyle/>
+          <a:p>
+            <a:r>
+              <a:rPr lang="pt-BR" sz="3600"/>
+              <a:t>Kernel</a:t>
+            </a:r>
+          </a:p>
+        </p:txBody>
+      </p:sp>
+      <p:sp>
+        <p:nvSpPr>
+          <p:cNvPr id="5129" name="Rectangle 5128">
+            <a:extLst>
+              <a:ext uri="{FF2B5EF4-FFF2-40B4-BE49-F238E27FC236}">
+                <a16:creationId xmlns:a16="http://schemas.microsoft.com/office/drawing/2014/main" id="{169CC832-2974-4E8D-90ED-3E2941BA7336}"/>
+              </a:ext>
+              <a:ext uri="{C183D7F6-B498-43B3-948B-1728B52AA6E4}">
+                <adec:decorative xmlns:adec="http://schemas.microsoft.com/office/drawing/2017/decorative" val="1"/>
+              </a:ext>
+            </a:extLst>
+          </p:cNvPr>
+          <p:cNvSpPr>
+            <a:spLocks noGrp="1" noRot="1" noChangeAspect="1" noMove="1" noResize="1" noEditPoints="1" noAdjustHandles="1" noChangeArrowheads="1" noChangeShapeType="1" noTextEdit="1"/>
+          </p:cNvSpPr>
+          <p:nvPr>
+            <p:extLst>
+              <p:ext uri="{386F3935-93C4-4BCD-93E2-E3B085C9AB24}">
+                <p16:designElem xmlns:p16="http://schemas.microsoft.com/office/powerpoint/2015/main" val="1"/>
+              </p:ext>
+            </p:extLst>
+          </p:nvPr>
+        </p:nvSpPr>
+        <p:spPr>
+          <a:xfrm flipH="1">
+            <a:off x="616533" y="1944913"/>
+            <a:ext cx="4023360" cy="27432"/>
+          </a:xfrm>
+          <a:prstGeom prst="rect">
+            <a:avLst/>
+          </a:prstGeom>
+          <a:solidFill>
+            <a:schemeClr val="accent4"/>
+          </a:solidFill>
+          <a:ln>
+            <a:noFill/>
+          </a:ln>
+        </p:spPr>
+        <p:style>
+          <a:lnRef idx="2">
+            <a:schemeClr val="accent1">
+              <a:shade val="50000"/>
+            </a:schemeClr>
+          </a:lnRef>
+          <a:fillRef idx="1">
+            <a:schemeClr val="accent1"/>
+          </a:fillRef>
+          <a:effectRef idx="0">
+            <a:schemeClr val="accent1"/>
+          </a:effectRef>
+          <a:fontRef idx="minor">
+            <a:schemeClr val="lt1"/>
+          </a:fontRef>
+        </p:style>
+        <p:txBody>
+          <a:bodyPr rtlCol="0" anchor="ctr"/>
+          <a:lstStyle/>
+          <a:p>
+            <a:pPr algn="ctr"/>
+            <a:endParaRPr lang="en-US"/>
+          </a:p>
+        </p:txBody>
+      </p:sp>
+      <p:sp>
+        <p:nvSpPr>
+          <p:cNvPr id="3" name="Espaço Reservado para Conteúdo 2">
+            <a:extLst>
+              <a:ext uri="{FF2B5EF4-FFF2-40B4-BE49-F238E27FC236}">
+                <a16:creationId xmlns:a16="http://schemas.microsoft.com/office/drawing/2014/main" id="{E6177DAE-B5AB-2E53-9A20-E5342895060C}"/>
+              </a:ext>
+            </a:extLst>
+          </p:cNvPr>
+          <p:cNvSpPr>
+            <a:spLocks noGrp="1"/>
+          </p:cNvSpPr>
+          <p:nvPr>
+            <p:ph idx="1"/>
+          </p:nvPr>
+        </p:nvSpPr>
+        <p:spPr>
+          <a:xfrm>
+            <a:off x="645066" y="2031101"/>
+            <a:ext cx="4282984" cy="3511943"/>
+          </a:xfrm>
+        </p:spPr>
+        <p:txBody>
+          <a:bodyPr anchor="ctr">
+            <a:normAutofit/>
+          </a:bodyPr>
+          <a:lstStyle/>
+          <a:p>
+            <a:pPr marL="0" indent="0">
+              <a:buNone/>
+            </a:pPr>
+            <a:r>
+              <a:rPr lang="pt-BR" sz="2400" dirty="0"/>
+              <a:t>O kernel é a parte central do sistema operacional. </a:t>
+            </a:r>
+          </a:p>
+          <a:p>
+            <a:pPr marL="0" indent="0">
+              <a:buNone/>
+            </a:pPr>
+            <a:r>
+              <a:rPr lang="pt-BR" sz="2400" dirty="0"/>
+              <a:t>Ele é responsável por gerenciar o hardware do computador (como o processador, memória e dispositivos de entrada/saída) e garantir que os programas rodem de forma eficiente e segura.</a:t>
+            </a:r>
+          </a:p>
+        </p:txBody>
+      </p:sp>
+      <p:sp>
+        <p:nvSpPr>
+          <p:cNvPr id="5131" name="Rectangle 5130">
+            <a:extLst>
+              <a:ext uri="{FF2B5EF4-FFF2-40B4-BE49-F238E27FC236}">
+                <a16:creationId xmlns:a16="http://schemas.microsoft.com/office/drawing/2014/main" id="{55222F96-971A-4F90-B841-6BAB416C7AC1}"/>
+              </a:ext>
+              <a:ext uri="{C183D7F6-B498-43B3-948B-1728B52AA6E4}">
+                <adec:decorative xmlns:adec="http://schemas.microsoft.com/office/drawing/2017/decorative" val="1"/>
+              </a:ext>
+            </a:extLst>
+          </p:cNvPr>
+          <p:cNvSpPr>
+            <a:spLocks noGrp="1" noRot="1" noChangeAspect="1" noMove="1" noResize="1" noEditPoints="1" noAdjustHandles="1" noChangeArrowheads="1" noChangeShapeType="1" noTextEdit="1"/>
+          </p:cNvSpPr>
+          <p:nvPr>
+            <p:extLst>
+              <p:ext uri="{386F3935-93C4-4BCD-93E2-E3B085C9AB24}">
+                <p16:designElem xmlns:p16="http://schemas.microsoft.com/office/powerpoint/2015/main" val="1"/>
+              </p:ext>
+            </p:extLst>
+          </p:nvPr>
+        </p:nvSpPr>
+        <p:spPr>
+          <a:xfrm rot="5400000">
+            <a:off x="-225843" y="6053360"/>
+            <a:ext cx="740664" cy="154124"/>
+          </a:xfrm>
+          <a:prstGeom prst="rect">
+            <a:avLst/>
+          </a:prstGeom>
+          <a:solidFill>
+            <a:schemeClr val="accent4"/>
+          </a:solidFill>
+          <a:ln>
+            <a:noFill/>
+          </a:ln>
+        </p:spPr>
+        <p:style>
+          <a:lnRef idx="2">
+            <a:schemeClr val="accent1">
+              <a:shade val="50000"/>
+            </a:schemeClr>
+          </a:lnRef>
+          <a:fillRef idx="1">
+            <a:schemeClr val="accent1"/>
+          </a:fillRef>
+          <a:effectRef idx="0">
+            <a:schemeClr val="accent1"/>
+          </a:effectRef>
+          <a:fontRef idx="minor">
+            <a:schemeClr val="lt1"/>
+          </a:fontRef>
+        </p:style>
+        <p:txBody>
+          <a:bodyPr rtlCol="0" anchor="ctr"/>
+          <a:lstStyle/>
+          <a:p>
+            <a:pPr algn="ctr"/>
+            <a:endParaRPr lang="en-US"/>
+          </a:p>
+        </p:txBody>
+      </p:sp>
+      <p:sp>
+        <p:nvSpPr>
+          <p:cNvPr id="5133" name="Rectangle 5132">
+            <a:extLst>
+              <a:ext uri="{FF2B5EF4-FFF2-40B4-BE49-F238E27FC236}">
+                <a16:creationId xmlns:a16="http://schemas.microsoft.com/office/drawing/2014/main" id="{08980754-6F4B-43C9-B9BE-127B6BED6586}"/>
+              </a:ext>
+              <a:ext uri="{C183D7F6-B498-43B3-948B-1728B52AA6E4}">
+                <adec:decorative xmlns:adec="http://schemas.microsoft.com/office/drawing/2017/decorative" val="1"/>
+              </a:ext>
+            </a:extLst>
+          </p:cNvPr>
+          <p:cNvSpPr>
+            <a:spLocks noGrp="1" noRot="1" noChangeAspect="1" noMove="1" noResize="1" noEditPoints="1" noAdjustHandles="1" noChangeArrowheads="1" noChangeShapeType="1" noTextEdit="1"/>
+          </p:cNvSpPr>
+          <p:nvPr>
+            <p:extLst>
+              <p:ext uri="{386F3935-93C4-4BCD-93E2-E3B085C9AB24}">
+                <p16:designElem xmlns:p16="http://schemas.microsoft.com/office/powerpoint/2015/main" val="1"/>
+              </p:ext>
+            </p:extLst>
+          </p:nvPr>
+        </p:nvSpPr>
+        <p:spPr>
+          <a:xfrm rot="5400000">
+            <a:off x="5904923" y="215201"/>
+            <a:ext cx="740664" cy="11833491"/>
+          </a:xfrm>
+          <a:prstGeom prst="rect">
+            <a:avLst/>
+          </a:prstGeom>
+          <a:solidFill>
+            <a:schemeClr val="accent4"/>
+          </a:solidFill>
+          <a:ln>
+            <a:noFill/>
+          </a:ln>
+        </p:spPr>
+        <p:style>
+          <a:lnRef idx="2">
+            <a:schemeClr val="accent1">
+              <a:shade val="50000"/>
+            </a:schemeClr>
+          </a:lnRef>
+          <a:fillRef idx="1">
+            <a:schemeClr val="accent1"/>
+          </a:fillRef>
+          <a:effectRef idx="0">
+            <a:schemeClr val="accent1"/>
+          </a:effectRef>
+          <a:fontRef idx="minor">
+            <a:schemeClr val="lt1"/>
+          </a:fontRef>
+        </p:style>
+        <p:txBody>
+          <a:bodyPr rtlCol="0" anchor="ctr"/>
+          <a:lstStyle/>
+          <a:p>
+            <a:pPr algn="ctr"/>
+            <a:endParaRPr lang="en-US"/>
+          </a:p>
+        </p:txBody>
+      </p:sp>
+      <p:sp>
+        <p:nvSpPr>
+          <p:cNvPr id="5135" name="Rectangle 5134">
+            <a:extLst>
+              <a:ext uri="{FF2B5EF4-FFF2-40B4-BE49-F238E27FC236}">
+                <a16:creationId xmlns:a16="http://schemas.microsoft.com/office/drawing/2014/main" id="{2C1BBA94-3F40-40AA-8BB9-E69E25E537C1}"/>
+              </a:ext>
+              <a:ext uri="{C183D7F6-B498-43B3-948B-1728B52AA6E4}">
+                <adec:decorative xmlns:adec="http://schemas.microsoft.com/office/drawing/2017/decorative" val="1"/>
+              </a:ext>
+            </a:extLst>
+          </p:cNvPr>
+          <p:cNvSpPr>
+            <a:spLocks noGrp="1" noRot="1" noChangeAspect="1" noMove="1" noResize="1" noEditPoints="1" noAdjustHandles="1" noChangeArrowheads="1" noChangeShapeType="1" noTextEdit="1"/>
+          </p:cNvSpPr>
+          <p:nvPr>
+            <p:extLst>
+              <p:ext uri="{386F3935-93C4-4BCD-93E2-E3B085C9AB24}">
+                <p16:designElem xmlns:p16="http://schemas.microsoft.com/office/powerpoint/2015/main" val="1"/>
+              </p:ext>
+            </p:extLst>
+          </p:nvPr>
+        </p:nvSpPr>
+        <p:spPr>
+          <a:xfrm>
+            <a:off x="5696793" y="354959"/>
+            <a:ext cx="6184973" cy="5915212"/>
+          </a:xfrm>
+          <a:prstGeom prst="rect">
+            <a:avLst/>
+          </a:prstGeom>
+          <a:solidFill>
+            <a:schemeClr val="bg1"/>
+          </a:solidFill>
+          <a:ln>
+            <a:noFill/>
+          </a:ln>
+          <a:effectLst>
+            <a:outerShdw blurRad="139700" dist="127000" dir="5400000" algn="t" rotWithShape="0">
+              <a:prstClr val="black">
+                <a:alpha val="15000"/>
+              </a:prstClr>
+            </a:outerShdw>
+          </a:effectLst>
+        </p:spPr>
+        <p:style>
+          <a:lnRef idx="2">
+            <a:schemeClr val="accent1">
+              <a:shade val="50000"/>
+            </a:schemeClr>
+          </a:lnRef>
+          <a:fillRef idx="1">
+            <a:schemeClr val="accent1"/>
+          </a:fillRef>
+          <a:effectRef idx="0">
+            <a:schemeClr val="accent1"/>
+          </a:effectRef>
+          <a:fontRef idx="minor">
+            <a:schemeClr val="lt1"/>
+          </a:fontRef>
+        </p:style>
+        <p:txBody>
+          <a:bodyPr rtlCol="0" anchor="ctr"/>
+          <a:lstStyle/>
+          <a:p>
+            <a:pPr algn="ctr"/>
+            <a:endParaRPr lang="en-US"/>
+          </a:p>
+        </p:txBody>
+      </p:sp>
+      <p:pic>
+        <p:nvPicPr>
+          <p:cNvPr id="5122" name="Picture 2" descr="Núcleo (sistema operacional) – Wikipédia, a enciclopédia livre">
+            <a:extLst>
+              <a:ext uri="{FF2B5EF4-FFF2-40B4-BE49-F238E27FC236}">
+                <a16:creationId xmlns:a16="http://schemas.microsoft.com/office/drawing/2014/main" id="{4F0BA618-E90A-C547-B573-F4CC7F6C7E45}"/>
+              </a:ext>
+            </a:extLst>
+          </p:cNvPr>
+          <p:cNvPicPr>
+            <a:picLocks noChangeAspect="1" noChangeArrowheads="1"/>
+          </p:cNvPicPr>
+          <p:nvPr/>
+        </p:nvPicPr>
+        <p:blipFill>
+          <a:blip r:embed="rId2">
+            <a:extLst>
+              <a:ext uri="{28A0092B-C50C-407E-A947-70E740481C1C}">
+                <a14:useLocalDpi xmlns:a14="http://schemas.microsoft.com/office/drawing/2010/main" val="0"/>
+              </a:ext>
+            </a:extLst>
+          </a:blip>
+          <a:stretch>
+            <a:fillRect/>
+          </a:stretch>
+        </p:blipFill>
+        <p:spPr bwMode="auto">
+          <a:xfrm>
+            <a:off x="5987738" y="1089498"/>
+            <a:ext cx="5628018" cy="4446133"/>
+          </a:xfrm>
+          <a:prstGeom prst="rect">
+            <a:avLst/>
+          </a:prstGeom>
+          <a:noFill/>
+          <a:extLst>
+            <a:ext uri="{909E8E84-426E-40DD-AFC4-6F175D3DCCD1}">
+              <a14:hiddenFill xmlns:a14="http://schemas.microsoft.com/office/drawing/2010/main">
+                <a:solidFill>
+                  <a:srgbClr val="FFFFFF"/>
+                </a:solidFill>
+              </a14:hiddenFill>
+            </a:ext>
+          </a:extLst>
+        </p:spPr>
+      </p:pic>
+    </p:spTree>
+    <p:extLst>
+      <p:ext uri="{BB962C8B-B14F-4D97-AF65-F5344CB8AC3E}">
+        <p14:creationId xmlns:p14="http://schemas.microsoft.com/office/powerpoint/2010/main" val="1670488131"/>
+      </p:ext>
+    </p:extLst>
+  </p:cSld>
+  <p:clrMapOvr>
+    <a:masterClrMapping/>
+  </p:clrMapOvr>
+</p:sld>
+</file>
+
+<file path=ppt/slides/slide11.xml><?xml version="1.0" encoding="utf-8"?>
+<p:sld xmlns:a="http://schemas.openxmlformats.org/drawingml/2006/main" xmlns:r="http://schemas.openxmlformats.org/officeDocument/2006/relationships" xmlns:p="http://schemas.openxmlformats.org/presentationml/2006/main">
+  <p:cSld>
+    <p:spTree>
+      <p:nvGrpSpPr>
+        <p:cNvPr id="1" name=""/>
+        <p:cNvGrpSpPr/>
+        <p:nvPr/>
+      </p:nvGrpSpPr>
+      <p:grpSpPr>
+        <a:xfrm>
+          <a:off x="0" y="0"/>
+          <a:ext cx="0" cy="0"/>
+          <a:chOff x="0" y="0"/>
+          <a:chExt cx="0" cy="0"/>
+        </a:xfrm>
+      </p:grpSpPr>
+      <p:sp>
+        <p:nvSpPr>
+          <p:cNvPr id="3" name="Espaço Reservado para Conteúdo 2">
+            <a:extLst>
+              <a:ext uri="{FF2B5EF4-FFF2-40B4-BE49-F238E27FC236}">
+                <a16:creationId xmlns:a16="http://schemas.microsoft.com/office/drawing/2014/main" id="{2A03BD3B-E251-21CF-65BA-78740582361F}"/>
+              </a:ext>
+            </a:extLst>
+          </p:cNvPr>
+          <p:cNvSpPr>
+            <a:spLocks noGrp="1"/>
+          </p:cNvSpPr>
+          <p:nvPr>
+            <p:ph idx="1"/>
+          </p:nvPr>
+        </p:nvSpPr>
+        <p:spPr>
+          <a:xfrm>
+            <a:off x="838200" y="296883"/>
+            <a:ext cx="10526486" cy="6293922"/>
+          </a:xfrm>
+        </p:spPr>
+        <p:txBody>
+          <a:bodyPr>
+            <a:normAutofit fontScale="85000" lnSpcReduction="20000"/>
+          </a:bodyPr>
+          <a:lstStyle/>
+          <a:p>
+            <a:pPr marL="0" indent="0">
+              <a:buNone/>
+            </a:pPr>
+            <a:r>
+              <a:rPr lang="pt-BR" dirty="0"/>
+              <a:t>Além do kernel, um sistema operacional inclui:</a:t>
+            </a:r>
+          </a:p>
+          <a:p>
+            <a:endParaRPr lang="pt-BR" dirty="0"/>
+          </a:p>
+          <a:p>
+            <a:pPr lvl="1"/>
+            <a:r>
+              <a:rPr lang="pt-BR" b="1" dirty="0"/>
+              <a:t>Shell</a:t>
+            </a:r>
+            <a:r>
+              <a:rPr lang="pt-BR" dirty="0"/>
+              <a:t>: A interface entre o usuário e o sistema, que pode ser gráfica (GUI) ou de linha de comando (CLI).</a:t>
+            </a:r>
+          </a:p>
+          <a:p>
+            <a:pPr lvl="1"/>
+            <a:endParaRPr lang="pt-BR" dirty="0"/>
+          </a:p>
+          <a:p>
+            <a:pPr lvl="1"/>
+            <a:r>
+              <a:rPr lang="pt-BR" b="1" dirty="0"/>
+              <a:t>Gerenciador de Arquivos: </a:t>
+            </a:r>
+            <a:r>
+              <a:rPr lang="pt-BR" dirty="0"/>
+              <a:t>Organiza e acessa arquivos e pastas no dispositivo.</a:t>
+            </a:r>
+          </a:p>
+          <a:p>
+            <a:pPr lvl="1"/>
+            <a:endParaRPr lang="pt-BR" dirty="0"/>
+          </a:p>
+          <a:p>
+            <a:pPr lvl="1"/>
+            <a:r>
+              <a:rPr lang="pt-BR" b="1" dirty="0"/>
+              <a:t>Bibliotecas e APIs: </a:t>
+            </a:r>
+            <a:r>
+              <a:rPr lang="pt-BR" dirty="0"/>
+              <a:t>Conjunto de funções e regras para facilitar o desenvolvimento de aplicativos.</a:t>
+            </a:r>
+          </a:p>
+          <a:p>
+            <a:pPr lvl="1"/>
+            <a:endParaRPr lang="pt-BR" dirty="0"/>
+          </a:p>
+          <a:p>
+            <a:pPr lvl="1"/>
+            <a:r>
+              <a:rPr lang="pt-BR" b="1" dirty="0"/>
+              <a:t>Drivers de Dispositivos: </a:t>
+            </a:r>
+            <a:r>
+              <a:rPr lang="pt-BR" dirty="0"/>
+              <a:t>Permitem que o sistema se comunique com o hardware.</a:t>
+            </a:r>
+          </a:p>
+          <a:p>
+            <a:pPr lvl="1"/>
+            <a:endParaRPr lang="pt-BR" dirty="0"/>
+          </a:p>
+          <a:p>
+            <a:pPr lvl="1"/>
+            <a:r>
+              <a:rPr lang="pt-BR" b="1" dirty="0"/>
+              <a:t>Gerenciadores de Processos</a:t>
+            </a:r>
+            <a:r>
+              <a:rPr lang="pt-BR" dirty="0"/>
+              <a:t>: Controlam os programas em execução e distribuem o uso da CPU.</a:t>
+            </a:r>
+          </a:p>
+          <a:p>
+            <a:pPr lvl="1"/>
+            <a:endParaRPr lang="pt-BR" dirty="0"/>
+          </a:p>
+          <a:p>
+            <a:pPr lvl="1"/>
+            <a:r>
+              <a:rPr lang="pt-BR" b="1" dirty="0"/>
+              <a:t>Gerenciamento de Memória: </a:t>
+            </a:r>
+            <a:r>
+              <a:rPr lang="pt-BR" dirty="0"/>
+              <a:t>Aloca e libera memória para os processos.</a:t>
+            </a:r>
+          </a:p>
+          <a:p>
+            <a:pPr lvl="1"/>
+            <a:endParaRPr lang="pt-BR" dirty="0"/>
+          </a:p>
+          <a:p>
+            <a:pPr lvl="1"/>
+            <a:r>
+              <a:rPr lang="pt-BR" b="1" dirty="0"/>
+              <a:t>Gerenciamento de Rede: </a:t>
+            </a:r>
+            <a:r>
+              <a:rPr lang="pt-BR" dirty="0"/>
+              <a:t>Controla as conexões de rede e comunicação entre dispositivos.</a:t>
+            </a:r>
+          </a:p>
+          <a:p>
+            <a:pPr lvl="1"/>
+            <a:endParaRPr lang="pt-BR" dirty="0"/>
+          </a:p>
+          <a:p>
+            <a:pPr lvl="1"/>
+            <a:r>
+              <a:rPr lang="pt-BR" b="1" dirty="0"/>
+              <a:t>Segurança e Controle de Acesso: </a:t>
+            </a:r>
+            <a:r>
+              <a:rPr lang="pt-BR" dirty="0"/>
+              <a:t>Protege o sistema e os dados contra acessos não autorizados e malware.</a:t>
+            </a:r>
+          </a:p>
+        </p:txBody>
+      </p:sp>
+    </p:spTree>
+    <p:extLst>
+      <p:ext uri="{BB962C8B-B14F-4D97-AF65-F5344CB8AC3E}">
+        <p14:creationId xmlns:p14="http://schemas.microsoft.com/office/powerpoint/2010/main" val="459454622"/>
+      </p:ext>
+    </p:extLst>
+  </p:cSld>
+  <p:clrMapOvr>
+    <a:masterClrMapping/>
+  </p:clrMapOvr>
+</p:sld>
+</file>
+
+<file path=ppt/slides/slide12.xml><?xml version="1.0" encoding="utf-8"?>
+<p:sld xmlns:a="http://schemas.openxmlformats.org/drawingml/2006/main" xmlns:r="http://schemas.openxmlformats.org/officeDocument/2006/relationships" xmlns:p="http://schemas.openxmlformats.org/presentationml/2006/main">
+  <p:cSld>
+    <p:spTree>
+      <p:nvGrpSpPr>
+        <p:cNvPr id="1" name=""/>
+        <p:cNvGrpSpPr/>
+        <p:nvPr/>
+      </p:nvGrpSpPr>
+      <p:grpSpPr>
+        <a:xfrm>
+          <a:off x="0" y="0"/>
+          <a:ext cx="0" cy="0"/>
+          <a:chOff x="0" y="0"/>
+          <a:chExt cx="0" cy="0"/>
+        </a:xfrm>
+      </p:grpSpPr>
+      <p:sp>
+        <p:nvSpPr>
+          <p:cNvPr id="2" name="Título 1">
+            <a:extLst>
+              <a:ext uri="{FF2B5EF4-FFF2-40B4-BE49-F238E27FC236}">
+                <a16:creationId xmlns:a16="http://schemas.microsoft.com/office/drawing/2014/main" id="{3C84CB1B-D597-12EC-D8C9-BF4B19258B13}"/>
+              </a:ext>
+            </a:extLst>
+          </p:cNvPr>
+          <p:cNvSpPr>
+            <a:spLocks noGrp="1"/>
+          </p:cNvSpPr>
+          <p:nvPr>
+            <p:ph type="title"/>
+          </p:nvPr>
+        </p:nvSpPr>
+        <p:spPr/>
+        <p:txBody>
+          <a:bodyPr/>
+          <a:lstStyle/>
+          <a:p>
+            <a:r>
+              <a:rPr lang="pt-BR" dirty="0"/>
+              <a:t>Comandos Windows Para Praticar </a:t>
+            </a:r>
+          </a:p>
+        </p:txBody>
+      </p:sp>
+      <p:sp>
+        <p:nvSpPr>
+          <p:cNvPr id="3" name="Espaço Reservado para Conteúdo 2">
+            <a:extLst>
+              <a:ext uri="{FF2B5EF4-FFF2-40B4-BE49-F238E27FC236}">
+                <a16:creationId xmlns:a16="http://schemas.microsoft.com/office/drawing/2014/main" id="{F0D6A4CA-5D79-A722-184C-D1EB2550FD80}"/>
+              </a:ext>
+            </a:extLst>
+          </p:cNvPr>
+          <p:cNvSpPr>
+            <a:spLocks noGrp="1"/>
+          </p:cNvSpPr>
+          <p:nvPr>
+            <p:ph idx="1"/>
+          </p:nvPr>
+        </p:nvSpPr>
+        <p:spPr/>
+        <p:txBody>
+          <a:bodyPr>
+            <a:normAutofit/>
+          </a:bodyPr>
+          <a:lstStyle/>
+          <a:p>
+            <a:pPr marL="457200" lvl="1" indent="0">
+              <a:buNone/>
+            </a:pPr>
+            <a:r>
+              <a:rPr lang="pt-BR" b="1" i="1" dirty="0" err="1"/>
+              <a:t>systeminfo</a:t>
+            </a:r>
+            <a:r>
+              <a:rPr lang="pt-BR" dirty="0"/>
+              <a:t> – Exibe informações detalhadas sobre o sistema operacional, incluindo a versão, o tempo de atividade e a memória.</a:t>
+            </a:r>
+          </a:p>
+          <a:p>
+            <a:pPr lvl="1"/>
+            <a:endParaRPr lang="pt-BR" dirty="0"/>
+          </a:p>
+          <a:p>
+            <a:pPr marL="457200" lvl="1" indent="0">
+              <a:buNone/>
+            </a:pPr>
+            <a:r>
+              <a:rPr lang="pt-BR" b="1" i="1" dirty="0" err="1"/>
+              <a:t>winver</a:t>
+            </a:r>
+            <a:r>
+              <a:rPr lang="pt-BR" dirty="0"/>
+              <a:t> – Exibe uma janela com a versão e a compilação do Windows.</a:t>
+            </a:r>
+          </a:p>
+          <a:p>
+            <a:pPr marL="457200" lvl="1" indent="0">
+              <a:buNone/>
+            </a:pPr>
+            <a:endParaRPr lang="pt-BR" dirty="0"/>
+          </a:p>
+          <a:p>
+            <a:pPr marL="457200" lvl="1" indent="0">
+              <a:buNone/>
+            </a:pPr>
+            <a:r>
+              <a:rPr lang="pt-BR" b="1" i="1" dirty="0" err="1"/>
+              <a:t>tasklist</a:t>
+            </a:r>
+            <a:r>
+              <a:rPr lang="pt-BR" dirty="0"/>
+              <a:t> – Exibe uma lista dos processos em execução.</a:t>
+            </a:r>
+          </a:p>
+          <a:p>
+            <a:pPr marL="457200" lvl="1" indent="0">
+              <a:buNone/>
+            </a:pPr>
+            <a:endParaRPr lang="pt-BR" dirty="0"/>
+          </a:p>
+          <a:p>
+            <a:pPr marL="457200" lvl="1" indent="0">
+              <a:buNone/>
+            </a:pPr>
+            <a:r>
+              <a:rPr lang="pt-BR" b="1" i="1" dirty="0" err="1"/>
+              <a:t>wmic</a:t>
+            </a:r>
+            <a:r>
+              <a:rPr lang="pt-BR" b="1" i="1" dirty="0"/>
+              <a:t> </a:t>
+            </a:r>
+            <a:r>
+              <a:rPr lang="pt-BR" b="1" i="1" dirty="0" err="1"/>
+              <a:t>logicaldisk</a:t>
+            </a:r>
+            <a:r>
+              <a:rPr lang="pt-BR" b="1" i="1" dirty="0"/>
+              <a:t> </a:t>
+            </a:r>
+            <a:r>
+              <a:rPr lang="pt-BR" b="1" i="1" dirty="0" err="1"/>
+              <a:t>get</a:t>
+            </a:r>
+            <a:r>
+              <a:rPr lang="pt-BR" b="1" i="1" dirty="0"/>
+              <a:t> </a:t>
+            </a:r>
+            <a:r>
+              <a:rPr lang="pt-BR" b="1" i="1" dirty="0" err="1"/>
+              <a:t>size,freespace,caption</a:t>
+            </a:r>
+            <a:r>
+              <a:rPr lang="pt-BR" b="1" i="1" dirty="0"/>
+              <a:t> </a:t>
+            </a:r>
+            <a:r>
+              <a:rPr lang="pt-BR" dirty="0"/>
+              <a:t>– Mostra o espaço total e disponível dos discos.</a:t>
+            </a:r>
+          </a:p>
+          <a:p>
+            <a:pPr marL="457200" lvl="1" indent="0">
+              <a:buNone/>
+            </a:pPr>
+            <a:endParaRPr lang="pt-BR" dirty="0"/>
+          </a:p>
+          <a:p>
+            <a:pPr marL="457200" lvl="1" indent="0">
+              <a:buNone/>
+            </a:pPr>
+            <a:r>
+              <a:rPr lang="pt-BR" b="1" i="1" dirty="0" err="1"/>
+              <a:t>ipconfig</a:t>
+            </a:r>
+            <a:r>
+              <a:rPr lang="pt-BR" dirty="0"/>
+              <a:t> – Exibe detalhes da configuração de rede, como IP e gateways.</a:t>
+            </a:r>
+          </a:p>
+        </p:txBody>
+      </p:sp>
+      <p:sp>
+        <p:nvSpPr>
+          <p:cNvPr id="4" name="CaixaDeTexto 3">
+            <a:extLst>
+              <a:ext uri="{FF2B5EF4-FFF2-40B4-BE49-F238E27FC236}">
+                <a16:creationId xmlns:a16="http://schemas.microsoft.com/office/drawing/2014/main" id="{BD8B8930-8C07-7D45-E288-C287DB06F433}"/>
+              </a:ext>
+            </a:extLst>
+          </p:cNvPr>
+          <p:cNvSpPr txBox="1"/>
+          <p:nvPr/>
+        </p:nvSpPr>
+        <p:spPr>
+          <a:xfrm>
+            <a:off x="1696192" y="6488668"/>
+            <a:ext cx="8799615" cy="369332"/>
+          </a:xfrm>
+          <a:prstGeom prst="rect">
+            <a:avLst/>
+          </a:prstGeom>
+          <a:noFill/>
+        </p:spPr>
+        <p:txBody>
+          <a:bodyPr wrap="square" rtlCol="0">
+            <a:spAutoFit/>
+          </a:bodyPr>
+          <a:lstStyle/>
+          <a:p>
+            <a:r>
+              <a:rPr lang="pt-BR" b="1" i="1" dirty="0"/>
+              <a:t>Os comandos que você deve executar no CMD do computador estão em negrito.</a:t>
+            </a:r>
+          </a:p>
+        </p:txBody>
+      </p:sp>
+    </p:spTree>
+    <p:extLst>
+      <p:ext uri="{BB962C8B-B14F-4D97-AF65-F5344CB8AC3E}">
+        <p14:creationId xmlns:p14="http://schemas.microsoft.com/office/powerpoint/2010/main" val="90277851"/>
+      </p:ext>
+    </p:extLst>
+  </p:cSld>
+  <p:clrMapOvr>
+    <a:masterClrMapping/>
+  </p:clrMapOvr>
+</p:sld>
+</file>
+
+<file path=ppt/slides/slide13.xml><?xml version="1.0" encoding="utf-8"?>
+<p:sld xmlns:a="http://schemas.openxmlformats.org/drawingml/2006/main" xmlns:r="http://schemas.openxmlformats.org/officeDocument/2006/relationships" xmlns:p="http://schemas.openxmlformats.org/presentationml/2006/main">
+  <p:cSld>
+    <p:bg>
+      <p:bgPr>
+        <a:solidFill>
+          <a:schemeClr val="bg1"/>
+        </a:solidFill>
+        <a:effectLst/>
+      </p:bgPr>
+    </p:bg>
+    <p:spTree>
+      <p:nvGrpSpPr>
+        <p:cNvPr id="1" name=""/>
+        <p:cNvGrpSpPr/>
+        <p:nvPr/>
+      </p:nvGrpSpPr>
+      <p:grpSpPr>
+        <a:xfrm>
+          <a:off x="0" y="0"/>
+          <a:ext cx="0" cy="0"/>
+          <a:chOff x="0" y="0"/>
+          <a:chExt cx="0" cy="0"/>
+        </a:xfrm>
+      </p:grpSpPr>
+      <p:sp>
+        <p:nvSpPr>
+          <p:cNvPr id="10" name="Down Arrow 7">
+            <a:extLst>
+              <a:ext uri="{FF2B5EF4-FFF2-40B4-BE49-F238E27FC236}">
+                <a16:creationId xmlns:a16="http://schemas.microsoft.com/office/drawing/2014/main" id="{D4771268-CB57-404A-9271-370EB28F6090}"/>
+              </a:ext>
+              <a:ext uri="{C183D7F6-B498-43B3-948B-1728B52AA6E4}">
+                <adec:decorative xmlns:adec="http://schemas.microsoft.com/office/drawing/2017/decorative" val="1"/>
+              </a:ext>
+            </a:extLst>
+          </p:cNvPr>
+          <p:cNvSpPr>
+            <a:spLocks noGrp="1" noRot="1" noChangeAspect="1" noMove="1" noResize="1" noEditPoints="1" noAdjustHandles="1" noChangeArrowheads="1" noChangeShapeType="1" noTextEdit="1"/>
+          </p:cNvSpPr>
+          <p:nvPr>
+            <p:extLst>
+              <p:ext uri="{386F3935-93C4-4BCD-93E2-E3B085C9AB24}">
+                <p16:designElem xmlns:p16="http://schemas.microsoft.com/office/powerpoint/2015/main" val="1"/>
+              </p:ext>
+            </p:extLst>
+          </p:nvPr>
+        </p:nvSpPr>
+        <p:spPr>
+          <a:xfrm rot="16200000">
+            <a:off x="800100" y="1491343"/>
+            <a:ext cx="3333749" cy="3499103"/>
+          </a:xfrm>
+          <a:prstGeom prst="downArrow">
+            <a:avLst>
+              <a:gd name="adj1" fmla="val 100000"/>
+              <a:gd name="adj2" fmla="val 15788"/>
+            </a:avLst>
+          </a:prstGeom>
+          <a:solidFill>
+            <a:srgbClr val="404040"/>
+          </a:solidFill>
+          <a:ln w="53975">
+            <a:noFill/>
+          </a:ln>
+        </p:spPr>
+        <p:style>
+          <a:lnRef idx="2">
+            <a:schemeClr val="accent1">
+              <a:shade val="50000"/>
+            </a:schemeClr>
+          </a:lnRef>
+          <a:fillRef idx="1">
+            <a:schemeClr val="accent1"/>
+          </a:fillRef>
+          <a:effectRef idx="0">
+            <a:schemeClr val="accent1"/>
+          </a:effectRef>
+          <a:fontRef idx="minor">
+            <a:schemeClr val="lt1"/>
+          </a:fontRef>
+        </p:style>
+        <p:txBody>
+          <a:bodyPr rtlCol="0" anchor="ctr"/>
+          <a:lstStyle/>
+          <a:p>
+            <a:pPr algn="ctr"/>
+            <a:endParaRPr lang="en-US"/>
+          </a:p>
+        </p:txBody>
+      </p:sp>
+      <p:sp>
+        <p:nvSpPr>
+          <p:cNvPr id="2" name="Título 1">
+            <a:extLst>
+              <a:ext uri="{FF2B5EF4-FFF2-40B4-BE49-F238E27FC236}">
+                <a16:creationId xmlns:a16="http://schemas.microsoft.com/office/drawing/2014/main" id="{1210E6B7-A872-F305-0D6E-62BA58AD9DFB}"/>
+              </a:ext>
+            </a:extLst>
+          </p:cNvPr>
+          <p:cNvSpPr>
+            <a:spLocks noGrp="1"/>
+          </p:cNvSpPr>
+          <p:nvPr>
+            <p:ph type="title"/>
+          </p:nvPr>
+        </p:nvSpPr>
+        <p:spPr>
+          <a:xfrm>
+            <a:off x="1028700" y="1967266"/>
+            <a:ext cx="2628900" cy="2547257"/>
+          </a:xfrm>
+          <a:noFill/>
+        </p:spPr>
+        <p:txBody>
+          <a:bodyPr vert="horz" lIns="91440" tIns="45720" rIns="91440" bIns="45720" rtlCol="0" anchor="ctr">
+            <a:normAutofit/>
+          </a:bodyPr>
+          <a:lstStyle/>
+          <a:p>
+            <a:pPr algn="ctr"/>
+            <a:r>
+              <a:rPr lang="en-US" sz="3600" kern="1200">
+                <a:solidFill>
+                  <a:srgbClr val="FFFFFF"/>
+                </a:solidFill>
+                <a:latin typeface="+mj-lt"/>
+                <a:ea typeface="+mj-ea"/>
+                <a:cs typeface="+mj-cs"/>
+              </a:rPr>
+              <a:t>Exemplo:</a:t>
+            </a:r>
+          </a:p>
+        </p:txBody>
+      </p:sp>
+      <p:pic>
+        <p:nvPicPr>
+          <p:cNvPr id="5" name="Espaço Reservado para Conteúdo 4" descr="Tela de computador com texto preto sobre fundo branco&#10;&#10;O conteúdo gerado por IA pode estar incorreto.">
+            <a:extLst>
+              <a:ext uri="{FF2B5EF4-FFF2-40B4-BE49-F238E27FC236}">
+                <a16:creationId xmlns:a16="http://schemas.microsoft.com/office/drawing/2014/main" id="{EC396C08-A435-F1F6-02B2-922381E37FBC}"/>
+              </a:ext>
+            </a:extLst>
+          </p:cNvPr>
+          <p:cNvPicPr>
+            <a:picLocks noGrp="1" noChangeAspect="1"/>
+          </p:cNvPicPr>
+          <p:nvPr>
+            <p:ph idx="1"/>
+          </p:nvPr>
+        </p:nvPicPr>
+        <p:blipFill>
+          <a:blip r:embed="rId2"/>
+          <a:stretch>
+            <a:fillRect/>
+          </a:stretch>
+        </p:blipFill>
+        <p:spPr>
+          <a:xfrm>
+            <a:off x="5221243" y="643466"/>
+            <a:ext cx="5892845" cy="5568739"/>
+          </a:xfrm>
+          <a:prstGeom prst="rect">
+            <a:avLst/>
+          </a:prstGeom>
+        </p:spPr>
+      </p:pic>
+    </p:spTree>
+    <p:extLst>
+      <p:ext uri="{BB962C8B-B14F-4D97-AF65-F5344CB8AC3E}">
+        <p14:creationId xmlns:p14="http://schemas.microsoft.com/office/powerpoint/2010/main" val="3286889841"/>
+      </p:ext>
+    </p:extLst>
+  </p:cSld>
+  <p:clrMapOvr>
+    <a:masterClrMapping/>
+  </p:clrMapOvr>
+</p:sld>
+</file>
+
+<file path=ppt/slides/slide14.xml><?xml version="1.0" encoding="utf-8"?>
+<p:sld xmlns:a="http://schemas.openxmlformats.org/drawingml/2006/main" xmlns:r="http://schemas.openxmlformats.org/officeDocument/2006/relationships" xmlns:p="http://schemas.openxmlformats.org/presentationml/2006/main">
+  <p:cSld>
+    <p:bg>
+      <p:bgPr>
+        <a:solidFill>
+          <a:schemeClr val="bg1"/>
+        </a:solidFill>
+        <a:effectLst/>
+      </p:bgPr>
+    </p:bg>
+    <p:spTree>
+      <p:nvGrpSpPr>
+        <p:cNvPr id="1" name=""/>
+        <p:cNvGrpSpPr/>
+        <p:nvPr/>
+      </p:nvGrpSpPr>
+      <p:grpSpPr>
+        <a:xfrm>
+          <a:off x="0" y="0"/>
+          <a:ext cx="0" cy="0"/>
+          <a:chOff x="0" y="0"/>
+          <a:chExt cx="0" cy="0"/>
+        </a:xfrm>
+      </p:grpSpPr>
+      <p:sp useBgFill="1">
+        <p:nvSpPr>
+          <p:cNvPr id="16" name="Rectangle 9">
+            <a:extLst>
+              <a:ext uri="{FF2B5EF4-FFF2-40B4-BE49-F238E27FC236}">
+                <a16:creationId xmlns:a16="http://schemas.microsoft.com/office/drawing/2014/main" id="{1500B4A4-B1F1-41EA-886A-B8A210DBCA3B}"/>
+              </a:ext>
+              <a:ext uri="{C183D7F6-B498-43B3-948B-1728B52AA6E4}">
+                <adec:decorative xmlns:adec="http://schemas.microsoft.com/office/drawing/2017/decorative" val="1"/>
+              </a:ext>
+            </a:extLst>
+          </p:cNvPr>
+          <p:cNvSpPr>
+            <a:spLocks noGrp="1" noRot="1" noChangeAspect="1" noMove="1" noResize="1" noEditPoints="1" noAdjustHandles="1" noChangeArrowheads="1" noChangeShapeType="1" noTextEdit="1"/>
+          </p:cNvSpPr>
+          <p:nvPr>
+            <p:extLst>
+              <p:ext uri="{386F3935-93C4-4BCD-93E2-E3B085C9AB24}">
+                <p16:designElem xmlns:p16="http://schemas.microsoft.com/office/powerpoint/2015/main" val="1"/>
+              </p:ext>
+            </p:extLst>
+          </p:nvPr>
+        </p:nvSpPr>
+        <p:spPr>
+          <a:xfrm>
+            <a:off x="0" y="0"/>
+            <a:ext cx="12191695" cy="6858000"/>
+          </a:xfrm>
+          <a:prstGeom prst="rect">
+            <a:avLst/>
+          </a:prstGeom>
+          <a:ln>
+            <a:noFill/>
+          </a:ln>
+        </p:spPr>
+        <p:style>
+          <a:lnRef idx="2">
+            <a:schemeClr val="accent1">
+              <a:shade val="50000"/>
+            </a:schemeClr>
+          </a:lnRef>
+          <a:fillRef idx="1">
+            <a:schemeClr val="accent1"/>
+          </a:fillRef>
+          <a:effectRef idx="0">
+            <a:schemeClr val="accent1"/>
+          </a:effectRef>
+          <a:fontRef idx="minor">
+            <a:schemeClr val="lt1"/>
+          </a:fontRef>
+        </p:style>
+        <p:txBody>
+          <a:bodyPr rtlCol="0" anchor="ctr"/>
+          <a:lstStyle/>
+          <a:p>
+            <a:pPr algn="ctr"/>
+            <a:endParaRPr lang="en-US"/>
+          </a:p>
+        </p:txBody>
+      </p:sp>
+      <p:sp>
+        <p:nvSpPr>
+          <p:cNvPr id="17" name="Rectangle 11">
+            <a:extLst>
+              <a:ext uri="{FF2B5EF4-FFF2-40B4-BE49-F238E27FC236}">
+                <a16:creationId xmlns:a16="http://schemas.microsoft.com/office/drawing/2014/main" id="{5E55A99C-0BDC-4DBE-8E40-9FA66F629FA1}"/>
+              </a:ext>
+              <a:ext uri="{C183D7F6-B498-43B3-948B-1728B52AA6E4}">
+                <adec:decorative xmlns:adec="http://schemas.microsoft.com/office/drawing/2017/decorative" val="1"/>
+              </a:ext>
+            </a:extLst>
+          </p:cNvPr>
+          <p:cNvSpPr>
+            <a:spLocks noGrp="1" noRot="1" noChangeAspect="1" noMove="1" noResize="1" noEditPoints="1" noAdjustHandles="1" noChangeArrowheads="1" noChangeShapeType="1" noTextEdit="1"/>
+          </p:cNvSpPr>
+          <p:nvPr>
+            <p:extLst>
+              <p:ext uri="{386F3935-93C4-4BCD-93E2-E3B085C9AB24}">
+                <p16:designElem xmlns:p16="http://schemas.microsoft.com/office/powerpoint/2015/main" val="1"/>
+              </p:ext>
+            </p:extLst>
+          </p:nvPr>
+        </p:nvSpPr>
+        <p:spPr>
+          <a:xfrm>
+            <a:off x="0" y="891540"/>
+            <a:ext cx="722376" cy="5071110"/>
+          </a:xfrm>
+          <a:prstGeom prst="rect">
+            <a:avLst/>
+          </a:prstGeom>
+          <a:solidFill>
+            <a:srgbClr val="4C5254"/>
+          </a:solidFill>
+          <a:ln>
+            <a:noFill/>
+          </a:ln>
+        </p:spPr>
+        <p:style>
+          <a:lnRef idx="2">
+            <a:schemeClr val="accent1">
+              <a:shade val="50000"/>
+            </a:schemeClr>
+          </a:lnRef>
+          <a:fillRef idx="1">
+            <a:schemeClr val="accent1"/>
+          </a:fillRef>
+          <a:effectRef idx="0">
+            <a:schemeClr val="accent1"/>
+          </a:effectRef>
+          <a:fontRef idx="minor">
+            <a:schemeClr val="lt1"/>
+          </a:fontRef>
+        </p:style>
+        <p:txBody>
+          <a:bodyPr rtlCol="0" anchor="ctr"/>
+          <a:lstStyle/>
+          <a:p>
+            <a:pPr algn="ctr"/>
+            <a:endParaRPr lang="en-US"/>
+          </a:p>
+        </p:txBody>
+      </p:sp>
+      <p:pic>
+        <p:nvPicPr>
+          <p:cNvPr id="5" name="Espaço Reservado para Conteúdo 4" descr="Texto&#10;&#10;O conteúdo gerado por IA pode estar incorreto.">
+            <a:extLst>
+              <a:ext uri="{FF2B5EF4-FFF2-40B4-BE49-F238E27FC236}">
+                <a16:creationId xmlns:a16="http://schemas.microsoft.com/office/drawing/2014/main" id="{83EC9FA3-EE4A-6B69-8B97-C65FED6E8576}"/>
+              </a:ext>
+            </a:extLst>
+          </p:cNvPr>
+          <p:cNvPicPr>
+            <a:picLocks noGrp="1" noChangeAspect="1"/>
+          </p:cNvPicPr>
+          <p:nvPr>
+            <p:ph idx="1"/>
+          </p:nvPr>
+        </p:nvPicPr>
+        <p:blipFill>
+          <a:blip r:embed="rId3"/>
+          <a:stretch>
+            <a:fillRect/>
+          </a:stretch>
+        </p:blipFill>
+        <p:spPr>
+          <a:xfrm>
+            <a:off x="952237" y="1767678"/>
+            <a:ext cx="10337975" cy="3318833"/>
+          </a:xfrm>
+          <a:prstGeom prst="rect">
+            <a:avLst/>
+          </a:prstGeom>
+        </p:spPr>
+      </p:pic>
+    </p:spTree>
+    <p:extLst>
+      <p:ext uri="{BB962C8B-B14F-4D97-AF65-F5344CB8AC3E}">
+        <p14:creationId xmlns:p14="http://schemas.microsoft.com/office/powerpoint/2010/main" val="3538564423"/>
+      </p:ext>
+    </p:extLst>
+  </p:cSld>
+  <p:clrMapOvr>
+    <a:masterClrMapping/>
+  </p:clrMapOvr>
+</p:sld>
+</file>
+
+<file path=ppt/slides/slide15.xml><?xml version="1.0" encoding="utf-8"?>
+<p:sld xmlns:a="http://schemas.openxmlformats.org/drawingml/2006/main" xmlns:r="http://schemas.openxmlformats.org/officeDocument/2006/relationships" xmlns:p="http://schemas.openxmlformats.org/presentationml/2006/main">
+  <p:cSld>
+    <p:spTree>
+      <p:nvGrpSpPr>
+        <p:cNvPr id="1" name=""/>
+        <p:cNvGrpSpPr/>
+        <p:nvPr/>
+      </p:nvGrpSpPr>
+      <p:grpSpPr>
+        <a:xfrm>
+          <a:off x="0" y="0"/>
+          <a:ext cx="0" cy="0"/>
+          <a:chOff x="0" y="0"/>
+          <a:chExt cx="0" cy="0"/>
+        </a:xfrm>
+      </p:grpSpPr>
+      <p:pic>
+        <p:nvPicPr>
+          <p:cNvPr id="5" name="Picture 2" descr="Memes da Galeria - Gerar Memes - Gerador de Memes Online">
+            <a:extLst>
+              <a:ext uri="{FF2B5EF4-FFF2-40B4-BE49-F238E27FC236}">
+                <a16:creationId xmlns:a16="http://schemas.microsoft.com/office/drawing/2014/main" id="{E095D8D1-89A2-19E6-95AB-392FC84E6A47}"/>
+              </a:ext>
+            </a:extLst>
+          </p:cNvPr>
+          <p:cNvPicPr>
+            <a:picLocks noChangeAspect="1" noChangeArrowheads="1"/>
+          </p:cNvPicPr>
+          <p:nvPr/>
+        </p:nvPicPr>
+        <p:blipFill>
+          <a:blip r:embed="rId2">
+            <a:extLst>
+              <a:ext uri="{28A0092B-C50C-407E-A947-70E740481C1C}">
+                <a14:useLocalDpi xmlns:a14="http://schemas.microsoft.com/office/drawing/2010/main" val="0"/>
+              </a:ext>
+            </a:extLst>
+          </a:blip>
+          <a:srcRect/>
+          <a:stretch>
+            <a:fillRect/>
+          </a:stretch>
+        </p:blipFill>
+        <p:spPr bwMode="auto">
+          <a:xfrm>
+            <a:off x="4112721" y="953295"/>
+            <a:ext cx="4382885" cy="4382885"/>
+          </a:xfrm>
+          <a:prstGeom prst="rect">
+            <a:avLst/>
+          </a:prstGeom>
+          <a:noFill/>
+          <a:extLst>
+            <a:ext uri="{909E8E84-426E-40DD-AFC4-6F175D3DCCD1}">
+              <a14:hiddenFill xmlns:a14="http://schemas.microsoft.com/office/drawing/2010/main">
+                <a:solidFill>
+                  <a:srgbClr val="FFFFFF"/>
+                </a:solidFill>
+              </a14:hiddenFill>
+            </a:ext>
+          </a:extLst>
+        </p:spPr>
+      </p:pic>
+    </p:spTree>
+    <p:extLst>
+      <p:ext uri="{BB962C8B-B14F-4D97-AF65-F5344CB8AC3E}">
+        <p14:creationId xmlns:p14="http://schemas.microsoft.com/office/powerpoint/2010/main" val="2378384928"/>
+      </p:ext>
+    </p:extLst>
+  </p:cSld>
+  <p:clrMapOvr>
+    <a:masterClrMapping/>
+  </p:clrMapOvr>
+</p:sld>
+</file>
+
+<file path=ppt/slides/slide16.xml><?xml version="1.0" encoding="utf-8"?>
+<p:sld xmlns:a="http://schemas.openxmlformats.org/drawingml/2006/main" xmlns:r="http://schemas.openxmlformats.org/officeDocument/2006/relationships" xmlns:p="http://schemas.openxmlformats.org/presentationml/2006/main">
+  <p:cSld>
+    <p:spTree>
+      <p:nvGrpSpPr>
+        <p:cNvPr id="1" name=""/>
+        <p:cNvGrpSpPr/>
+        <p:nvPr/>
+      </p:nvGrpSpPr>
+      <p:grpSpPr>
+        <a:xfrm>
+          <a:off x="0" y="0"/>
+          <a:ext cx="0" cy="0"/>
+          <a:chOff x="0" y="0"/>
+          <a:chExt cx="0" cy="0"/>
+        </a:xfrm>
+      </p:grpSpPr>
+      <p:pic>
+        <p:nvPicPr>
+          <p:cNvPr id="26626" name="Picture 2" descr="Resto do Slide 😅 - Pedagogia DOS MEMES | Facebook">
+            <a:extLst>
+              <a:ext uri="{FF2B5EF4-FFF2-40B4-BE49-F238E27FC236}">
+                <a16:creationId xmlns:a16="http://schemas.microsoft.com/office/drawing/2014/main" id="{20ED57FC-A949-8467-AD04-FD38EE9729E8}"/>
+              </a:ext>
+            </a:extLst>
+          </p:cNvPr>
+          <p:cNvPicPr>
+            <a:picLocks noChangeAspect="1" noChangeArrowheads="1"/>
+          </p:cNvPicPr>
+          <p:nvPr/>
+        </p:nvPicPr>
+        <p:blipFill>
+          <a:blip r:embed="rId2">
+            <a:extLst>
+              <a:ext uri="{28A0092B-C50C-407E-A947-70E740481C1C}">
+                <a14:useLocalDpi xmlns:a14="http://schemas.microsoft.com/office/drawing/2010/main" val="0"/>
+              </a:ext>
+            </a:extLst>
+          </a:blip>
+          <a:srcRect/>
+          <a:stretch>
+            <a:fillRect/>
+          </a:stretch>
+        </p:blipFill>
+        <p:spPr bwMode="auto">
+          <a:xfrm>
+            <a:off x="3023950" y="356950"/>
+            <a:ext cx="6144100" cy="6144100"/>
+          </a:xfrm>
+          <a:prstGeom prst="rect">
+            <a:avLst/>
+          </a:prstGeom>
+          <a:noFill/>
+          <a:extLst>
+            <a:ext uri="{909E8E84-426E-40DD-AFC4-6F175D3DCCD1}">
+              <a14:hiddenFill xmlns:a14="http://schemas.microsoft.com/office/drawing/2010/main">
+                <a:solidFill>
+                  <a:srgbClr val="FFFFFF"/>
+                </a:solidFill>
+              </a14:hiddenFill>
+            </a:ext>
+          </a:extLst>
+        </p:spPr>
+      </p:pic>
+    </p:spTree>
+    <p:extLst>
+      <p:ext uri="{BB962C8B-B14F-4D97-AF65-F5344CB8AC3E}">
+        <p14:creationId xmlns:p14="http://schemas.microsoft.com/office/powerpoint/2010/main" val="1481317892"/>
+      </p:ext>
+    </p:extLst>
+  </p:cSld>
+  <p:clrMapOvr>
+    <a:masterClrMapping/>
+  </p:clrMapOvr>
+</p:sld>
+</file>
+
 <file path=ppt/slides/slide2.xml><?xml version="1.0" encoding="utf-8"?>
 <p:sld xmlns:a="http://schemas.openxmlformats.org/drawingml/2006/main" xmlns:r="http://schemas.openxmlformats.org/officeDocument/2006/relationships" xmlns:p="http://schemas.openxmlformats.org/presentationml/2006/main">
   <p:cSld>
@@ -6730,6 +8508,14 @@
 <file path=ppt/slides/slide4.xml><?xml version="1.0" encoding="utf-8"?>
 <p:sld xmlns:a="http://schemas.openxmlformats.org/drawingml/2006/main" xmlns:r="http://schemas.openxmlformats.org/officeDocument/2006/relationships" xmlns:p="http://schemas.openxmlformats.org/presentationml/2006/main">
   <p:cSld>
+    <p:bg>
+      <p:bgPr>
+        <a:solidFill>
+          <a:schemeClr val="bg1"/>
+        </a:solidFill>
+        <a:effectLst/>
+      </p:bgPr>
+    </p:bg>
     <p:spTree>
       <p:nvGrpSpPr>
         <p:cNvPr id="1" name=""/>
@@ -6744,12 +8530,436 @@
           <a:chExt cx="0" cy="0"/>
         </a:xfrm>
       </p:grpSpPr>
+      <p:sp useBgFill="1">
+        <p:nvSpPr>
+          <p:cNvPr id="1031" name="Rectangle 1030">
+            <a:extLst>
+              <a:ext uri="{FF2B5EF4-FFF2-40B4-BE49-F238E27FC236}">
+                <a16:creationId xmlns:a16="http://schemas.microsoft.com/office/drawing/2014/main" id="{2EB492CD-616E-47F8-933B-5E2D952A0593}"/>
+              </a:ext>
+              <a:ext uri="{C183D7F6-B498-43B3-948B-1728B52AA6E4}">
+                <adec:decorative xmlns:adec="http://schemas.microsoft.com/office/drawing/2017/decorative" val="1"/>
+              </a:ext>
+            </a:extLst>
+          </p:cNvPr>
+          <p:cNvSpPr>
+            <a:spLocks noGrp="1" noRot="1" noChangeAspect="1" noMove="1" noResize="1" noEditPoints="1" noAdjustHandles="1" noChangeArrowheads="1" noChangeShapeType="1" noTextEdit="1"/>
+          </p:cNvSpPr>
+          <p:nvPr>
+            <p:extLst>
+              <p:ext uri="{386F3935-93C4-4BCD-93E2-E3B085C9AB24}">
+                <p16:designElem xmlns:p16="http://schemas.microsoft.com/office/powerpoint/2015/main" val="1"/>
+              </p:ext>
+            </p:extLst>
+          </p:nvPr>
+        </p:nvSpPr>
+        <p:spPr bwMode="white">
+          <a:xfrm>
+            <a:off x="0" y="0"/>
+            <a:ext cx="12192000" cy="6858000"/>
+          </a:xfrm>
+          <a:prstGeom prst="rect">
+            <a:avLst/>
+          </a:prstGeom>
+          <a:ln>
+            <a:noFill/>
+          </a:ln>
+        </p:spPr>
+        <p:style>
+          <a:lnRef idx="2">
+            <a:schemeClr val="accent1">
+              <a:shade val="50000"/>
+            </a:schemeClr>
+          </a:lnRef>
+          <a:fillRef idx="1">
+            <a:schemeClr val="accent1"/>
+          </a:fillRef>
+          <a:effectRef idx="0">
+            <a:schemeClr val="accent1"/>
+          </a:effectRef>
+          <a:fontRef idx="minor">
+            <a:schemeClr val="lt1"/>
+          </a:fontRef>
+        </p:style>
+        <p:txBody>
+          <a:bodyPr rtlCol="0" anchor="ctr"/>
+          <a:lstStyle>
+            <a:defPPr>
+              <a:defRPr lang="en-US"/>
+            </a:defPPr>
+            <a:lvl1pPr marL="0" algn="l" defTabSz="914400" rtl="0" eaLnBrk="1" latinLnBrk="0" hangingPunct="1">
+              <a:defRPr sz="1800" kern="1200">
+                <a:solidFill>
+                  <a:schemeClr val="lt1"/>
+                </a:solidFill>
+                <a:latin typeface="+mn-lt"/>
+                <a:ea typeface="+mn-ea"/>
+                <a:cs typeface="+mn-cs"/>
+              </a:defRPr>
+            </a:lvl1pPr>
+            <a:lvl2pPr marL="457200" algn="l" defTabSz="914400" rtl="0" eaLnBrk="1" latinLnBrk="0" hangingPunct="1">
+              <a:defRPr sz="1800" kern="1200">
+                <a:solidFill>
+                  <a:schemeClr val="lt1"/>
+                </a:solidFill>
+                <a:latin typeface="+mn-lt"/>
+                <a:ea typeface="+mn-ea"/>
+                <a:cs typeface="+mn-cs"/>
+              </a:defRPr>
+            </a:lvl2pPr>
+            <a:lvl3pPr marL="914400" algn="l" defTabSz="914400" rtl="0" eaLnBrk="1" latinLnBrk="0" hangingPunct="1">
+              <a:defRPr sz="1800" kern="1200">
+                <a:solidFill>
+                  <a:schemeClr val="lt1"/>
+                </a:solidFill>
+                <a:latin typeface="+mn-lt"/>
+                <a:ea typeface="+mn-ea"/>
+                <a:cs typeface="+mn-cs"/>
+              </a:defRPr>
+            </a:lvl3pPr>
+            <a:lvl4pPr marL="1371600" algn="l" defTabSz="914400" rtl="0" eaLnBrk="1" latinLnBrk="0" hangingPunct="1">
+              <a:defRPr sz="1800" kern="1200">
+                <a:solidFill>
+                  <a:schemeClr val="lt1"/>
+                </a:solidFill>
+                <a:latin typeface="+mn-lt"/>
+                <a:ea typeface="+mn-ea"/>
+                <a:cs typeface="+mn-cs"/>
+              </a:defRPr>
+            </a:lvl4pPr>
+            <a:lvl5pPr marL="1828800" algn="l" defTabSz="914400" rtl="0" eaLnBrk="1" latinLnBrk="0" hangingPunct="1">
+              <a:defRPr sz="1800" kern="1200">
+                <a:solidFill>
+                  <a:schemeClr val="lt1"/>
+                </a:solidFill>
+                <a:latin typeface="+mn-lt"/>
+                <a:ea typeface="+mn-ea"/>
+                <a:cs typeface="+mn-cs"/>
+              </a:defRPr>
+            </a:lvl5pPr>
+            <a:lvl6pPr marL="2286000" algn="l" defTabSz="914400" rtl="0" eaLnBrk="1" latinLnBrk="0" hangingPunct="1">
+              <a:defRPr sz="1800" kern="1200">
+                <a:solidFill>
+                  <a:schemeClr val="lt1"/>
+                </a:solidFill>
+                <a:latin typeface="+mn-lt"/>
+                <a:ea typeface="+mn-ea"/>
+                <a:cs typeface="+mn-cs"/>
+              </a:defRPr>
+            </a:lvl6pPr>
+            <a:lvl7pPr marL="2743200" algn="l" defTabSz="914400" rtl="0" eaLnBrk="1" latinLnBrk="0" hangingPunct="1">
+              <a:defRPr sz="1800" kern="1200">
+                <a:solidFill>
+                  <a:schemeClr val="lt1"/>
+                </a:solidFill>
+                <a:latin typeface="+mn-lt"/>
+                <a:ea typeface="+mn-ea"/>
+                <a:cs typeface="+mn-cs"/>
+              </a:defRPr>
+            </a:lvl7pPr>
+            <a:lvl8pPr marL="3200400" algn="l" defTabSz="914400" rtl="0" eaLnBrk="1" latinLnBrk="0" hangingPunct="1">
+              <a:defRPr sz="1800" kern="1200">
+                <a:solidFill>
+                  <a:schemeClr val="lt1"/>
+                </a:solidFill>
+                <a:latin typeface="+mn-lt"/>
+                <a:ea typeface="+mn-ea"/>
+                <a:cs typeface="+mn-cs"/>
+              </a:defRPr>
+            </a:lvl8pPr>
+            <a:lvl9pPr marL="3657600" algn="l" defTabSz="914400" rtl="0" eaLnBrk="1" latinLnBrk="0" hangingPunct="1">
+              <a:defRPr sz="1800" kern="1200">
+                <a:solidFill>
+                  <a:schemeClr val="lt1"/>
+                </a:solidFill>
+                <a:latin typeface="+mn-lt"/>
+                <a:ea typeface="+mn-ea"/>
+                <a:cs typeface="+mn-cs"/>
+              </a:defRPr>
+            </a:lvl9pPr>
+          </a:lstStyle>
+          <a:p>
+            <a:pPr algn="ctr"/>
+            <a:endParaRPr lang="en-US"/>
+          </a:p>
+        </p:txBody>
+      </p:sp>
+      <p:sp>
+        <p:nvSpPr>
+          <p:cNvPr id="1033" name="Arc 1032">
+            <a:extLst>
+              <a:ext uri="{FF2B5EF4-FFF2-40B4-BE49-F238E27FC236}">
+                <a16:creationId xmlns:a16="http://schemas.microsoft.com/office/drawing/2014/main" id="{59383CF9-23B5-4335-9B21-1791C4CF1C75}"/>
+              </a:ext>
+              <a:ext uri="{C183D7F6-B498-43B3-948B-1728B52AA6E4}">
+                <adec:decorative xmlns:adec="http://schemas.microsoft.com/office/drawing/2017/decorative" val="1"/>
+              </a:ext>
+            </a:extLst>
+          </p:cNvPr>
+          <p:cNvSpPr>
+            <a:spLocks noGrp="1" noRot="1" noChangeAspect="1" noMove="1" noResize="1" noEditPoints="1" noAdjustHandles="1" noChangeArrowheads="1" noChangeShapeType="1" noTextEdit="1"/>
+          </p:cNvSpPr>
+          <p:nvPr>
+            <p:extLst>
+              <p:ext uri="{386F3935-93C4-4BCD-93E2-E3B085C9AB24}">
+                <p16:designElem xmlns:p16="http://schemas.microsoft.com/office/powerpoint/2015/main" val="1"/>
+              </p:ext>
+            </p:extLst>
+          </p:nvPr>
+        </p:nvSpPr>
+        <p:spPr>
+          <a:xfrm rot="3967198" flipH="1">
+            <a:off x="8631348" y="490493"/>
+            <a:ext cx="2987899" cy="2987899"/>
+          </a:xfrm>
+          <a:prstGeom prst="arc">
+            <a:avLst>
+              <a:gd name="adj1" fmla="val 14441841"/>
+              <a:gd name="adj2" fmla="val 0"/>
+            </a:avLst>
+          </a:prstGeom>
+          <a:ln w="127000" cap="rnd">
+            <a:solidFill>
+              <a:schemeClr val="accent4"/>
+            </a:solidFill>
+            <a:prstDash val="dash"/>
+            <a:miter lim="800000"/>
+          </a:ln>
+        </p:spPr>
+        <p:style>
+          <a:lnRef idx="1">
+            <a:schemeClr val="accent1"/>
+          </a:lnRef>
+          <a:fillRef idx="0">
+            <a:schemeClr val="accent1"/>
+          </a:fillRef>
+          <a:effectRef idx="0">
+            <a:schemeClr val="accent1"/>
+          </a:effectRef>
+          <a:fontRef idx="minor">
+            <a:schemeClr val="tx1"/>
+          </a:fontRef>
+        </p:style>
+        <p:txBody>
+          <a:bodyPr rtlCol="0" anchor="ctr"/>
+          <a:lstStyle/>
+          <a:p>
+            <a:pPr marL="0" marR="0" lvl="0" indent="0" algn="ctr" defTabSz="914400" rtl="0" eaLnBrk="1" fontAlgn="auto" latinLnBrk="0" hangingPunct="1">
+              <a:lnSpc>
+                <a:spcPct val="100000"/>
+              </a:lnSpc>
+              <a:spcBef>
+                <a:spcPts val="0"/>
+              </a:spcBef>
+              <a:spcAft>
+                <a:spcPts val="0"/>
+              </a:spcAft>
+              <a:buClrTx/>
+              <a:buSzTx/>
+              <a:buFontTx/>
+              <a:buNone/>
+              <a:tabLst/>
+              <a:defRPr/>
+            </a:pPr>
+            <a:endParaRPr kumimoji="0" lang="en-US" sz="1800" b="0" i="0" u="none" strike="noStrike" kern="1200" cap="none" spc="0" normalizeH="0" baseline="0" noProof="0">
+              <a:ln>
+                <a:noFill/>
+              </a:ln>
+              <a:solidFill>
+                <a:srgbClr val="000000"/>
+              </a:solidFill>
+              <a:effectLst/>
+              <a:uLnTx/>
+              <a:uFillTx/>
+              <a:latin typeface="Calibri" panose="020F0502020204030204"/>
+              <a:ea typeface="+mn-ea"/>
+              <a:cs typeface="+mn-cs"/>
+            </a:endParaRPr>
+          </a:p>
+        </p:txBody>
+      </p:sp>
+      <p:sp>
+        <p:nvSpPr>
+          <p:cNvPr id="2" name="Título 1">
+            <a:extLst>
+              <a:ext uri="{FF2B5EF4-FFF2-40B4-BE49-F238E27FC236}">
+                <a16:creationId xmlns:a16="http://schemas.microsoft.com/office/drawing/2014/main" id="{2E8FBCE0-5A87-0782-886A-B491D92A5510}"/>
+              </a:ext>
+            </a:extLst>
+          </p:cNvPr>
+          <p:cNvSpPr>
+            <a:spLocks noGrp="1"/>
+          </p:cNvSpPr>
+          <p:nvPr>
+            <p:ph type="title"/>
+          </p:nvPr>
+        </p:nvSpPr>
+        <p:spPr>
+          <a:xfrm>
+            <a:off x="5894962" y="479493"/>
+            <a:ext cx="5458838" cy="1325563"/>
+          </a:xfrm>
+        </p:spPr>
+        <p:txBody>
+          <a:bodyPr>
+            <a:normAutofit/>
+          </a:bodyPr>
+          <a:lstStyle/>
+          <a:p>
+            <a:r>
+              <a:rPr lang="pt-BR" dirty="0"/>
+              <a:t>Open </a:t>
+            </a:r>
+            <a:r>
+              <a:rPr lang="pt-BR" dirty="0" err="1"/>
+              <a:t>Source</a:t>
+            </a:r>
+            <a:endParaRPr lang="pt-BR" dirty="0"/>
+          </a:p>
+        </p:txBody>
+      </p:sp>
+      <p:sp>
+        <p:nvSpPr>
+          <p:cNvPr id="1035" name="Freeform: Shape 1034">
+            <a:extLst>
+              <a:ext uri="{FF2B5EF4-FFF2-40B4-BE49-F238E27FC236}">
+                <a16:creationId xmlns:a16="http://schemas.microsoft.com/office/drawing/2014/main" id="{0007FE00-9498-4706-B255-6437B0252C02}"/>
+              </a:ext>
+              <a:ext uri="{C183D7F6-B498-43B3-948B-1728B52AA6E4}">
+                <adec:decorative xmlns:adec="http://schemas.microsoft.com/office/drawing/2017/decorative" val="1"/>
+              </a:ext>
+            </a:extLst>
+          </p:cNvPr>
+          <p:cNvSpPr>
+            <a:spLocks noGrp="1" noRot="1" noChangeAspect="1" noMove="1" noResize="1" noEditPoints="1" noAdjustHandles="1" noChangeArrowheads="1" noChangeShapeType="1" noTextEdit="1"/>
+          </p:cNvSpPr>
+          <p:nvPr>
+            <p:extLst>
+              <p:ext uri="{386F3935-93C4-4BCD-93E2-E3B085C9AB24}">
+                <p16:designElem xmlns:p16="http://schemas.microsoft.com/office/powerpoint/2015/main" val="1"/>
+              </p:ext>
+            </p:extLst>
+          </p:nvPr>
+        </p:nvSpPr>
+        <p:spPr>
+          <a:xfrm flipH="1">
+            <a:off x="0" y="5486400"/>
+            <a:ext cx="2672863" cy="1371600"/>
+          </a:xfrm>
+          <a:custGeom>
+            <a:avLst/>
+            <a:gdLst>
+              <a:gd name="connsiteX0" fmla="*/ 1721734 w 2672863"/>
+              <a:gd name="connsiteY0" fmla="*/ 0 h 1371600"/>
+              <a:gd name="connsiteX1" fmla="*/ 2564444 w 2672863"/>
+              <a:gd name="connsiteY1" fmla="*/ 213382 h 1371600"/>
+              <a:gd name="connsiteX2" fmla="*/ 2672863 w 2672863"/>
+              <a:gd name="connsiteY2" fmla="*/ 279248 h 1371600"/>
+              <a:gd name="connsiteX3" fmla="*/ 2672863 w 2672863"/>
+              <a:gd name="connsiteY3" fmla="*/ 1371600 h 1371600"/>
+              <a:gd name="connsiteX4" fmla="*/ 0 w 2672863"/>
+              <a:gd name="connsiteY4" fmla="*/ 1371600 h 1371600"/>
+              <a:gd name="connsiteX5" fmla="*/ 33268 w 2672863"/>
+              <a:gd name="connsiteY5" fmla="*/ 1242216 h 1371600"/>
+              <a:gd name="connsiteX6" fmla="*/ 1721734 w 2672863"/>
+              <a:gd name="connsiteY6" fmla="*/ 0 h 1371600"/>
+            </a:gdLst>
+            <a:ahLst/>
+            <a:cxnLst>
+              <a:cxn ang="0">
+                <a:pos x="connsiteX0" y="connsiteY0"/>
+              </a:cxn>
+              <a:cxn ang="0">
+                <a:pos x="connsiteX1" y="connsiteY1"/>
+              </a:cxn>
+              <a:cxn ang="0">
+                <a:pos x="connsiteX2" y="connsiteY2"/>
+              </a:cxn>
+              <a:cxn ang="0">
+                <a:pos x="connsiteX3" y="connsiteY3"/>
+              </a:cxn>
+              <a:cxn ang="0">
+                <a:pos x="connsiteX4" y="connsiteY4"/>
+              </a:cxn>
+              <a:cxn ang="0">
+                <a:pos x="connsiteX5" y="connsiteY5"/>
+              </a:cxn>
+              <a:cxn ang="0">
+                <a:pos x="connsiteX6" y="connsiteY6"/>
+              </a:cxn>
+            </a:cxnLst>
+            <a:rect l="l" t="t" r="r" b="b"/>
+            <a:pathLst>
+              <a:path w="2672863" h="1371600">
+                <a:moveTo>
+                  <a:pt x="1721734" y="0"/>
+                </a:moveTo>
+                <a:cubicBezTo>
+                  <a:pt x="2026863" y="0"/>
+                  <a:pt x="2313937" y="77299"/>
+                  <a:pt x="2564444" y="213382"/>
+                </a:cubicBezTo>
+                <a:lnTo>
+                  <a:pt x="2672863" y="279248"/>
+                </a:lnTo>
+                <a:lnTo>
+                  <a:pt x="2672863" y="1371600"/>
+                </a:lnTo>
+                <a:lnTo>
+                  <a:pt x="0" y="1371600"/>
+                </a:lnTo>
+                <a:lnTo>
+                  <a:pt x="33268" y="1242216"/>
+                </a:lnTo>
+                <a:cubicBezTo>
+                  <a:pt x="257110" y="522539"/>
+                  <a:pt x="928399" y="0"/>
+                  <a:pt x="1721734" y="0"/>
+                </a:cubicBezTo>
+                <a:close/>
+              </a:path>
+            </a:pathLst>
+          </a:custGeom>
+          <a:solidFill>
+            <a:schemeClr val="accent4"/>
+          </a:solidFill>
+          <a:ln>
+            <a:noFill/>
+          </a:ln>
+        </p:spPr>
+        <p:style>
+          <a:lnRef idx="2">
+            <a:schemeClr val="accent1">
+              <a:shade val="50000"/>
+            </a:schemeClr>
+          </a:lnRef>
+          <a:fillRef idx="1">
+            <a:schemeClr val="accent1"/>
+          </a:fillRef>
+          <a:effectRef idx="0">
+            <a:schemeClr val="accent1"/>
+          </a:effectRef>
+          <a:fontRef idx="minor">
+            <a:schemeClr val="lt1"/>
+          </a:fontRef>
+        </p:style>
+        <p:txBody>
+          <a:bodyPr wrap="square" rtlCol="0" anchor="ctr">
+            <a:noAutofit/>
+          </a:bodyPr>
+          <a:lstStyle/>
+          <a:p>
+            <a:pPr algn="ctr"/>
+            <a:endParaRPr lang="en-US"/>
+          </a:p>
+        </p:txBody>
+      </p:sp>
       <p:pic>
         <p:nvPicPr>
-          <p:cNvPr id="5" name="Picture 2" descr="Memes da Galeria - Gerar Memes - Gerador de Memes Online">
+          <p:cNvPr id="1026" name="Picture 2" descr="Open Source Initiative – Wikipédia, a enciclopédia livre">
             <a:extLst>
               <a:ext uri="{FF2B5EF4-FFF2-40B4-BE49-F238E27FC236}">
-                <a16:creationId xmlns:a16="http://schemas.microsoft.com/office/drawing/2014/main" id="{E095D8D1-89A2-19E6-95AB-392FC84E6A47}"/>
+                <a16:creationId xmlns:a16="http://schemas.microsoft.com/office/drawing/2014/main" id="{CDB75A34-23A8-B5E9-CF96-B0B7D4A689B0}"/>
               </a:ext>
             </a:extLst>
           </p:cNvPr>
@@ -6766,15 +8976,3566 @@
               </a:ext>
             </a:extLst>
           </a:blip>
-          <a:srcRect/>
           <a:stretch>
             <a:fillRect/>
           </a:stretch>
         </p:blipFill>
         <p:spPr bwMode="auto">
           <a:xfrm>
-            <a:off x="4112721" y="953295"/>
-            <a:ext cx="4382885" cy="4382885"/>
+            <a:off x="931422" y="511293"/>
+            <a:ext cx="4320900" cy="5665670"/>
+          </a:xfrm>
+          <a:custGeom>
+            <a:avLst/>
+            <a:gdLst/>
+            <a:ahLst/>
+            <a:cxnLst/>
+            <a:rect l="l" t="t" r="r" b="b"/>
+            <a:pathLst>
+              <a:path w="4777381" h="5643794">
+                <a:moveTo>
+                  <a:pt x="143704" y="0"/>
+                </a:moveTo>
+                <a:lnTo>
+                  <a:pt x="4633677" y="0"/>
+                </a:lnTo>
+                <a:cubicBezTo>
+                  <a:pt x="4713043" y="0"/>
+                  <a:pt x="4777381" y="64338"/>
+                  <a:pt x="4777381" y="143704"/>
+                </a:cubicBezTo>
+                <a:lnTo>
+                  <a:pt x="4777381" y="5500090"/>
+                </a:lnTo>
+                <a:cubicBezTo>
+                  <a:pt x="4777381" y="5579456"/>
+                  <a:pt x="4713043" y="5643794"/>
+                  <a:pt x="4633677" y="5643794"/>
+                </a:cubicBezTo>
+                <a:lnTo>
+                  <a:pt x="143704" y="5643794"/>
+                </a:lnTo>
+                <a:cubicBezTo>
+                  <a:pt x="64338" y="5643794"/>
+                  <a:pt x="0" y="5579456"/>
+                  <a:pt x="0" y="5500090"/>
+                </a:cubicBezTo>
+                <a:lnTo>
+                  <a:pt x="0" y="143704"/>
+                </a:lnTo>
+                <a:cubicBezTo>
+                  <a:pt x="0" y="64338"/>
+                  <a:pt x="64338" y="0"/>
+                  <a:pt x="143704" y="0"/>
+                </a:cubicBezTo>
+                <a:close/>
+              </a:path>
+            </a:pathLst>
+          </a:custGeom>
+          <a:noFill/>
+          <a:extLst>
+            <a:ext uri="{909E8E84-426E-40DD-AFC4-6F175D3DCCD1}">
+              <a14:hiddenFill xmlns:a14="http://schemas.microsoft.com/office/drawing/2010/main">
+                <a:solidFill>
+                  <a:srgbClr val="FFFFFF"/>
+                </a:solidFill>
+              </a14:hiddenFill>
+            </a:ext>
+          </a:extLst>
+        </p:spPr>
+      </p:pic>
+      <p:sp>
+        <p:nvSpPr>
+          <p:cNvPr id="3" name="Espaço Reservado para Conteúdo 2">
+            <a:extLst>
+              <a:ext uri="{FF2B5EF4-FFF2-40B4-BE49-F238E27FC236}">
+                <a16:creationId xmlns:a16="http://schemas.microsoft.com/office/drawing/2014/main" id="{667D04A1-4080-650B-D526-400858982FE9}"/>
+              </a:ext>
+            </a:extLst>
+          </p:cNvPr>
+          <p:cNvSpPr>
+            <a:spLocks noGrp="1"/>
+          </p:cNvSpPr>
+          <p:nvPr>
+            <p:ph idx="1"/>
+          </p:nvPr>
+        </p:nvSpPr>
+        <p:spPr>
+          <a:xfrm>
+            <a:off x="5894962" y="1984443"/>
+            <a:ext cx="5458838" cy="4192520"/>
+          </a:xfrm>
+        </p:spPr>
+        <p:txBody>
+          <a:bodyPr>
+            <a:normAutofit/>
+          </a:bodyPr>
+          <a:lstStyle/>
+          <a:p>
+            <a:r>
+              <a:rPr lang="pt-BR" sz="2400" dirty="0"/>
+              <a:t>Significa código aberto, é um movimento tecnológico e também uma forma de trabalho. </a:t>
+            </a:r>
+          </a:p>
+          <a:p>
+            <a:r>
+              <a:rPr lang="pt-BR" sz="2400" dirty="0"/>
+              <a:t>Utiliza um modelo descentralizado para construir softwares, onde todo o código-fonte é projetado para ser acessado abertamente pelo público.</a:t>
+            </a:r>
+          </a:p>
+          <a:p>
+            <a:endParaRPr lang="pt-BR" sz="2400" dirty="0"/>
+          </a:p>
+          <a:p>
+            <a:pPr lvl="1"/>
+            <a:r>
+              <a:rPr lang="pt-BR" dirty="0"/>
+              <a:t>As pessoas podem incluir melhorias, novas funcionalidades e etc. </a:t>
+            </a:r>
+          </a:p>
+        </p:txBody>
+      </p:sp>
+    </p:spTree>
+    <p:extLst>
+      <p:ext uri="{BB962C8B-B14F-4D97-AF65-F5344CB8AC3E}">
+        <p14:creationId xmlns:p14="http://schemas.microsoft.com/office/powerpoint/2010/main" val="113365016"/>
+      </p:ext>
+    </p:extLst>
+  </p:cSld>
+  <p:clrMapOvr>
+    <a:masterClrMapping/>
+  </p:clrMapOvr>
+</p:sld>
+</file>
+
+<file path=ppt/slides/slide5.xml><?xml version="1.0" encoding="utf-8"?>
+<p:sld xmlns:a="http://schemas.openxmlformats.org/drawingml/2006/main" xmlns:r="http://schemas.openxmlformats.org/officeDocument/2006/relationships" xmlns:p="http://schemas.openxmlformats.org/presentationml/2006/main">
+  <p:cSld>
+    <p:bg>
+      <p:bgPr>
+        <a:solidFill>
+          <a:schemeClr val="bg1"/>
+        </a:solidFill>
+        <a:effectLst/>
+      </p:bgPr>
+    </p:bg>
+    <p:spTree>
+      <p:nvGrpSpPr>
+        <p:cNvPr id="1" name=""/>
+        <p:cNvGrpSpPr/>
+        <p:nvPr/>
+      </p:nvGrpSpPr>
+      <p:grpSpPr>
+        <a:xfrm>
+          <a:off x="0" y="0"/>
+          <a:ext cx="0" cy="0"/>
+          <a:chOff x="0" y="0"/>
+          <a:chExt cx="0" cy="0"/>
+        </a:xfrm>
+      </p:grpSpPr>
+      <p:sp useBgFill="1">
+        <p:nvSpPr>
+          <p:cNvPr id="2066" name="Rectangle 2065">
+            <a:extLst>
+              <a:ext uri="{FF2B5EF4-FFF2-40B4-BE49-F238E27FC236}">
+                <a16:creationId xmlns:a16="http://schemas.microsoft.com/office/drawing/2014/main" id="{639C3025-4784-4B16-914D-CCFC3E83354D}"/>
+              </a:ext>
+              <a:ext uri="{C183D7F6-B498-43B3-948B-1728B52AA6E4}">
+                <adec:decorative xmlns:adec="http://schemas.microsoft.com/office/drawing/2017/decorative" val="1"/>
+              </a:ext>
+            </a:extLst>
+          </p:cNvPr>
+          <p:cNvSpPr>
+            <a:spLocks noGrp="1" noRot="1" noChangeAspect="1" noMove="1" noResize="1" noEditPoints="1" noAdjustHandles="1" noChangeArrowheads="1" noChangeShapeType="1" noTextEdit="1"/>
+          </p:cNvSpPr>
+          <p:nvPr>
+            <p:extLst>
+              <p:ext uri="{386F3935-93C4-4BCD-93E2-E3B085C9AB24}">
+                <p16:designElem xmlns:p16="http://schemas.microsoft.com/office/powerpoint/2015/main" val="1"/>
+              </p:ext>
+            </p:extLst>
+          </p:nvPr>
+        </p:nvSpPr>
+        <p:spPr>
+          <a:xfrm>
+            <a:off x="0" y="0"/>
+            <a:ext cx="12192000" cy="6858000"/>
+          </a:xfrm>
+          <a:prstGeom prst="rect">
+            <a:avLst/>
+          </a:prstGeom>
+          <a:ln w="12700" cap="flat" cmpd="sng" algn="ctr">
+            <a:noFill/>
+            <a:prstDash val="solid"/>
+            <a:miter lim="800000"/>
+          </a:ln>
+          <a:effectLst/>
+          <a:extLst>
+            <a:ext uri="{91240B29-F687-4F45-9708-019B960494DF}">
+              <a14:hiddenLine xmlns:a14="http://schemas.microsoft.com/office/drawing/2010/main" w="12700" cap="flat" cmpd="sng" algn="ctr">
+                <a:solidFill>
+                  <a:schemeClr val="accent1">
+                    <a:shade val="50000"/>
+                  </a:schemeClr>
+                </a:solidFill>
+                <a:prstDash val="solid"/>
+                <a:miter lim="800000"/>
+              </a14:hiddenLine>
+            </a:ext>
+          </a:extLst>
+        </p:spPr>
+        <p:style>
+          <a:lnRef idx="2">
+            <a:schemeClr val="accent1">
+              <a:shade val="50000"/>
+            </a:schemeClr>
+          </a:lnRef>
+          <a:fillRef idx="1">
+            <a:schemeClr val="accent1"/>
+          </a:fillRef>
+          <a:effectRef idx="0">
+            <a:schemeClr val="accent1"/>
+          </a:effectRef>
+          <a:fontRef idx="minor">
+            <a:schemeClr val="lt1"/>
+          </a:fontRef>
+        </p:style>
+        <p:txBody>
+          <a:bodyPr rtlCol="0" anchor="ctr"/>
+          <a:lstStyle/>
+          <a:p>
+            <a:pPr algn="ctr"/>
+            <a:endParaRPr lang="en-US"/>
+          </a:p>
+        </p:txBody>
+      </p:sp>
+      <p:sp>
+        <p:nvSpPr>
+          <p:cNvPr id="2068" name="Rectangle 2067">
+            <a:extLst>
+              <a:ext uri="{FF2B5EF4-FFF2-40B4-BE49-F238E27FC236}">
+                <a16:creationId xmlns:a16="http://schemas.microsoft.com/office/drawing/2014/main" id="{0AD20437-C88A-4F45-9C6D-DA32B29A4D1B}"/>
+              </a:ext>
+              <a:ext uri="{C183D7F6-B498-43B3-948B-1728B52AA6E4}">
+                <adec:decorative xmlns:adec="http://schemas.microsoft.com/office/drawing/2017/decorative" val="1"/>
+              </a:ext>
+            </a:extLst>
+          </p:cNvPr>
+          <p:cNvSpPr>
+            <a:spLocks noGrp="1" noRot="1" noChangeAspect="1" noMove="1" noResize="1" noEditPoints="1" noAdjustHandles="1" noChangeArrowheads="1" noChangeShapeType="1" noTextEdit="1"/>
+          </p:cNvSpPr>
+          <p:nvPr>
+            <p:extLst>
+              <p:ext uri="{386F3935-93C4-4BCD-93E2-E3B085C9AB24}">
+                <p16:designElem xmlns:p16="http://schemas.microsoft.com/office/powerpoint/2015/main" val="1"/>
+              </p:ext>
+            </p:extLst>
+          </p:nvPr>
+        </p:nvSpPr>
+        <p:spPr>
+          <a:xfrm>
+            <a:off x="1" y="-2"/>
+            <a:ext cx="8610598" cy="6858000"/>
+          </a:xfrm>
+          <a:prstGeom prst="rect">
+            <a:avLst/>
+          </a:prstGeom>
+          <a:solidFill>
+            <a:srgbClr val="82766A">
+              <a:alpha val="15000"/>
+            </a:srgbClr>
+          </a:solidFill>
+          <a:ln w="12700" cap="flat" cmpd="sng" algn="ctr">
+            <a:noFill/>
+            <a:prstDash val="solid"/>
+            <a:miter lim="800000"/>
+          </a:ln>
+          <a:effectLst/>
+        </p:spPr>
+        <p:style>
+          <a:lnRef idx="2">
+            <a:schemeClr val="accent1">
+              <a:shade val="50000"/>
+            </a:schemeClr>
+          </a:lnRef>
+          <a:fillRef idx="1">
+            <a:schemeClr val="accent1"/>
+          </a:fillRef>
+          <a:effectRef idx="0">
+            <a:schemeClr val="accent1"/>
+          </a:effectRef>
+          <a:fontRef idx="minor">
+            <a:schemeClr val="lt1"/>
+          </a:fontRef>
+        </p:style>
+        <p:txBody>
+          <a:bodyPr rtlCol="0" anchor="ctr"/>
+          <a:lstStyle/>
+          <a:p>
+            <a:pPr algn="ctr"/>
+            <a:endParaRPr lang="en-US"/>
+          </a:p>
+        </p:txBody>
+      </p:sp>
+      <p:sp>
+        <p:nvSpPr>
+          <p:cNvPr id="2" name="Título 1">
+            <a:extLst>
+              <a:ext uri="{FF2B5EF4-FFF2-40B4-BE49-F238E27FC236}">
+                <a16:creationId xmlns:a16="http://schemas.microsoft.com/office/drawing/2014/main" id="{54BBFCF5-7745-B2B7-6F32-ECA1CDC435A1}"/>
+              </a:ext>
+            </a:extLst>
+          </p:cNvPr>
+          <p:cNvSpPr>
+            <a:spLocks noGrp="1"/>
+          </p:cNvSpPr>
+          <p:nvPr>
+            <p:ph type="title"/>
+          </p:nvPr>
+        </p:nvSpPr>
+        <p:spPr>
+          <a:xfrm>
+            <a:off x="289758" y="0"/>
+            <a:ext cx="6989816" cy="1306302"/>
+          </a:xfrm>
+        </p:spPr>
+        <p:txBody>
+          <a:bodyPr>
+            <a:normAutofit/>
+          </a:bodyPr>
+          <a:lstStyle/>
+          <a:p>
+            <a:r>
+              <a:rPr lang="pt-BR" sz="3200" dirty="0">
+                <a:solidFill>
+                  <a:schemeClr val="tx1">
+                    <a:lumMod val="85000"/>
+                    <a:lumOff val="15000"/>
+                  </a:schemeClr>
+                </a:solidFill>
+              </a:rPr>
+              <a:t>Pensa no Open </a:t>
+            </a:r>
+            <a:r>
+              <a:rPr lang="pt-BR" sz="3200" dirty="0" err="1">
+                <a:solidFill>
+                  <a:schemeClr val="tx1">
+                    <a:lumMod val="85000"/>
+                    <a:lumOff val="15000"/>
+                  </a:schemeClr>
+                </a:solidFill>
+              </a:rPr>
+              <a:t>Source</a:t>
+            </a:r>
+            <a:r>
+              <a:rPr lang="pt-BR" sz="3200" dirty="0">
+                <a:solidFill>
+                  <a:schemeClr val="tx1">
+                    <a:lumMod val="85000"/>
+                    <a:lumOff val="15000"/>
+                  </a:schemeClr>
+                </a:solidFill>
+              </a:rPr>
+              <a:t> como uma receita de bolo...</a:t>
+            </a:r>
+          </a:p>
+        </p:txBody>
+      </p:sp>
+      <p:sp>
+        <p:nvSpPr>
+          <p:cNvPr id="3" name="Espaço Reservado para Conteúdo 2">
+            <a:extLst>
+              <a:ext uri="{FF2B5EF4-FFF2-40B4-BE49-F238E27FC236}">
+                <a16:creationId xmlns:a16="http://schemas.microsoft.com/office/drawing/2014/main" id="{49711247-8557-93E4-034F-37B39816401F}"/>
+              </a:ext>
+            </a:extLst>
+          </p:cNvPr>
+          <p:cNvSpPr>
+            <a:spLocks noGrp="1"/>
+          </p:cNvSpPr>
+          <p:nvPr>
+            <p:ph idx="1"/>
+          </p:nvPr>
+        </p:nvSpPr>
+        <p:spPr>
+          <a:xfrm>
+            <a:off x="182878" y="1712422"/>
+            <a:ext cx="7481457" cy="5004262"/>
+          </a:xfrm>
+        </p:spPr>
+        <p:txBody>
+          <a:bodyPr>
+            <a:normAutofit fontScale="92500" lnSpcReduction="10000"/>
+          </a:bodyPr>
+          <a:lstStyle/>
+          <a:p>
+            <a:pPr>
+              <a:buNone/>
+            </a:pPr>
+            <a:r>
+              <a:rPr lang="pt-BR" sz="2400" dirty="0">
+                <a:solidFill>
+                  <a:schemeClr val="tx1">
+                    <a:lumMod val="85000"/>
+                    <a:lumOff val="15000"/>
+                  </a:schemeClr>
+                </a:solidFill>
+              </a:rPr>
+              <a:t>Se você compra um bolo pronto (software fechado), você só pode comer do jeito que ele veio e não sabe exatamente como foi feito.</a:t>
+            </a:r>
+          </a:p>
+          <a:p>
+            <a:pPr>
+              <a:buNone/>
+            </a:pPr>
+            <a:endParaRPr lang="pt-BR" sz="2400" dirty="0">
+              <a:solidFill>
+                <a:schemeClr val="tx1">
+                  <a:lumMod val="85000"/>
+                  <a:lumOff val="15000"/>
+                </a:schemeClr>
+              </a:solidFill>
+            </a:endParaRPr>
+          </a:p>
+          <a:p>
+            <a:pPr>
+              <a:buNone/>
+            </a:pPr>
+            <a:r>
+              <a:rPr lang="pt-BR" sz="2400" dirty="0">
+                <a:solidFill>
+                  <a:schemeClr val="tx1">
+                    <a:lumMod val="85000"/>
+                    <a:lumOff val="15000"/>
+                  </a:schemeClr>
+                </a:solidFill>
+              </a:rPr>
+              <a:t>Agora, imagine que alguém te dá a </a:t>
+            </a:r>
+            <a:r>
+              <a:rPr lang="pt-BR" sz="2400" b="1" dirty="0">
+                <a:solidFill>
+                  <a:schemeClr val="tx1">
+                    <a:lumMod val="85000"/>
+                    <a:lumOff val="15000"/>
+                  </a:schemeClr>
+                </a:solidFill>
+              </a:rPr>
+              <a:t>receita completa</a:t>
+            </a:r>
+            <a:r>
+              <a:rPr lang="pt-BR" sz="2400" dirty="0">
+                <a:solidFill>
+                  <a:schemeClr val="tx1">
+                    <a:lumMod val="85000"/>
+                    <a:lumOff val="15000"/>
+                  </a:schemeClr>
+                </a:solidFill>
+              </a:rPr>
+              <a:t> desse bolo (código aberto). Com essa receita, você pode:</a:t>
+            </a:r>
+          </a:p>
+          <a:p>
+            <a:pPr>
+              <a:buNone/>
+            </a:pPr>
+            <a:endParaRPr lang="pt-BR" sz="2400" dirty="0">
+              <a:solidFill>
+                <a:schemeClr val="tx1">
+                  <a:lumMod val="85000"/>
+                  <a:lumOff val="15000"/>
+                </a:schemeClr>
+              </a:solidFill>
+            </a:endParaRPr>
+          </a:p>
+          <a:p>
+            <a:pPr lvl="1"/>
+            <a:r>
+              <a:rPr lang="pt-BR" dirty="0">
+                <a:solidFill>
+                  <a:schemeClr val="tx1">
+                    <a:lumMod val="85000"/>
+                    <a:lumOff val="15000"/>
+                  </a:schemeClr>
+                </a:solidFill>
+              </a:rPr>
+              <a:t>Fazer o bolo do jeito original.</a:t>
+            </a:r>
+          </a:p>
+          <a:p>
+            <a:pPr lvl="1"/>
+            <a:r>
+              <a:rPr lang="pt-BR" dirty="0">
+                <a:solidFill>
+                  <a:schemeClr val="tx1">
+                    <a:lumMod val="85000"/>
+                    <a:lumOff val="15000"/>
+                  </a:schemeClr>
+                </a:solidFill>
+              </a:rPr>
+              <a:t>Mudar ingredientes para deixá-lo do seu gosto.</a:t>
+            </a:r>
+          </a:p>
+          <a:p>
+            <a:pPr lvl="1"/>
+            <a:r>
+              <a:rPr lang="pt-BR" dirty="0">
+                <a:solidFill>
+                  <a:schemeClr val="tx1">
+                    <a:lumMod val="85000"/>
+                    <a:lumOff val="15000"/>
+                  </a:schemeClr>
+                </a:solidFill>
+              </a:rPr>
+              <a:t>Compartilhar sua versão melhorada com outras pessoas.</a:t>
+            </a:r>
+          </a:p>
+          <a:p>
+            <a:pPr>
+              <a:buNone/>
+            </a:pPr>
+            <a:endParaRPr lang="pt-BR" sz="2400" dirty="0">
+              <a:solidFill>
+                <a:schemeClr val="tx1">
+                  <a:lumMod val="85000"/>
+                  <a:lumOff val="15000"/>
+                </a:schemeClr>
+              </a:solidFill>
+            </a:endParaRPr>
+          </a:p>
+          <a:p>
+            <a:r>
+              <a:rPr lang="pt-BR" sz="2400" dirty="0">
+                <a:solidFill>
+                  <a:schemeClr val="tx1">
+                    <a:lumMod val="85000"/>
+                    <a:lumOff val="15000"/>
+                  </a:schemeClr>
+                </a:solidFill>
+              </a:rPr>
+              <a:t>No mundo da tecnologia, Open </a:t>
+            </a:r>
+            <a:r>
+              <a:rPr lang="pt-BR" sz="2400" dirty="0" err="1">
+                <a:solidFill>
+                  <a:schemeClr val="tx1">
+                    <a:lumMod val="85000"/>
+                    <a:lumOff val="15000"/>
+                  </a:schemeClr>
+                </a:solidFill>
+              </a:rPr>
+              <a:t>Source</a:t>
+            </a:r>
+            <a:r>
+              <a:rPr lang="pt-BR" sz="2400" dirty="0">
+                <a:solidFill>
+                  <a:schemeClr val="tx1">
+                    <a:lumMod val="85000"/>
+                    <a:lumOff val="15000"/>
+                  </a:schemeClr>
+                </a:solidFill>
+              </a:rPr>
+              <a:t> funciona assim: o código-fonte do software é como essa receita aberta, permitindo que qualquer um veja, modifique e melhore.</a:t>
+            </a:r>
+          </a:p>
+          <a:p>
+            <a:endParaRPr lang="pt-BR" sz="1600" dirty="0">
+              <a:solidFill>
+                <a:schemeClr val="tx1">
+                  <a:lumMod val="85000"/>
+                  <a:lumOff val="15000"/>
+                </a:schemeClr>
+              </a:solidFill>
+            </a:endParaRPr>
+          </a:p>
+        </p:txBody>
+      </p:sp>
+      <p:pic>
+        <p:nvPicPr>
+          <p:cNvPr id="4" name="Picture 2" descr="Bolo de Aniversário de Chocolate">
+            <a:extLst>
+              <a:ext uri="{FF2B5EF4-FFF2-40B4-BE49-F238E27FC236}">
+                <a16:creationId xmlns:a16="http://schemas.microsoft.com/office/drawing/2014/main" id="{71857893-061C-6A12-0921-FA9E829EC50D}"/>
+              </a:ext>
+            </a:extLst>
+          </p:cNvPr>
+          <p:cNvPicPr>
+            <a:picLocks noChangeAspect="1" noChangeArrowheads="1"/>
+          </p:cNvPicPr>
+          <p:nvPr/>
+        </p:nvPicPr>
+        <p:blipFill>
+          <a:blip r:embed="rId3">
+            <a:extLst>
+              <a:ext uri="{28A0092B-C50C-407E-A947-70E740481C1C}">
+                <a14:useLocalDpi xmlns:a14="http://schemas.microsoft.com/office/drawing/2010/main" val="0"/>
+              </a:ext>
+            </a:extLst>
+          </a:blip>
+          <a:srcRect t="27660" r="-1" b="7900"/>
+          <a:stretch/>
+        </p:blipFill>
+        <p:spPr bwMode="auto">
+          <a:xfrm>
+            <a:off x="7801965" y="3429000"/>
+            <a:ext cx="4390035" cy="3429000"/>
+          </a:xfrm>
+          <a:custGeom>
+            <a:avLst/>
+            <a:gdLst/>
+            <a:ahLst/>
+            <a:cxnLst/>
+            <a:rect l="l" t="t" r="r" b="b"/>
+            <a:pathLst>
+              <a:path w="4390035" h="3429000">
+                <a:moveTo>
+                  <a:pt x="73290" y="0"/>
+                </a:moveTo>
+                <a:lnTo>
+                  <a:pt x="4390035" y="0"/>
+                </a:lnTo>
+                <a:lnTo>
+                  <a:pt x="4390035" y="3429000"/>
+                </a:lnTo>
+                <a:lnTo>
+                  <a:pt x="436073" y="3429000"/>
+                </a:lnTo>
+                <a:lnTo>
+                  <a:pt x="427332" y="3410468"/>
+                </a:lnTo>
+                <a:cubicBezTo>
+                  <a:pt x="419323" y="3391643"/>
+                  <a:pt x="413863" y="3372861"/>
+                  <a:pt x="421685" y="3366814"/>
+                </a:cubicBezTo>
+                <a:cubicBezTo>
+                  <a:pt x="417583" y="3332384"/>
+                  <a:pt x="433681" y="3294011"/>
+                  <a:pt x="423663" y="3247798"/>
+                </a:cubicBezTo>
+                <a:cubicBezTo>
+                  <a:pt x="421194" y="3188032"/>
+                  <a:pt x="418245" y="3205513"/>
+                  <a:pt x="412524" y="3110724"/>
+                </a:cubicBezTo>
+                <a:cubicBezTo>
+                  <a:pt x="404022" y="3069386"/>
+                  <a:pt x="436006" y="3027577"/>
+                  <a:pt x="419732" y="3004503"/>
+                </a:cubicBezTo>
+                <a:cubicBezTo>
+                  <a:pt x="407578" y="2949657"/>
+                  <a:pt x="388511" y="2896851"/>
+                  <a:pt x="363651" y="2842588"/>
+                </a:cubicBezTo>
+                <a:cubicBezTo>
+                  <a:pt x="332103" y="2797699"/>
+                  <a:pt x="331554" y="2711800"/>
+                  <a:pt x="263212" y="2651456"/>
+                </a:cubicBezTo>
+                <a:cubicBezTo>
+                  <a:pt x="235935" y="2585326"/>
+                  <a:pt x="214760" y="2535145"/>
+                  <a:pt x="194330" y="2484251"/>
+                </a:cubicBezTo>
+                <a:cubicBezTo>
+                  <a:pt x="184580" y="2468441"/>
+                  <a:pt x="154039" y="2380429"/>
+                  <a:pt x="140630" y="2346096"/>
+                </a:cubicBezTo>
+                <a:cubicBezTo>
+                  <a:pt x="76681" y="2257531"/>
+                  <a:pt x="91260" y="2243719"/>
+                  <a:pt x="77185" y="2144811"/>
+                </a:cubicBezTo>
+                <a:cubicBezTo>
+                  <a:pt x="66953" y="2112233"/>
+                  <a:pt x="67414" y="2096078"/>
+                  <a:pt x="50887" y="2061697"/>
+                </a:cubicBezTo>
+                <a:lnTo>
+                  <a:pt x="27133" y="1969379"/>
+                </a:lnTo>
+                <a:lnTo>
+                  <a:pt x="29988" y="1961973"/>
+                </a:lnTo>
+                <a:lnTo>
+                  <a:pt x="31559" y="1961231"/>
+                </a:lnTo>
+                <a:lnTo>
+                  <a:pt x="14905" y="1880268"/>
+                </a:lnTo>
+                <a:cubicBezTo>
+                  <a:pt x="12271" y="1874644"/>
+                  <a:pt x="-805" y="1860096"/>
+                  <a:pt x="2188" y="1847922"/>
+                </a:cubicBezTo>
+                <a:lnTo>
+                  <a:pt x="21879" y="1779161"/>
+                </a:lnTo>
+                <a:lnTo>
+                  <a:pt x="27968" y="1733684"/>
+                </a:lnTo>
+                <a:cubicBezTo>
+                  <a:pt x="25035" y="1726530"/>
+                  <a:pt x="21617" y="1619937"/>
+                  <a:pt x="16511" y="1614373"/>
+                </a:cubicBezTo>
+                <a:cubicBezTo>
+                  <a:pt x="47946" y="1547691"/>
+                  <a:pt x="4394" y="1556097"/>
+                  <a:pt x="12613" y="1479987"/>
+                </a:cubicBezTo>
+                <a:cubicBezTo>
+                  <a:pt x="15110" y="1387360"/>
+                  <a:pt x="4986" y="1320420"/>
+                  <a:pt x="4190" y="1214801"/>
+                </a:cubicBezTo>
+                <a:cubicBezTo>
+                  <a:pt x="3611" y="1152457"/>
+                  <a:pt x="-6268" y="1080052"/>
+                  <a:pt x="6503" y="966549"/>
+                </a:cubicBezTo>
+                <a:cubicBezTo>
+                  <a:pt x="10182" y="901722"/>
+                  <a:pt x="25065" y="884915"/>
+                  <a:pt x="20609" y="845066"/>
+                </a:cubicBezTo>
+                <a:cubicBezTo>
+                  <a:pt x="20199" y="816540"/>
+                  <a:pt x="19791" y="788014"/>
+                  <a:pt x="19381" y="759488"/>
+                </a:cubicBezTo>
+                <a:lnTo>
+                  <a:pt x="21672" y="741102"/>
+                </a:lnTo>
+                <a:lnTo>
+                  <a:pt x="30720" y="737125"/>
+                </a:lnTo>
+                <a:lnTo>
+                  <a:pt x="23211" y="691098"/>
+                </a:lnTo>
+                <a:cubicBezTo>
+                  <a:pt x="25461" y="680873"/>
+                  <a:pt x="43338" y="650431"/>
+                  <a:pt x="42062" y="637700"/>
+                </a:cubicBezTo>
+                <a:cubicBezTo>
+                  <a:pt x="23297" y="593852"/>
+                  <a:pt x="30263" y="601340"/>
+                  <a:pt x="41571" y="540174"/>
+                </a:cubicBezTo>
+                <a:cubicBezTo>
+                  <a:pt x="35397" y="519975"/>
+                  <a:pt x="35174" y="428356"/>
+                  <a:pt x="46636" y="415352"/>
+                </a:cubicBezTo>
+                <a:cubicBezTo>
+                  <a:pt x="48960" y="401821"/>
+                  <a:pt x="44602" y="386587"/>
+                  <a:pt x="56977" y="379461"/>
+                </a:cubicBezTo>
+                <a:cubicBezTo>
+                  <a:pt x="71829" y="368123"/>
+                  <a:pt x="47958" y="323384"/>
+                  <a:pt x="65759" y="328645"/>
+                </a:cubicBezTo>
+                <a:cubicBezTo>
+                  <a:pt x="49386" y="296830"/>
+                  <a:pt x="65237" y="231983"/>
+                  <a:pt x="72589" y="203608"/>
+                </a:cubicBezTo>
+                <a:cubicBezTo>
+                  <a:pt x="75524" y="153257"/>
+                  <a:pt x="77980" y="142710"/>
+                  <a:pt x="78370" y="105992"/>
+                </a:cubicBezTo>
+                <a:cubicBezTo>
+                  <a:pt x="80828" y="104127"/>
+                  <a:pt x="70890" y="52128"/>
+                  <a:pt x="70125" y="25135"/>
+                </a:cubicBezTo>
+                <a:close/>
+              </a:path>
+            </a:pathLst>
+          </a:custGeom>
+          <a:noFill/>
+          <a:extLst>
+            <a:ext uri="{909E8E84-426E-40DD-AFC4-6F175D3DCCD1}">
+              <a14:hiddenFill xmlns:a14="http://schemas.microsoft.com/office/drawing/2010/main">
+                <a:solidFill>
+                  <a:srgbClr val="FFFFFF"/>
+                </a:solidFill>
+              </a14:hiddenFill>
+            </a:ext>
+          </a:extLst>
+        </p:spPr>
+      </p:pic>
+      <p:pic>
+        <p:nvPicPr>
+          <p:cNvPr id="2052" name="Picture 4" descr="O que é o código-fonte de um jogo? | Voxel">
+            <a:extLst>
+              <a:ext uri="{FF2B5EF4-FFF2-40B4-BE49-F238E27FC236}">
+                <a16:creationId xmlns:a16="http://schemas.microsoft.com/office/drawing/2014/main" id="{7C8F0123-7BFB-CE46-E845-DED464AE5693}"/>
+              </a:ext>
+            </a:extLst>
+          </p:cNvPr>
+          <p:cNvPicPr>
+            <a:picLocks noChangeAspect="1" noChangeArrowheads="1"/>
+          </p:cNvPicPr>
+          <p:nvPr/>
+        </p:nvPicPr>
+        <p:blipFill>
+          <a:blip r:embed="rId4">
+            <a:extLst>
+              <a:ext uri="{28A0092B-C50C-407E-A947-70E740481C1C}">
+                <a14:useLocalDpi xmlns:a14="http://schemas.microsoft.com/office/drawing/2010/main" val="0"/>
+              </a:ext>
+            </a:extLst>
+          </a:blip>
+          <a:srcRect r="29045" b="2"/>
+          <a:stretch/>
+        </p:blipFill>
+        <p:spPr bwMode="auto">
+          <a:xfrm>
+            <a:off x="7842932" y="-17"/>
+            <a:ext cx="4349068" cy="3432349"/>
+          </a:xfrm>
+          <a:custGeom>
+            <a:avLst/>
+            <a:gdLst/>
+            <a:ahLst/>
+            <a:cxnLst/>
+            <a:rect l="l" t="t" r="r" b="b"/>
+            <a:pathLst>
+              <a:path w="4349068" h="3428999">
+                <a:moveTo>
+                  <a:pt x="711944" y="0"/>
+                </a:moveTo>
+                <a:lnTo>
+                  <a:pt x="4349068" y="0"/>
+                </a:lnTo>
+                <a:lnTo>
+                  <a:pt x="4349068" y="3428999"/>
+                </a:lnTo>
+                <a:lnTo>
+                  <a:pt x="32307" y="3428999"/>
+                </a:lnTo>
+                <a:lnTo>
+                  <a:pt x="34693" y="3410051"/>
+                </a:lnTo>
+                <a:cubicBezTo>
+                  <a:pt x="37039" y="3395347"/>
+                  <a:pt x="38143" y="3381819"/>
+                  <a:pt x="32792" y="3373027"/>
+                </a:cubicBezTo>
+                <a:cubicBezTo>
+                  <a:pt x="29961" y="3298527"/>
+                  <a:pt x="20335" y="3290617"/>
+                  <a:pt x="14318" y="3222737"/>
+                </a:cubicBezTo>
+                <a:cubicBezTo>
+                  <a:pt x="11384" y="3146284"/>
+                  <a:pt x="-6116" y="3184007"/>
+                  <a:pt x="2241" y="3118188"/>
+                </a:cubicBezTo>
+                <a:cubicBezTo>
+                  <a:pt x="16306" y="3109217"/>
+                  <a:pt x="34183" y="3024732"/>
+                  <a:pt x="27952" y="3003808"/>
+                </a:cubicBezTo>
+                <a:cubicBezTo>
+                  <a:pt x="27563" y="2966753"/>
+                  <a:pt x="27366" y="2989870"/>
+                  <a:pt x="27149" y="2944921"/>
+                </a:cubicBezTo>
+                <a:lnTo>
+                  <a:pt x="41941" y="2877744"/>
+                </a:lnTo>
+                <a:cubicBezTo>
+                  <a:pt x="36258" y="2880724"/>
+                  <a:pt x="54303" y="2822146"/>
+                  <a:pt x="53926" y="2807161"/>
+                </a:cubicBezTo>
+                <a:cubicBezTo>
+                  <a:pt x="56083" y="2775643"/>
+                  <a:pt x="30060" y="2769288"/>
+                  <a:pt x="53334" y="2752347"/>
+                </a:cubicBezTo>
+                <a:lnTo>
+                  <a:pt x="60008" y="2748299"/>
+                </a:lnTo>
+                <a:cubicBezTo>
+                  <a:pt x="60210" y="2745962"/>
+                  <a:pt x="60411" y="2743625"/>
+                  <a:pt x="60613" y="2741288"/>
+                </a:cubicBezTo>
+                <a:cubicBezTo>
+                  <a:pt x="60116" y="2737657"/>
+                  <a:pt x="58269" y="2735847"/>
+                  <a:pt x="53819" y="2737160"/>
+                </a:cubicBezTo>
+                <a:cubicBezTo>
+                  <a:pt x="70191" y="2705347"/>
+                  <a:pt x="64153" y="2699356"/>
+                  <a:pt x="66799" y="2659631"/>
+                </a:cubicBezTo>
+                <a:cubicBezTo>
+                  <a:pt x="77943" y="2612127"/>
+                  <a:pt x="64846" y="2628594"/>
+                  <a:pt x="86795" y="2573336"/>
+                </a:cubicBezTo>
+                <a:cubicBezTo>
+                  <a:pt x="96119" y="2559732"/>
+                  <a:pt x="108676" y="2541339"/>
+                  <a:pt x="108890" y="2528057"/>
+                </a:cubicBezTo>
+                <a:lnTo>
+                  <a:pt x="137074" y="2489594"/>
+                </a:lnTo>
+                <a:cubicBezTo>
+                  <a:pt x="138076" y="2487774"/>
+                  <a:pt x="138422" y="2473350"/>
+                  <a:pt x="137897" y="2468303"/>
+                </a:cubicBezTo>
+                <a:lnTo>
+                  <a:pt x="155171" y="2460480"/>
+                </a:lnTo>
+                <a:lnTo>
+                  <a:pt x="147972" y="2423535"/>
+                </a:lnTo>
+                <a:lnTo>
+                  <a:pt x="155293" y="2404394"/>
+                </a:lnTo>
+                <a:cubicBezTo>
+                  <a:pt x="172891" y="2392610"/>
+                  <a:pt x="160687" y="2347474"/>
+                  <a:pt x="168818" y="2324643"/>
+                </a:cubicBezTo>
+                <a:cubicBezTo>
+                  <a:pt x="169390" y="2297698"/>
+                  <a:pt x="193082" y="2284202"/>
+                  <a:pt x="198340" y="2255535"/>
+                </a:cubicBezTo>
+                <a:cubicBezTo>
+                  <a:pt x="214268" y="2249648"/>
+                  <a:pt x="228319" y="2207828"/>
+                  <a:pt x="217338" y="2184679"/>
+                </a:cubicBezTo>
+                <a:lnTo>
+                  <a:pt x="242924" y="2093132"/>
+                </a:lnTo>
+                <a:cubicBezTo>
+                  <a:pt x="264937" y="2084587"/>
+                  <a:pt x="280562" y="1985868"/>
+                  <a:pt x="290446" y="1950235"/>
+                </a:cubicBezTo>
+                <a:cubicBezTo>
+                  <a:pt x="308239" y="1920183"/>
+                  <a:pt x="350073" y="1898905"/>
+                  <a:pt x="361001" y="1861568"/>
+                </a:cubicBezTo>
+                <a:cubicBezTo>
+                  <a:pt x="367163" y="1810687"/>
+                  <a:pt x="352049" y="1869507"/>
+                  <a:pt x="356015" y="1809499"/>
+                </a:cubicBezTo>
+                <a:cubicBezTo>
+                  <a:pt x="355145" y="1754297"/>
+                  <a:pt x="367821" y="1767680"/>
+                  <a:pt x="375846" y="1693716"/>
+                </a:cubicBezTo>
+                <a:cubicBezTo>
+                  <a:pt x="374712" y="1654244"/>
+                  <a:pt x="382062" y="1627007"/>
+                  <a:pt x="381776" y="1605195"/>
+                </a:cubicBezTo>
+                <a:cubicBezTo>
+                  <a:pt x="389848" y="1568952"/>
+                  <a:pt x="392552" y="1564518"/>
+                  <a:pt x="396301" y="1516217"/>
+                </a:cubicBezTo>
+                <a:cubicBezTo>
+                  <a:pt x="401397" y="1488452"/>
+                  <a:pt x="428137" y="1457870"/>
+                  <a:pt x="409866" y="1429841"/>
+                </a:cubicBezTo>
+                <a:cubicBezTo>
+                  <a:pt x="422203" y="1412325"/>
+                  <a:pt x="460064" y="1413592"/>
+                  <a:pt x="442210" y="1380081"/>
+                </a:cubicBezTo>
+                <a:cubicBezTo>
+                  <a:pt x="464590" y="1394128"/>
+                  <a:pt x="443394" y="1335176"/>
+                  <a:pt x="463662" y="1334891"/>
+                </a:cubicBezTo>
+                <a:cubicBezTo>
+                  <a:pt x="480316" y="1336427"/>
+                  <a:pt x="515162" y="1194568"/>
+                  <a:pt x="519523" y="1185551"/>
+                </a:cubicBezTo>
+                <a:cubicBezTo>
+                  <a:pt x="527731" y="1149210"/>
+                  <a:pt x="536547" y="1148087"/>
+                  <a:pt x="542909" y="1111168"/>
+                </a:cubicBezTo>
+                <a:cubicBezTo>
+                  <a:pt x="555522" y="1057226"/>
+                  <a:pt x="531818" y="1022543"/>
+                  <a:pt x="543055" y="993353"/>
+                </a:cubicBezTo>
+                <a:cubicBezTo>
+                  <a:pt x="559986" y="960214"/>
+                  <a:pt x="580459" y="867450"/>
+                  <a:pt x="592544" y="813953"/>
+                </a:cubicBezTo>
+                <a:cubicBezTo>
+                  <a:pt x="604272" y="746430"/>
+                  <a:pt x="608119" y="666470"/>
+                  <a:pt x="613420" y="588218"/>
+                </a:cubicBezTo>
+                <a:cubicBezTo>
+                  <a:pt x="604962" y="475380"/>
+                  <a:pt x="590630" y="536119"/>
+                  <a:pt x="596055" y="376479"/>
+                </a:cubicBezTo>
+                <a:lnTo>
+                  <a:pt x="605018" y="280992"/>
+                </a:lnTo>
+                <a:cubicBezTo>
+                  <a:pt x="604854" y="276227"/>
+                  <a:pt x="610771" y="223140"/>
+                  <a:pt x="610608" y="218374"/>
+                </a:cubicBezTo>
+                <a:lnTo>
+                  <a:pt x="604880" y="188178"/>
+                </a:lnTo>
+                <a:lnTo>
+                  <a:pt x="630913" y="152404"/>
+                </a:lnTo>
+                <a:cubicBezTo>
+                  <a:pt x="640688" y="136342"/>
+                  <a:pt x="647365" y="122048"/>
+                  <a:pt x="663530" y="91810"/>
+                </a:cubicBezTo>
+                <a:lnTo>
+                  <a:pt x="705264" y="3016"/>
+                </a:lnTo>
+                <a:close/>
+              </a:path>
+            </a:pathLst>
+          </a:custGeom>
+          <a:noFill/>
+          <a:extLst>
+            <a:ext uri="{909E8E84-426E-40DD-AFC4-6F175D3DCCD1}">
+              <a14:hiddenFill xmlns:a14="http://schemas.microsoft.com/office/drawing/2010/main">
+                <a:solidFill>
+                  <a:srgbClr val="FFFFFF"/>
+                </a:solidFill>
+              </a14:hiddenFill>
+            </a:ext>
+          </a:extLst>
+        </p:spPr>
+      </p:pic>
+    </p:spTree>
+    <p:extLst>
+      <p:ext uri="{BB962C8B-B14F-4D97-AF65-F5344CB8AC3E}">
+        <p14:creationId xmlns:p14="http://schemas.microsoft.com/office/powerpoint/2010/main" val="2109034723"/>
+      </p:ext>
+    </p:extLst>
+  </p:cSld>
+  <p:clrMapOvr>
+    <a:masterClrMapping/>
+  </p:clrMapOvr>
+</p:sld>
+</file>
+
+<file path=ppt/slides/slide6.xml><?xml version="1.0" encoding="utf-8"?>
+<p:sld xmlns:a="http://schemas.openxmlformats.org/drawingml/2006/main" xmlns:r="http://schemas.openxmlformats.org/officeDocument/2006/relationships" xmlns:p="http://schemas.openxmlformats.org/presentationml/2006/main">
+  <p:cSld>
+    <p:bg>
+      <p:bgPr>
+        <a:solidFill>
+          <a:schemeClr val="bg1"/>
+        </a:solidFill>
+        <a:effectLst/>
+      </p:bgPr>
+    </p:bg>
+    <p:spTree>
+      <p:nvGrpSpPr>
+        <p:cNvPr id="1" name=""/>
+        <p:cNvGrpSpPr/>
+        <p:nvPr/>
+      </p:nvGrpSpPr>
+      <p:grpSpPr>
+        <a:xfrm>
+          <a:off x="0" y="0"/>
+          <a:ext cx="0" cy="0"/>
+          <a:chOff x="0" y="0"/>
+          <a:chExt cx="0" cy="0"/>
+        </a:xfrm>
+      </p:grpSpPr>
+      <p:sp useBgFill="1">
+        <p:nvSpPr>
+          <p:cNvPr id="3087" name="Rectangle 3086">
+            <a:extLst>
+              <a:ext uri="{FF2B5EF4-FFF2-40B4-BE49-F238E27FC236}">
+                <a16:creationId xmlns:a16="http://schemas.microsoft.com/office/drawing/2014/main" id="{638B61BD-0EE1-4D29-B894-126CD61C5DED}"/>
+              </a:ext>
+              <a:ext uri="{C183D7F6-B498-43B3-948B-1728B52AA6E4}">
+                <adec:decorative xmlns:adec="http://schemas.microsoft.com/office/drawing/2017/decorative" val="1"/>
+              </a:ext>
+            </a:extLst>
+          </p:cNvPr>
+          <p:cNvSpPr>
+            <a:spLocks noGrp="1" noRot="1" noChangeAspect="1" noMove="1" noResize="1" noEditPoints="1" noAdjustHandles="1" noChangeArrowheads="1" noChangeShapeType="1" noTextEdit="1"/>
+          </p:cNvSpPr>
+          <p:nvPr>
+            <p:extLst>
+              <p:ext uri="{386F3935-93C4-4BCD-93E2-E3B085C9AB24}">
+                <p16:designElem xmlns:p16="http://schemas.microsoft.com/office/powerpoint/2015/main" val="1"/>
+              </p:ext>
+            </p:extLst>
+          </p:nvPr>
+        </p:nvSpPr>
+        <p:spPr>
+          <a:xfrm>
+            <a:off x="0" y="0"/>
+            <a:ext cx="12188952" cy="6858000"/>
+          </a:xfrm>
+          <a:prstGeom prst="rect">
+            <a:avLst/>
+          </a:prstGeom>
+          <a:ln>
+            <a:noFill/>
+          </a:ln>
+        </p:spPr>
+        <p:style>
+          <a:lnRef idx="2">
+            <a:schemeClr val="accent1">
+              <a:shade val="50000"/>
+            </a:schemeClr>
+          </a:lnRef>
+          <a:fillRef idx="1">
+            <a:schemeClr val="accent1"/>
+          </a:fillRef>
+          <a:effectRef idx="0">
+            <a:schemeClr val="accent1"/>
+          </a:effectRef>
+          <a:fontRef idx="minor">
+            <a:schemeClr val="lt1"/>
+          </a:fontRef>
+        </p:style>
+        <p:txBody>
+          <a:bodyPr rtlCol="0" anchor="ctr"/>
+          <a:lstStyle/>
+          <a:p>
+            <a:pPr algn="ctr"/>
+            <a:endParaRPr lang="en-US"/>
+          </a:p>
+        </p:txBody>
+      </p:sp>
+      <p:sp>
+        <p:nvSpPr>
+          <p:cNvPr id="3089" name="Freeform: Shape 3088">
+            <a:extLst>
+              <a:ext uri="{FF2B5EF4-FFF2-40B4-BE49-F238E27FC236}">
+                <a16:creationId xmlns:a16="http://schemas.microsoft.com/office/drawing/2014/main" id="{BBC14DD5-C584-4158-BF76-ECE3C6DB48AD}"/>
+              </a:ext>
+              <a:ext uri="{C183D7F6-B498-43B3-948B-1728B52AA6E4}">
+                <adec:decorative xmlns:adec="http://schemas.microsoft.com/office/drawing/2017/decorative" val="1"/>
+              </a:ext>
+            </a:extLst>
+          </p:cNvPr>
+          <p:cNvSpPr>
+            <a:spLocks noGrp="1" noRot="1" noChangeAspect="1" noMove="1" noResize="1" noEditPoints="1" noAdjustHandles="1" noChangeArrowheads="1" noChangeShapeType="1" noTextEdit="1"/>
+          </p:cNvSpPr>
+          <p:nvPr>
+            <p:extLst>
+              <p:ext uri="{386F3935-93C4-4BCD-93E2-E3B085C9AB24}">
+                <p16:designElem xmlns:p16="http://schemas.microsoft.com/office/powerpoint/2015/main" val="1"/>
+              </p:ext>
+            </p:extLst>
+          </p:nvPr>
+        </p:nvSpPr>
+        <p:spPr>
+          <a:xfrm>
+            <a:off x="0" y="0"/>
+            <a:ext cx="12192000" cy="6858000"/>
+          </a:xfrm>
+          <a:custGeom>
+            <a:avLst/>
+            <a:gdLst>
+              <a:gd name="connsiteX0" fmla="*/ 5947992 w 12192000"/>
+              <a:gd name="connsiteY0" fmla="*/ 2457985 h 6858000"/>
+              <a:gd name="connsiteX1" fmla="*/ 5926156 w 12192000"/>
+              <a:gd name="connsiteY1" fmla="*/ 2472983 h 6858000"/>
+              <a:gd name="connsiteX2" fmla="*/ 6047792 w 12192000"/>
+              <a:gd name="connsiteY2" fmla="*/ 2529213 h 6858000"/>
+              <a:gd name="connsiteX3" fmla="*/ 5857576 w 12192000"/>
+              <a:gd name="connsiteY3" fmla="*/ 2499619 h 6858000"/>
+              <a:gd name="connsiteX4" fmla="*/ 5854328 w 12192000"/>
+              <a:gd name="connsiteY4" fmla="*/ 2518740 h 6858000"/>
+              <a:gd name="connsiteX5" fmla="*/ 6070351 w 12192000"/>
+              <a:gd name="connsiteY5" fmla="*/ 2591134 h 6858000"/>
+              <a:gd name="connsiteX6" fmla="*/ 6051040 w 12192000"/>
+              <a:gd name="connsiteY6" fmla="*/ 2602290 h 6858000"/>
+              <a:gd name="connsiteX7" fmla="*/ 5936261 w 12192000"/>
+              <a:gd name="connsiteY7" fmla="*/ 2574288 h 6858000"/>
+              <a:gd name="connsiteX8" fmla="*/ 5913160 w 12192000"/>
+              <a:gd name="connsiteY8" fmla="*/ 2581573 h 6858000"/>
+              <a:gd name="connsiteX9" fmla="*/ 5924531 w 12192000"/>
+              <a:gd name="connsiteY9" fmla="*/ 2615492 h 6858000"/>
+              <a:gd name="connsiteX10" fmla="*/ 5974341 w 12192000"/>
+              <a:gd name="connsiteY10" fmla="*/ 2628696 h 6858000"/>
+              <a:gd name="connsiteX11" fmla="*/ 6051944 w 12192000"/>
+              <a:gd name="connsiteY11" fmla="*/ 2708377 h 6858000"/>
+              <a:gd name="connsiteX12" fmla="*/ 5934457 w 12192000"/>
+              <a:gd name="connsiteY12" fmla="*/ 2698814 h 6858000"/>
+              <a:gd name="connsiteX13" fmla="*/ 5913702 w 12192000"/>
+              <a:gd name="connsiteY13" fmla="*/ 2718165 h 6858000"/>
+              <a:gd name="connsiteX14" fmla="*/ 5905761 w 12192000"/>
+              <a:gd name="connsiteY14" fmla="*/ 2743207 h 6858000"/>
+              <a:gd name="connsiteX15" fmla="*/ 5860282 w 12192000"/>
+              <a:gd name="connsiteY15" fmla="*/ 2763923 h 6858000"/>
+              <a:gd name="connsiteX16" fmla="*/ 5931750 w 12192000"/>
+              <a:gd name="connsiteY16" fmla="*/ 2787144 h 6858000"/>
+              <a:gd name="connsiteX17" fmla="*/ 5855409 w 12192000"/>
+              <a:gd name="connsiteY17" fmla="*/ 2787144 h 6858000"/>
+              <a:gd name="connsiteX18" fmla="*/ 5767701 w 12192000"/>
+              <a:gd name="connsiteY18" fmla="*/ 2771209 h 6858000"/>
+              <a:gd name="connsiteX19" fmla="*/ 5674216 w 12192000"/>
+              <a:gd name="connsiteY19" fmla="*/ 2776216 h 6858000"/>
+              <a:gd name="connsiteX20" fmla="*/ 5487249 w 12192000"/>
+              <a:gd name="connsiteY20" fmla="*/ 2746850 h 6858000"/>
+              <a:gd name="connsiteX21" fmla="*/ 5398276 w 12192000"/>
+              <a:gd name="connsiteY21" fmla="*/ 2748898 h 6858000"/>
+              <a:gd name="connsiteX22" fmla="*/ 5892947 w 12192000"/>
+              <a:gd name="connsiteY22" fmla="*/ 2946502 h 6858000"/>
+              <a:gd name="connsiteX23" fmla="*/ 5867682 w 12192000"/>
+              <a:gd name="connsiteY23" fmla="*/ 2989983 h 6858000"/>
+              <a:gd name="connsiteX24" fmla="*/ 5971273 w 12192000"/>
+              <a:gd name="connsiteY24" fmla="*/ 3037335 h 6858000"/>
+              <a:gd name="connsiteX25" fmla="*/ 5996719 w 12192000"/>
+              <a:gd name="connsiteY25" fmla="*/ 3084231 h 6858000"/>
+              <a:gd name="connsiteX26" fmla="*/ 5964776 w 12192000"/>
+              <a:gd name="connsiteY26" fmla="*/ 3080134 h 6858000"/>
+              <a:gd name="connsiteX27" fmla="*/ 5937344 w 12192000"/>
+              <a:gd name="connsiteY27" fmla="*/ 3089012 h 6858000"/>
+              <a:gd name="connsiteX28" fmla="*/ 5948713 w 12192000"/>
+              <a:gd name="connsiteY28" fmla="*/ 3148657 h 6858000"/>
+              <a:gd name="connsiteX29" fmla="*/ 6095075 w 12192000"/>
+              <a:gd name="connsiteY29" fmla="*/ 3225605 h 6858000"/>
+              <a:gd name="connsiteX30" fmla="*/ 6108249 w 12192000"/>
+              <a:gd name="connsiteY30" fmla="*/ 3250646 h 6858000"/>
+              <a:gd name="connsiteX31" fmla="*/ 6090744 w 12192000"/>
+              <a:gd name="connsiteY31" fmla="*/ 3268403 h 6858000"/>
+              <a:gd name="connsiteX32" fmla="*/ 6043461 w 12192000"/>
+              <a:gd name="connsiteY32" fmla="*/ 3277509 h 6858000"/>
+              <a:gd name="connsiteX33" fmla="*/ 6109692 w 12192000"/>
+              <a:gd name="connsiteY33" fmla="*/ 3362879 h 6858000"/>
+              <a:gd name="connsiteX34" fmla="*/ 6133877 w 12192000"/>
+              <a:gd name="connsiteY34" fmla="*/ 3386554 h 6858000"/>
+              <a:gd name="connsiteX35" fmla="*/ 6175205 w 12192000"/>
+              <a:gd name="connsiteY35" fmla="*/ 3423208 h 6858000"/>
+              <a:gd name="connsiteX36" fmla="*/ 6175926 w 12192000"/>
+              <a:gd name="connsiteY36" fmla="*/ 3434363 h 6858000"/>
+              <a:gd name="connsiteX37" fmla="*/ 6119620 w 12192000"/>
+              <a:gd name="connsiteY37" fmla="*/ 3473747 h 6858000"/>
+              <a:gd name="connsiteX38" fmla="*/ 6018015 w 12192000"/>
+              <a:gd name="connsiteY38" fmla="*/ 3463046 h 6858000"/>
+              <a:gd name="connsiteX39" fmla="*/ 6168166 w 12192000"/>
+              <a:gd name="connsiteY39" fmla="*/ 3521781 h 6858000"/>
+              <a:gd name="connsiteX40" fmla="*/ 5682157 w 12192000"/>
+              <a:gd name="connsiteY40" fmla="*/ 3381775 h 6858000"/>
+              <a:gd name="connsiteX41" fmla="*/ 5713198 w 12192000"/>
+              <a:gd name="connsiteY41" fmla="*/ 3418426 h 6858000"/>
+              <a:gd name="connsiteX42" fmla="*/ 5883202 w 12192000"/>
+              <a:gd name="connsiteY42" fmla="*/ 3514950 h 6858000"/>
+              <a:gd name="connsiteX43" fmla="*/ 5931387 w 12192000"/>
+              <a:gd name="connsiteY43" fmla="*/ 3575508 h 6858000"/>
+              <a:gd name="connsiteX44" fmla="*/ 5981919 w 12192000"/>
+              <a:gd name="connsiteY44" fmla="*/ 3608971 h 6858000"/>
+              <a:gd name="connsiteX45" fmla="*/ 6052845 w 12192000"/>
+              <a:gd name="connsiteY45" fmla="*/ 3608290 h 6858000"/>
+              <a:gd name="connsiteX46" fmla="*/ 6103196 w 12192000"/>
+              <a:gd name="connsiteY46" fmla="*/ 3659739 h 6858000"/>
+              <a:gd name="connsiteX47" fmla="*/ 6050680 w 12192000"/>
+              <a:gd name="connsiteY47" fmla="*/ 3670666 h 6858000"/>
+              <a:gd name="connsiteX48" fmla="*/ 5989139 w 12192000"/>
+              <a:gd name="connsiteY48" fmla="*/ 3662243 h 6858000"/>
+              <a:gd name="connsiteX49" fmla="*/ 5856311 w 12192000"/>
+              <a:gd name="connsiteY49" fmla="*/ 3664973 h 6858000"/>
+              <a:gd name="connsiteX50" fmla="*/ 5780153 w 12192000"/>
+              <a:gd name="connsiteY50" fmla="*/ 3674991 h 6858000"/>
+              <a:gd name="connsiteX51" fmla="*/ 5605096 w 12192000"/>
+              <a:gd name="connsiteY51" fmla="*/ 3657917 h 6858000"/>
+              <a:gd name="connsiteX52" fmla="*/ 5615384 w 12192000"/>
+              <a:gd name="connsiteY52" fmla="*/ 3701627 h 6858000"/>
+              <a:gd name="connsiteX53" fmla="*/ 5608886 w 12192000"/>
+              <a:gd name="connsiteY53" fmla="*/ 3739645 h 6858000"/>
+              <a:gd name="connsiteX54" fmla="*/ 5606359 w 12192000"/>
+              <a:gd name="connsiteY54" fmla="*/ 3822284 h 6858000"/>
+              <a:gd name="connsiteX55" fmla="*/ 5607984 w 12192000"/>
+              <a:gd name="connsiteY55" fmla="*/ 3835716 h 6858000"/>
+              <a:gd name="connsiteX56" fmla="*/ 5568822 w 12192000"/>
+              <a:gd name="connsiteY56" fmla="*/ 3844366 h 6858000"/>
+              <a:gd name="connsiteX57" fmla="*/ 5802171 w 12192000"/>
+              <a:gd name="connsiteY57" fmla="*/ 4016244 h 6858000"/>
+              <a:gd name="connsiteX58" fmla="*/ 5646244 w 12192000"/>
+              <a:gd name="connsiteY58" fmla="*/ 3972534 h 6858000"/>
+              <a:gd name="connsiteX59" fmla="*/ 5625129 w 12192000"/>
+              <a:gd name="connsiteY59" fmla="*/ 4044701 h 6858000"/>
+              <a:gd name="connsiteX60" fmla="*/ 5698400 w 12192000"/>
+              <a:gd name="connsiteY60" fmla="*/ 4108899 h 6858000"/>
+              <a:gd name="connsiteX61" fmla="*/ 5725470 w 12192000"/>
+              <a:gd name="connsiteY61" fmla="*/ 4235930 h 6858000"/>
+              <a:gd name="connsiteX62" fmla="*/ 5712295 w 12192000"/>
+              <a:gd name="connsiteY62" fmla="*/ 4352032 h 6858000"/>
+              <a:gd name="connsiteX63" fmla="*/ 5680894 w 12192000"/>
+              <a:gd name="connsiteY63" fmla="*/ 4388911 h 6858000"/>
+              <a:gd name="connsiteX64" fmla="*/ 5635415 w 12192000"/>
+              <a:gd name="connsiteY64" fmla="*/ 4455158 h 6858000"/>
+              <a:gd name="connsiteX65" fmla="*/ 5607263 w 12192000"/>
+              <a:gd name="connsiteY65" fmla="*/ 4496136 h 6858000"/>
+              <a:gd name="connsiteX66" fmla="*/ 5509446 w 12192000"/>
+              <a:gd name="connsiteY66" fmla="*/ 4480201 h 6858000"/>
+              <a:gd name="connsiteX67" fmla="*/ 5639928 w 12192000"/>
+              <a:gd name="connsiteY67" fmla="*/ 4584239 h 6858000"/>
+              <a:gd name="connsiteX68" fmla="*/ 5534171 w 12192000"/>
+              <a:gd name="connsiteY68" fmla="*/ 4571262 h 6858000"/>
+              <a:gd name="connsiteX69" fmla="*/ 5499701 w 12192000"/>
+              <a:gd name="connsiteY69" fmla="*/ 4578547 h 6858000"/>
+              <a:gd name="connsiteX70" fmla="*/ 5519373 w 12192000"/>
+              <a:gd name="connsiteY70" fmla="*/ 4612239 h 6858000"/>
+              <a:gd name="connsiteX71" fmla="*/ 5596974 w 12192000"/>
+              <a:gd name="connsiteY71" fmla="*/ 4669379 h 6858000"/>
+              <a:gd name="connsiteX72" fmla="*/ 5756873 w 12192000"/>
+              <a:gd name="connsiteY72" fmla="*/ 4824185 h 6858000"/>
+              <a:gd name="connsiteX73" fmla="*/ 5602028 w 12192000"/>
+              <a:gd name="connsiteY73" fmla="*/ 4753158 h 6858000"/>
+              <a:gd name="connsiteX74" fmla="*/ 5765173 w 12192000"/>
+              <a:gd name="connsiteY74" fmla="*/ 4912286 h 6858000"/>
+              <a:gd name="connsiteX75" fmla="*/ 5801450 w 12192000"/>
+              <a:gd name="connsiteY75" fmla="*/ 4965101 h 6858000"/>
+              <a:gd name="connsiteX76" fmla="*/ 5874721 w 12192000"/>
+              <a:gd name="connsiteY76" fmla="*/ 5096229 h 6858000"/>
+              <a:gd name="connsiteX77" fmla="*/ 5871110 w 12192000"/>
+              <a:gd name="connsiteY77" fmla="*/ 5111026 h 6858000"/>
+              <a:gd name="connsiteX78" fmla="*/ 5786469 w 12192000"/>
+              <a:gd name="connsiteY78" fmla="*/ 5089855 h 6858000"/>
+              <a:gd name="connsiteX79" fmla="*/ 5896196 w 12192000"/>
+              <a:gd name="connsiteY79" fmla="*/ 5200041 h 6858000"/>
+              <a:gd name="connsiteX80" fmla="*/ 6009534 w 12192000"/>
+              <a:gd name="connsiteY80" fmla="*/ 5284725 h 6858000"/>
+              <a:gd name="connsiteX81" fmla="*/ 5929042 w 12192000"/>
+              <a:gd name="connsiteY81" fmla="*/ 5271751 h 6858000"/>
+              <a:gd name="connsiteX82" fmla="*/ 5818413 w 12192000"/>
+              <a:gd name="connsiteY82" fmla="*/ 5223260 h 6858000"/>
+              <a:gd name="connsiteX83" fmla="*/ 5779973 w 12192000"/>
+              <a:gd name="connsiteY83" fmla="*/ 5241473 h 6858000"/>
+              <a:gd name="connsiteX84" fmla="*/ 5884826 w 12192000"/>
+              <a:gd name="connsiteY84" fmla="*/ 5321606 h 6858000"/>
+              <a:gd name="connsiteX85" fmla="*/ 5944924 w 12192000"/>
+              <a:gd name="connsiteY85" fmla="*/ 5358715 h 6858000"/>
+              <a:gd name="connsiteX86" fmla="*/ 5968926 w 12192000"/>
+              <a:gd name="connsiteY86" fmla="*/ 5387170 h 6858000"/>
+              <a:gd name="connsiteX87" fmla="*/ 6037505 w 12192000"/>
+              <a:gd name="connsiteY87" fmla="*/ 5488704 h 6858000"/>
+              <a:gd name="connsiteX88" fmla="*/ 6238910 w 12192000"/>
+              <a:gd name="connsiteY88" fmla="*/ 5599571 h 6858000"/>
+              <a:gd name="connsiteX89" fmla="*/ 6427321 w 12192000"/>
+              <a:gd name="connsiteY89" fmla="*/ 5737302 h 6858000"/>
+              <a:gd name="connsiteX90" fmla="*/ 6574408 w 12192000"/>
+              <a:gd name="connsiteY90" fmla="*/ 5823126 h 6858000"/>
+              <a:gd name="connsiteX91" fmla="*/ 6946177 w 12192000"/>
+              <a:gd name="connsiteY91" fmla="*/ 5933538 h 6858000"/>
+              <a:gd name="connsiteX92" fmla="*/ 8356197 w 12192000"/>
+              <a:gd name="connsiteY92" fmla="*/ 5184561 h 6858000"/>
+              <a:gd name="connsiteX93" fmla="*/ 8374063 w 12192000"/>
+              <a:gd name="connsiteY93" fmla="*/ 5162249 h 6858000"/>
+              <a:gd name="connsiteX94" fmla="*/ 8442461 w 12192000"/>
+              <a:gd name="connsiteY94" fmla="*/ 5078246 h 6858000"/>
+              <a:gd name="connsiteX95" fmla="*/ 8500574 w 12192000"/>
+              <a:gd name="connsiteY95" fmla="*/ 5002664 h 6858000"/>
+              <a:gd name="connsiteX96" fmla="*/ 8470255 w 12192000"/>
+              <a:gd name="connsiteY96" fmla="*/ 4977167 h 6858000"/>
+              <a:gd name="connsiteX97" fmla="*/ 8511222 w 12192000"/>
+              <a:gd name="connsiteY97" fmla="*/ 4905001 h 6858000"/>
+              <a:gd name="connsiteX98" fmla="*/ 8641522 w 12192000"/>
+              <a:gd name="connsiteY98" fmla="*/ 4682584 h 6858000"/>
+              <a:gd name="connsiteX99" fmla="*/ 8698730 w 12192000"/>
+              <a:gd name="connsiteY99" fmla="*/ 4633640 h 6858000"/>
+              <a:gd name="connsiteX100" fmla="*/ 8768393 w 12192000"/>
+              <a:gd name="connsiteY100" fmla="*/ 4510479 h 6858000"/>
+              <a:gd name="connsiteX101" fmla="*/ 8778319 w 12192000"/>
+              <a:gd name="connsiteY101" fmla="*/ 4482024 h 6858000"/>
+              <a:gd name="connsiteX102" fmla="*/ 8764062 w 12192000"/>
+              <a:gd name="connsiteY102" fmla="*/ 4445824 h 6858000"/>
+              <a:gd name="connsiteX103" fmla="*/ 8753414 w 12192000"/>
+              <a:gd name="connsiteY103" fmla="*/ 4409400 h 6858000"/>
+              <a:gd name="connsiteX104" fmla="*/ 8767310 w 12192000"/>
+              <a:gd name="connsiteY104" fmla="*/ 4398700 h 6858000"/>
+              <a:gd name="connsiteX105" fmla="*/ 8856643 w 12192000"/>
+              <a:gd name="connsiteY105" fmla="*/ 4380261 h 6858000"/>
+              <a:gd name="connsiteX106" fmla="*/ 8804848 w 12192000"/>
+              <a:gd name="connsiteY106" fmla="*/ 4311055 h 6858000"/>
+              <a:gd name="connsiteX107" fmla="*/ 8713530 w 12192000"/>
+              <a:gd name="connsiteY107" fmla="*/ 4207927 h 6858000"/>
+              <a:gd name="connsiteX108" fmla="*/ 8672022 w 12192000"/>
+              <a:gd name="connsiteY108" fmla="*/ 4134623 h 6858000"/>
+              <a:gd name="connsiteX109" fmla="*/ 8667148 w 12192000"/>
+              <a:gd name="connsiteY109" fmla="*/ 4069059 h 6858000"/>
+              <a:gd name="connsiteX110" fmla="*/ 8585575 w 12192000"/>
+              <a:gd name="connsiteY110" fmla="*/ 4030359 h 6858000"/>
+              <a:gd name="connsiteX111" fmla="*/ 8662275 w 12192000"/>
+              <a:gd name="connsiteY111" fmla="*/ 3891717 h 6858000"/>
+              <a:gd name="connsiteX112" fmla="*/ 8670037 w 12192000"/>
+              <a:gd name="connsiteY112" fmla="*/ 3863033 h 6858000"/>
+              <a:gd name="connsiteX113" fmla="*/ 8624017 w 12192000"/>
+              <a:gd name="connsiteY113" fmla="*/ 3760362 h 6858000"/>
+              <a:gd name="connsiteX114" fmla="*/ 8616436 w 12192000"/>
+              <a:gd name="connsiteY114" fmla="*/ 3743970 h 6858000"/>
+              <a:gd name="connsiteX115" fmla="*/ 8599473 w 12192000"/>
+              <a:gd name="connsiteY115" fmla="*/ 3711188 h 6858000"/>
+              <a:gd name="connsiteX116" fmla="*/ 8550745 w 12192000"/>
+              <a:gd name="connsiteY116" fmla="*/ 3703220 h 6858000"/>
+              <a:gd name="connsiteX117" fmla="*/ 8576010 w 12192000"/>
+              <a:gd name="connsiteY117" fmla="*/ 3680000 h 6858000"/>
+              <a:gd name="connsiteX118" fmla="*/ 8625100 w 12192000"/>
+              <a:gd name="connsiteY118" fmla="*/ 3601459 h 6858000"/>
+              <a:gd name="connsiteX119" fmla="*/ 8592433 w 12192000"/>
+              <a:gd name="connsiteY119" fmla="*/ 3526333 h 6858000"/>
+              <a:gd name="connsiteX120" fmla="*/ 8590269 w 12192000"/>
+              <a:gd name="connsiteY120" fmla="*/ 3484900 h 6858000"/>
+              <a:gd name="connsiteX121" fmla="*/ 8645312 w 12192000"/>
+              <a:gd name="connsiteY121" fmla="*/ 3431858 h 6858000"/>
+              <a:gd name="connsiteX122" fmla="*/ 8686820 w 12192000"/>
+              <a:gd name="connsiteY122" fmla="*/ 3410914 h 6858000"/>
+              <a:gd name="connsiteX123" fmla="*/ 8705950 w 12192000"/>
+              <a:gd name="connsiteY123" fmla="*/ 3380864 h 6858000"/>
+              <a:gd name="connsiteX124" fmla="*/ 8683391 w 12192000"/>
+              <a:gd name="connsiteY124" fmla="*/ 3355822 h 6858000"/>
+              <a:gd name="connsiteX125" fmla="*/ 8583229 w 12192000"/>
+              <a:gd name="connsiteY125" fmla="*/ 3296177 h 6858000"/>
+              <a:gd name="connsiteX126" fmla="*/ 8637190 w 12192000"/>
+              <a:gd name="connsiteY126" fmla="*/ 3246320 h 6858000"/>
+              <a:gd name="connsiteX127" fmla="*/ 8355114 w 12192000"/>
+              <a:gd name="connsiteY127" fmla="*/ 3011154 h 6858000"/>
+              <a:gd name="connsiteX128" fmla="*/ 8321004 w 12192000"/>
+              <a:gd name="connsiteY128" fmla="*/ 2975186 h 6858000"/>
+              <a:gd name="connsiteX129" fmla="*/ 8139993 w 12192000"/>
+              <a:gd name="connsiteY129" fmla="*/ 2887993 h 6858000"/>
+              <a:gd name="connsiteX130" fmla="*/ 7953747 w 12192000"/>
+              <a:gd name="connsiteY130" fmla="*/ 2826301 h 6858000"/>
+              <a:gd name="connsiteX131" fmla="*/ 8083145 w 12192000"/>
+              <a:gd name="connsiteY131" fmla="*/ 2696083 h 6858000"/>
+              <a:gd name="connsiteX132" fmla="*/ 7885529 w 12192000"/>
+              <a:gd name="connsiteY132" fmla="*/ 2665804 h 6858000"/>
+              <a:gd name="connsiteX133" fmla="*/ 7866219 w 12192000"/>
+              <a:gd name="connsiteY133" fmla="*/ 2666715 h 6858000"/>
+              <a:gd name="connsiteX134" fmla="*/ 7478205 w 12192000"/>
+              <a:gd name="connsiteY134" fmla="*/ 2646681 h 6858000"/>
+              <a:gd name="connsiteX135" fmla="*/ 6921993 w 12192000"/>
+              <a:gd name="connsiteY135" fmla="*/ 2580207 h 6858000"/>
+              <a:gd name="connsiteX136" fmla="*/ 6461612 w 12192000"/>
+              <a:gd name="connsiteY136" fmla="*/ 2540368 h 6858000"/>
+              <a:gd name="connsiteX137" fmla="*/ 5971453 w 12192000"/>
+              <a:gd name="connsiteY137" fmla="*/ 2462965 h 6858000"/>
+              <a:gd name="connsiteX138" fmla="*/ 5947992 w 12192000"/>
+              <a:gd name="connsiteY138" fmla="*/ 2457985 h 6858000"/>
+              <a:gd name="connsiteX139" fmla="*/ 0 w 12192000"/>
+              <a:gd name="connsiteY139" fmla="*/ 0 h 6858000"/>
+              <a:gd name="connsiteX140" fmla="*/ 8078332 w 12192000"/>
+              <a:gd name="connsiteY140" fmla="*/ 0 h 6858000"/>
+              <a:gd name="connsiteX141" fmla="*/ 8051806 w 12192000"/>
+              <a:gd name="connsiteY141" fmla="*/ 19899 h 6858000"/>
+              <a:gd name="connsiteX142" fmla="*/ 7919411 w 12192000"/>
+              <a:gd name="connsiteY142" fmla="*/ 69998 h 6858000"/>
+              <a:gd name="connsiteX143" fmla="*/ 7880558 w 12192000"/>
+              <a:gd name="connsiteY143" fmla="*/ 103665 h 6858000"/>
+              <a:gd name="connsiteX144" fmla="*/ 7913505 w 12192000"/>
+              <a:gd name="connsiteY144" fmla="*/ 144066 h 6858000"/>
+              <a:gd name="connsiteX145" fmla="*/ 7984993 w 12192000"/>
+              <a:gd name="connsiteY145" fmla="*/ 172224 h 6858000"/>
+              <a:gd name="connsiteX146" fmla="*/ 8079793 w 12192000"/>
+              <a:gd name="connsiteY146" fmla="*/ 243535 h 6858000"/>
+              <a:gd name="connsiteX147" fmla="*/ 8076065 w 12192000"/>
+              <a:gd name="connsiteY147" fmla="*/ 299239 h 6858000"/>
+              <a:gd name="connsiteX148" fmla="*/ 8019804 w 12192000"/>
+              <a:gd name="connsiteY148" fmla="*/ 400240 h 6858000"/>
+              <a:gd name="connsiteX149" fmla="*/ 8104349 w 12192000"/>
+              <a:gd name="connsiteY149" fmla="*/ 505833 h 6858000"/>
+              <a:gd name="connsiteX150" fmla="*/ 8147864 w 12192000"/>
+              <a:gd name="connsiteY150" fmla="*/ 537052 h 6858000"/>
+              <a:gd name="connsiteX151" fmla="*/ 8063941 w 12192000"/>
+              <a:gd name="connsiteY151" fmla="*/ 547764 h 6858000"/>
+              <a:gd name="connsiteX152" fmla="*/ 8034725 w 12192000"/>
+              <a:gd name="connsiteY152" fmla="*/ 591836 h 6858000"/>
+              <a:gd name="connsiteX153" fmla="*/ 8021669 w 12192000"/>
+              <a:gd name="connsiteY153" fmla="*/ 613874 h 6858000"/>
+              <a:gd name="connsiteX154" fmla="*/ 7942410 w 12192000"/>
+              <a:gd name="connsiteY154" fmla="*/ 751909 h 6858000"/>
+              <a:gd name="connsiteX155" fmla="*/ 7955778 w 12192000"/>
+              <a:gd name="connsiteY155" fmla="*/ 790472 h 6858000"/>
+              <a:gd name="connsiteX156" fmla="*/ 8087876 w 12192000"/>
+              <a:gd name="connsiteY156" fmla="*/ 976867 h 6858000"/>
+              <a:gd name="connsiteX157" fmla="*/ 7947386 w 12192000"/>
+              <a:gd name="connsiteY157" fmla="*/ 1028897 h 6858000"/>
+              <a:gd name="connsiteX158" fmla="*/ 7938992 w 12192000"/>
+              <a:gd name="connsiteY158" fmla="*/ 1117042 h 6858000"/>
+              <a:gd name="connsiteX159" fmla="*/ 7867503 w 12192000"/>
+              <a:gd name="connsiteY159" fmla="*/ 1215596 h 6858000"/>
+              <a:gd name="connsiteX160" fmla="*/ 7710229 w 12192000"/>
+              <a:gd name="connsiteY160" fmla="*/ 1354244 h 6858000"/>
+              <a:gd name="connsiteX161" fmla="*/ 7621024 w 12192000"/>
+              <a:gd name="connsiteY161" fmla="*/ 1447286 h 6858000"/>
+              <a:gd name="connsiteX162" fmla="*/ 7774880 w 12192000"/>
+              <a:gd name="connsiteY162" fmla="*/ 1472076 h 6858000"/>
+              <a:gd name="connsiteX163" fmla="*/ 7798812 w 12192000"/>
+              <a:gd name="connsiteY163" fmla="*/ 1486462 h 6858000"/>
+              <a:gd name="connsiteX164" fmla="*/ 7780474 w 12192000"/>
+              <a:gd name="connsiteY164" fmla="*/ 1535432 h 6858000"/>
+              <a:gd name="connsiteX165" fmla="*/ 7755919 w 12192000"/>
+              <a:gd name="connsiteY165" fmla="*/ 1584099 h 6858000"/>
+              <a:gd name="connsiteX166" fmla="*/ 7773014 w 12192000"/>
+              <a:gd name="connsiteY166" fmla="*/ 1622355 h 6858000"/>
+              <a:gd name="connsiteX167" fmla="*/ 7892993 w 12192000"/>
+              <a:gd name="connsiteY167" fmla="*/ 1787937 h 6858000"/>
+              <a:gd name="connsiteX168" fmla="*/ 7991521 w 12192000"/>
+              <a:gd name="connsiteY168" fmla="*/ 1853739 h 6858000"/>
+              <a:gd name="connsiteX169" fmla="*/ 8215932 w 12192000"/>
+              <a:gd name="connsiteY169" fmla="*/ 2152764 h 6858000"/>
+              <a:gd name="connsiteX170" fmla="*/ 8286489 w 12192000"/>
+              <a:gd name="connsiteY170" fmla="*/ 2249786 h 6858000"/>
+              <a:gd name="connsiteX171" fmla="*/ 8234270 w 12192000"/>
+              <a:gd name="connsiteY171" fmla="*/ 2284064 h 6858000"/>
+              <a:gd name="connsiteX172" fmla="*/ 8334357 w 12192000"/>
+              <a:gd name="connsiteY172" fmla="*/ 2385679 h 6858000"/>
+              <a:gd name="connsiteX173" fmla="*/ 8452157 w 12192000"/>
+              <a:gd name="connsiteY173" fmla="*/ 2498616 h 6858000"/>
+              <a:gd name="connsiteX174" fmla="*/ 8482927 w 12192000"/>
+              <a:gd name="connsiteY174" fmla="*/ 2528612 h 6858000"/>
+              <a:gd name="connsiteX175" fmla="*/ 10911361 w 12192000"/>
+              <a:gd name="connsiteY175" fmla="*/ 3535561 h 6858000"/>
+              <a:gd name="connsiteX176" fmla="*/ 11551649 w 12192000"/>
+              <a:gd name="connsiteY176" fmla="*/ 3387120 h 6858000"/>
+              <a:gd name="connsiteX177" fmla="*/ 11804971 w 12192000"/>
+              <a:gd name="connsiteY177" fmla="*/ 3271735 h 6858000"/>
+              <a:gd name="connsiteX178" fmla="*/ 12129465 w 12192000"/>
+              <a:gd name="connsiteY178" fmla="*/ 3086565 h 6858000"/>
+              <a:gd name="connsiteX179" fmla="*/ 12192000 w 12192000"/>
+              <a:gd name="connsiteY179" fmla="*/ 3060706 h 6858000"/>
+              <a:gd name="connsiteX180" fmla="*/ 12192000 w 12192000"/>
+              <a:gd name="connsiteY180" fmla="*/ 3766004 h 6858000"/>
+              <a:gd name="connsiteX181" fmla="*/ 12069511 w 12192000"/>
+              <a:gd name="connsiteY181" fmla="*/ 3730912 h 6858000"/>
+              <a:gd name="connsiteX182" fmla="*/ 11743305 w 12192000"/>
+              <a:gd name="connsiteY182" fmla="*/ 3682401 h 6858000"/>
+              <a:gd name="connsiteX183" fmla="*/ 11692833 w 12192000"/>
+              <a:gd name="connsiteY183" fmla="*/ 3681484 h 6858000"/>
+              <a:gd name="connsiteX184" fmla="*/ 9314871 w 12192000"/>
+              <a:gd name="connsiteY184" fmla="*/ 4689350 h 6858000"/>
+              <a:gd name="connsiteX185" fmla="*/ 9284101 w 12192000"/>
+              <a:gd name="connsiteY185" fmla="*/ 4719346 h 6858000"/>
+              <a:gd name="connsiteX186" fmla="*/ 9166300 w 12192000"/>
+              <a:gd name="connsiteY186" fmla="*/ 4832283 h 6858000"/>
+              <a:gd name="connsiteX187" fmla="*/ 9066214 w 12192000"/>
+              <a:gd name="connsiteY187" fmla="*/ 4933898 h 6858000"/>
+              <a:gd name="connsiteX188" fmla="*/ 9118433 w 12192000"/>
+              <a:gd name="connsiteY188" fmla="*/ 4968176 h 6858000"/>
+              <a:gd name="connsiteX189" fmla="*/ 9047876 w 12192000"/>
+              <a:gd name="connsiteY189" fmla="*/ 5065198 h 6858000"/>
+              <a:gd name="connsiteX190" fmla="*/ 8823465 w 12192000"/>
+              <a:gd name="connsiteY190" fmla="*/ 5364223 h 6858000"/>
+              <a:gd name="connsiteX191" fmla="*/ 8724937 w 12192000"/>
+              <a:gd name="connsiteY191" fmla="*/ 5430025 h 6858000"/>
+              <a:gd name="connsiteX192" fmla="*/ 8604958 w 12192000"/>
+              <a:gd name="connsiteY192" fmla="*/ 5595607 h 6858000"/>
+              <a:gd name="connsiteX193" fmla="*/ 8587863 w 12192000"/>
+              <a:gd name="connsiteY193" fmla="*/ 5633863 h 6858000"/>
+              <a:gd name="connsiteX194" fmla="*/ 8612418 w 12192000"/>
+              <a:gd name="connsiteY194" fmla="*/ 5682530 h 6858000"/>
+              <a:gd name="connsiteX195" fmla="*/ 8630756 w 12192000"/>
+              <a:gd name="connsiteY195" fmla="*/ 5731500 h 6858000"/>
+              <a:gd name="connsiteX196" fmla="*/ 8606823 w 12192000"/>
+              <a:gd name="connsiteY196" fmla="*/ 5745886 h 6858000"/>
+              <a:gd name="connsiteX197" fmla="*/ 8452968 w 12192000"/>
+              <a:gd name="connsiteY197" fmla="*/ 5770676 h 6858000"/>
+              <a:gd name="connsiteX198" fmla="*/ 8542173 w 12192000"/>
+              <a:gd name="connsiteY198" fmla="*/ 5863718 h 6858000"/>
+              <a:gd name="connsiteX199" fmla="*/ 8699447 w 12192000"/>
+              <a:gd name="connsiteY199" fmla="*/ 6002366 h 6858000"/>
+              <a:gd name="connsiteX200" fmla="*/ 8770936 w 12192000"/>
+              <a:gd name="connsiteY200" fmla="*/ 6100920 h 6858000"/>
+              <a:gd name="connsiteX201" fmla="*/ 8779329 w 12192000"/>
+              <a:gd name="connsiteY201" fmla="*/ 6189065 h 6858000"/>
+              <a:gd name="connsiteX202" fmla="*/ 8919820 w 12192000"/>
+              <a:gd name="connsiteY202" fmla="*/ 6241095 h 6858000"/>
+              <a:gd name="connsiteX203" fmla="*/ 8787721 w 12192000"/>
+              <a:gd name="connsiteY203" fmla="*/ 6427490 h 6858000"/>
+              <a:gd name="connsiteX204" fmla="*/ 8774354 w 12192000"/>
+              <a:gd name="connsiteY204" fmla="*/ 6466053 h 6858000"/>
+              <a:gd name="connsiteX205" fmla="*/ 8853613 w 12192000"/>
+              <a:gd name="connsiteY205" fmla="*/ 6604088 h 6858000"/>
+              <a:gd name="connsiteX206" fmla="*/ 8866669 w 12192000"/>
+              <a:gd name="connsiteY206" fmla="*/ 6626125 h 6858000"/>
+              <a:gd name="connsiteX207" fmla="*/ 8895884 w 12192000"/>
+              <a:gd name="connsiteY207" fmla="*/ 6670198 h 6858000"/>
+              <a:gd name="connsiteX208" fmla="*/ 8979808 w 12192000"/>
+              <a:gd name="connsiteY208" fmla="*/ 6680910 h 6858000"/>
+              <a:gd name="connsiteX209" fmla="*/ 8936293 w 12192000"/>
+              <a:gd name="connsiteY209" fmla="*/ 6712128 h 6858000"/>
+              <a:gd name="connsiteX210" fmla="*/ 8851748 w 12192000"/>
+              <a:gd name="connsiteY210" fmla="*/ 6817721 h 6858000"/>
+              <a:gd name="connsiteX211" fmla="*/ 8854326 w 12192000"/>
+              <a:gd name="connsiteY211" fmla="*/ 6858000 h 6858000"/>
+              <a:gd name="connsiteX212" fmla="*/ 0 w 12192000"/>
+              <a:gd name="connsiteY212" fmla="*/ 6858000 h 6858000"/>
+            </a:gdLst>
+            <a:ahLst/>
+            <a:cxnLst>
+              <a:cxn ang="0">
+                <a:pos x="connsiteX0" y="connsiteY0"/>
+              </a:cxn>
+              <a:cxn ang="0">
+                <a:pos x="connsiteX1" y="connsiteY1"/>
+              </a:cxn>
+              <a:cxn ang="0">
+                <a:pos x="connsiteX2" y="connsiteY2"/>
+              </a:cxn>
+              <a:cxn ang="0">
+                <a:pos x="connsiteX3" y="connsiteY3"/>
+              </a:cxn>
+              <a:cxn ang="0">
+                <a:pos x="connsiteX4" y="connsiteY4"/>
+              </a:cxn>
+              <a:cxn ang="0">
+                <a:pos x="connsiteX5" y="connsiteY5"/>
+              </a:cxn>
+              <a:cxn ang="0">
+                <a:pos x="connsiteX6" y="connsiteY6"/>
+              </a:cxn>
+              <a:cxn ang="0">
+                <a:pos x="connsiteX7" y="connsiteY7"/>
+              </a:cxn>
+              <a:cxn ang="0">
+                <a:pos x="connsiteX8" y="connsiteY8"/>
+              </a:cxn>
+              <a:cxn ang="0">
+                <a:pos x="connsiteX9" y="connsiteY9"/>
+              </a:cxn>
+              <a:cxn ang="0">
+                <a:pos x="connsiteX10" y="connsiteY10"/>
+              </a:cxn>
+              <a:cxn ang="0">
+                <a:pos x="connsiteX11" y="connsiteY11"/>
+              </a:cxn>
+              <a:cxn ang="0">
+                <a:pos x="connsiteX12" y="connsiteY12"/>
+              </a:cxn>
+              <a:cxn ang="0">
+                <a:pos x="connsiteX13" y="connsiteY13"/>
+              </a:cxn>
+              <a:cxn ang="0">
+                <a:pos x="connsiteX14" y="connsiteY14"/>
+              </a:cxn>
+              <a:cxn ang="0">
+                <a:pos x="connsiteX15" y="connsiteY15"/>
+              </a:cxn>
+              <a:cxn ang="0">
+                <a:pos x="connsiteX16" y="connsiteY16"/>
+              </a:cxn>
+              <a:cxn ang="0">
+                <a:pos x="connsiteX17" y="connsiteY17"/>
+              </a:cxn>
+              <a:cxn ang="0">
+                <a:pos x="connsiteX18" y="connsiteY18"/>
+              </a:cxn>
+              <a:cxn ang="0">
+                <a:pos x="connsiteX19" y="connsiteY19"/>
+              </a:cxn>
+              <a:cxn ang="0">
+                <a:pos x="connsiteX20" y="connsiteY20"/>
+              </a:cxn>
+              <a:cxn ang="0">
+                <a:pos x="connsiteX21" y="connsiteY21"/>
+              </a:cxn>
+              <a:cxn ang="0">
+                <a:pos x="connsiteX22" y="connsiteY22"/>
+              </a:cxn>
+              <a:cxn ang="0">
+                <a:pos x="connsiteX23" y="connsiteY23"/>
+              </a:cxn>
+              <a:cxn ang="0">
+                <a:pos x="connsiteX24" y="connsiteY24"/>
+              </a:cxn>
+              <a:cxn ang="0">
+                <a:pos x="connsiteX25" y="connsiteY25"/>
+              </a:cxn>
+              <a:cxn ang="0">
+                <a:pos x="connsiteX26" y="connsiteY26"/>
+              </a:cxn>
+              <a:cxn ang="0">
+                <a:pos x="connsiteX27" y="connsiteY27"/>
+              </a:cxn>
+              <a:cxn ang="0">
+                <a:pos x="connsiteX28" y="connsiteY28"/>
+              </a:cxn>
+              <a:cxn ang="0">
+                <a:pos x="connsiteX29" y="connsiteY29"/>
+              </a:cxn>
+              <a:cxn ang="0">
+                <a:pos x="connsiteX30" y="connsiteY30"/>
+              </a:cxn>
+              <a:cxn ang="0">
+                <a:pos x="connsiteX31" y="connsiteY31"/>
+              </a:cxn>
+              <a:cxn ang="0">
+                <a:pos x="connsiteX32" y="connsiteY32"/>
+              </a:cxn>
+              <a:cxn ang="0">
+                <a:pos x="connsiteX33" y="connsiteY33"/>
+              </a:cxn>
+              <a:cxn ang="0">
+                <a:pos x="connsiteX34" y="connsiteY34"/>
+              </a:cxn>
+              <a:cxn ang="0">
+                <a:pos x="connsiteX35" y="connsiteY35"/>
+              </a:cxn>
+              <a:cxn ang="0">
+                <a:pos x="connsiteX36" y="connsiteY36"/>
+              </a:cxn>
+              <a:cxn ang="0">
+                <a:pos x="connsiteX37" y="connsiteY37"/>
+              </a:cxn>
+              <a:cxn ang="0">
+                <a:pos x="connsiteX38" y="connsiteY38"/>
+              </a:cxn>
+              <a:cxn ang="0">
+                <a:pos x="connsiteX39" y="connsiteY39"/>
+              </a:cxn>
+              <a:cxn ang="0">
+                <a:pos x="connsiteX40" y="connsiteY40"/>
+              </a:cxn>
+              <a:cxn ang="0">
+                <a:pos x="connsiteX41" y="connsiteY41"/>
+              </a:cxn>
+              <a:cxn ang="0">
+                <a:pos x="connsiteX42" y="connsiteY42"/>
+              </a:cxn>
+              <a:cxn ang="0">
+                <a:pos x="connsiteX43" y="connsiteY43"/>
+              </a:cxn>
+              <a:cxn ang="0">
+                <a:pos x="connsiteX44" y="connsiteY44"/>
+              </a:cxn>
+              <a:cxn ang="0">
+                <a:pos x="connsiteX45" y="connsiteY45"/>
+              </a:cxn>
+              <a:cxn ang="0">
+                <a:pos x="connsiteX46" y="connsiteY46"/>
+              </a:cxn>
+              <a:cxn ang="0">
+                <a:pos x="connsiteX47" y="connsiteY47"/>
+              </a:cxn>
+              <a:cxn ang="0">
+                <a:pos x="connsiteX48" y="connsiteY48"/>
+              </a:cxn>
+              <a:cxn ang="0">
+                <a:pos x="connsiteX49" y="connsiteY49"/>
+              </a:cxn>
+              <a:cxn ang="0">
+                <a:pos x="connsiteX50" y="connsiteY50"/>
+              </a:cxn>
+              <a:cxn ang="0">
+                <a:pos x="connsiteX51" y="connsiteY51"/>
+              </a:cxn>
+              <a:cxn ang="0">
+                <a:pos x="connsiteX52" y="connsiteY52"/>
+              </a:cxn>
+              <a:cxn ang="0">
+                <a:pos x="connsiteX53" y="connsiteY53"/>
+              </a:cxn>
+              <a:cxn ang="0">
+                <a:pos x="connsiteX54" y="connsiteY54"/>
+              </a:cxn>
+              <a:cxn ang="0">
+                <a:pos x="connsiteX55" y="connsiteY55"/>
+              </a:cxn>
+              <a:cxn ang="0">
+                <a:pos x="connsiteX56" y="connsiteY56"/>
+              </a:cxn>
+              <a:cxn ang="0">
+                <a:pos x="connsiteX57" y="connsiteY57"/>
+              </a:cxn>
+              <a:cxn ang="0">
+                <a:pos x="connsiteX58" y="connsiteY58"/>
+              </a:cxn>
+              <a:cxn ang="0">
+                <a:pos x="connsiteX59" y="connsiteY59"/>
+              </a:cxn>
+              <a:cxn ang="0">
+                <a:pos x="connsiteX60" y="connsiteY60"/>
+              </a:cxn>
+              <a:cxn ang="0">
+                <a:pos x="connsiteX61" y="connsiteY61"/>
+              </a:cxn>
+              <a:cxn ang="0">
+                <a:pos x="connsiteX62" y="connsiteY62"/>
+              </a:cxn>
+              <a:cxn ang="0">
+                <a:pos x="connsiteX63" y="connsiteY63"/>
+              </a:cxn>
+              <a:cxn ang="0">
+                <a:pos x="connsiteX64" y="connsiteY64"/>
+              </a:cxn>
+              <a:cxn ang="0">
+                <a:pos x="connsiteX65" y="connsiteY65"/>
+              </a:cxn>
+              <a:cxn ang="0">
+                <a:pos x="connsiteX66" y="connsiteY66"/>
+              </a:cxn>
+              <a:cxn ang="0">
+                <a:pos x="connsiteX67" y="connsiteY67"/>
+              </a:cxn>
+              <a:cxn ang="0">
+                <a:pos x="connsiteX68" y="connsiteY68"/>
+              </a:cxn>
+              <a:cxn ang="0">
+                <a:pos x="connsiteX69" y="connsiteY69"/>
+              </a:cxn>
+              <a:cxn ang="0">
+                <a:pos x="connsiteX70" y="connsiteY70"/>
+              </a:cxn>
+              <a:cxn ang="0">
+                <a:pos x="connsiteX71" y="connsiteY71"/>
+              </a:cxn>
+              <a:cxn ang="0">
+                <a:pos x="connsiteX72" y="connsiteY72"/>
+              </a:cxn>
+              <a:cxn ang="0">
+                <a:pos x="connsiteX73" y="connsiteY73"/>
+              </a:cxn>
+              <a:cxn ang="0">
+                <a:pos x="connsiteX74" y="connsiteY74"/>
+              </a:cxn>
+              <a:cxn ang="0">
+                <a:pos x="connsiteX75" y="connsiteY75"/>
+              </a:cxn>
+              <a:cxn ang="0">
+                <a:pos x="connsiteX76" y="connsiteY76"/>
+              </a:cxn>
+              <a:cxn ang="0">
+                <a:pos x="connsiteX77" y="connsiteY77"/>
+              </a:cxn>
+              <a:cxn ang="0">
+                <a:pos x="connsiteX78" y="connsiteY78"/>
+              </a:cxn>
+              <a:cxn ang="0">
+                <a:pos x="connsiteX79" y="connsiteY79"/>
+              </a:cxn>
+              <a:cxn ang="0">
+                <a:pos x="connsiteX80" y="connsiteY80"/>
+              </a:cxn>
+              <a:cxn ang="0">
+                <a:pos x="connsiteX81" y="connsiteY81"/>
+              </a:cxn>
+              <a:cxn ang="0">
+                <a:pos x="connsiteX82" y="connsiteY82"/>
+              </a:cxn>
+              <a:cxn ang="0">
+                <a:pos x="connsiteX83" y="connsiteY83"/>
+              </a:cxn>
+              <a:cxn ang="0">
+                <a:pos x="connsiteX84" y="connsiteY84"/>
+              </a:cxn>
+              <a:cxn ang="0">
+                <a:pos x="connsiteX85" y="connsiteY85"/>
+              </a:cxn>
+              <a:cxn ang="0">
+                <a:pos x="connsiteX86" y="connsiteY86"/>
+              </a:cxn>
+              <a:cxn ang="0">
+                <a:pos x="connsiteX87" y="connsiteY87"/>
+              </a:cxn>
+              <a:cxn ang="0">
+                <a:pos x="connsiteX88" y="connsiteY88"/>
+              </a:cxn>
+              <a:cxn ang="0">
+                <a:pos x="connsiteX89" y="connsiteY89"/>
+              </a:cxn>
+              <a:cxn ang="0">
+                <a:pos x="connsiteX90" y="connsiteY90"/>
+              </a:cxn>
+              <a:cxn ang="0">
+                <a:pos x="connsiteX91" y="connsiteY91"/>
+              </a:cxn>
+              <a:cxn ang="0">
+                <a:pos x="connsiteX92" y="connsiteY92"/>
+              </a:cxn>
+              <a:cxn ang="0">
+                <a:pos x="connsiteX93" y="connsiteY93"/>
+              </a:cxn>
+              <a:cxn ang="0">
+                <a:pos x="connsiteX94" y="connsiteY94"/>
+              </a:cxn>
+              <a:cxn ang="0">
+                <a:pos x="connsiteX95" y="connsiteY95"/>
+              </a:cxn>
+              <a:cxn ang="0">
+                <a:pos x="connsiteX96" y="connsiteY96"/>
+              </a:cxn>
+              <a:cxn ang="0">
+                <a:pos x="connsiteX97" y="connsiteY97"/>
+              </a:cxn>
+              <a:cxn ang="0">
+                <a:pos x="connsiteX98" y="connsiteY98"/>
+              </a:cxn>
+              <a:cxn ang="0">
+                <a:pos x="connsiteX99" y="connsiteY99"/>
+              </a:cxn>
+              <a:cxn ang="0">
+                <a:pos x="connsiteX100" y="connsiteY100"/>
+              </a:cxn>
+              <a:cxn ang="0">
+                <a:pos x="connsiteX101" y="connsiteY101"/>
+              </a:cxn>
+              <a:cxn ang="0">
+                <a:pos x="connsiteX102" y="connsiteY102"/>
+              </a:cxn>
+              <a:cxn ang="0">
+                <a:pos x="connsiteX103" y="connsiteY103"/>
+              </a:cxn>
+              <a:cxn ang="0">
+                <a:pos x="connsiteX104" y="connsiteY104"/>
+              </a:cxn>
+              <a:cxn ang="0">
+                <a:pos x="connsiteX105" y="connsiteY105"/>
+              </a:cxn>
+              <a:cxn ang="0">
+                <a:pos x="connsiteX106" y="connsiteY106"/>
+              </a:cxn>
+              <a:cxn ang="0">
+                <a:pos x="connsiteX107" y="connsiteY107"/>
+              </a:cxn>
+              <a:cxn ang="0">
+                <a:pos x="connsiteX108" y="connsiteY108"/>
+              </a:cxn>
+              <a:cxn ang="0">
+                <a:pos x="connsiteX109" y="connsiteY109"/>
+              </a:cxn>
+              <a:cxn ang="0">
+                <a:pos x="connsiteX110" y="connsiteY110"/>
+              </a:cxn>
+              <a:cxn ang="0">
+                <a:pos x="connsiteX111" y="connsiteY111"/>
+              </a:cxn>
+              <a:cxn ang="0">
+                <a:pos x="connsiteX112" y="connsiteY112"/>
+              </a:cxn>
+              <a:cxn ang="0">
+                <a:pos x="connsiteX113" y="connsiteY113"/>
+              </a:cxn>
+              <a:cxn ang="0">
+                <a:pos x="connsiteX114" y="connsiteY114"/>
+              </a:cxn>
+              <a:cxn ang="0">
+                <a:pos x="connsiteX115" y="connsiteY115"/>
+              </a:cxn>
+              <a:cxn ang="0">
+                <a:pos x="connsiteX116" y="connsiteY116"/>
+              </a:cxn>
+              <a:cxn ang="0">
+                <a:pos x="connsiteX117" y="connsiteY117"/>
+              </a:cxn>
+              <a:cxn ang="0">
+                <a:pos x="connsiteX118" y="connsiteY118"/>
+              </a:cxn>
+              <a:cxn ang="0">
+                <a:pos x="connsiteX119" y="connsiteY119"/>
+              </a:cxn>
+              <a:cxn ang="0">
+                <a:pos x="connsiteX120" y="connsiteY120"/>
+              </a:cxn>
+              <a:cxn ang="0">
+                <a:pos x="connsiteX121" y="connsiteY121"/>
+              </a:cxn>
+              <a:cxn ang="0">
+                <a:pos x="connsiteX122" y="connsiteY122"/>
+              </a:cxn>
+              <a:cxn ang="0">
+                <a:pos x="connsiteX123" y="connsiteY123"/>
+              </a:cxn>
+              <a:cxn ang="0">
+                <a:pos x="connsiteX124" y="connsiteY124"/>
+              </a:cxn>
+              <a:cxn ang="0">
+                <a:pos x="connsiteX125" y="connsiteY125"/>
+              </a:cxn>
+              <a:cxn ang="0">
+                <a:pos x="connsiteX126" y="connsiteY126"/>
+              </a:cxn>
+              <a:cxn ang="0">
+                <a:pos x="connsiteX127" y="connsiteY127"/>
+              </a:cxn>
+              <a:cxn ang="0">
+                <a:pos x="connsiteX128" y="connsiteY128"/>
+              </a:cxn>
+              <a:cxn ang="0">
+                <a:pos x="connsiteX129" y="connsiteY129"/>
+              </a:cxn>
+              <a:cxn ang="0">
+                <a:pos x="connsiteX130" y="connsiteY130"/>
+              </a:cxn>
+              <a:cxn ang="0">
+                <a:pos x="connsiteX131" y="connsiteY131"/>
+              </a:cxn>
+              <a:cxn ang="0">
+                <a:pos x="connsiteX132" y="connsiteY132"/>
+              </a:cxn>
+              <a:cxn ang="0">
+                <a:pos x="connsiteX133" y="connsiteY133"/>
+              </a:cxn>
+              <a:cxn ang="0">
+                <a:pos x="connsiteX134" y="connsiteY134"/>
+              </a:cxn>
+              <a:cxn ang="0">
+                <a:pos x="connsiteX135" y="connsiteY135"/>
+              </a:cxn>
+              <a:cxn ang="0">
+                <a:pos x="connsiteX136" y="connsiteY136"/>
+              </a:cxn>
+              <a:cxn ang="0">
+                <a:pos x="connsiteX137" y="connsiteY137"/>
+              </a:cxn>
+              <a:cxn ang="0">
+                <a:pos x="connsiteX138" y="connsiteY138"/>
+              </a:cxn>
+              <a:cxn ang="0">
+                <a:pos x="connsiteX139" y="connsiteY139"/>
+              </a:cxn>
+              <a:cxn ang="0">
+                <a:pos x="connsiteX140" y="connsiteY140"/>
+              </a:cxn>
+              <a:cxn ang="0">
+                <a:pos x="connsiteX141" y="connsiteY141"/>
+              </a:cxn>
+              <a:cxn ang="0">
+                <a:pos x="connsiteX142" y="connsiteY142"/>
+              </a:cxn>
+              <a:cxn ang="0">
+                <a:pos x="connsiteX143" y="connsiteY143"/>
+              </a:cxn>
+              <a:cxn ang="0">
+                <a:pos x="connsiteX144" y="connsiteY144"/>
+              </a:cxn>
+              <a:cxn ang="0">
+                <a:pos x="connsiteX145" y="connsiteY145"/>
+              </a:cxn>
+              <a:cxn ang="0">
+                <a:pos x="connsiteX146" y="connsiteY146"/>
+              </a:cxn>
+              <a:cxn ang="0">
+                <a:pos x="connsiteX147" y="connsiteY147"/>
+              </a:cxn>
+              <a:cxn ang="0">
+                <a:pos x="connsiteX148" y="connsiteY148"/>
+              </a:cxn>
+              <a:cxn ang="0">
+                <a:pos x="connsiteX149" y="connsiteY149"/>
+              </a:cxn>
+              <a:cxn ang="0">
+                <a:pos x="connsiteX150" y="connsiteY150"/>
+              </a:cxn>
+              <a:cxn ang="0">
+                <a:pos x="connsiteX151" y="connsiteY151"/>
+              </a:cxn>
+              <a:cxn ang="0">
+                <a:pos x="connsiteX152" y="connsiteY152"/>
+              </a:cxn>
+              <a:cxn ang="0">
+                <a:pos x="connsiteX153" y="connsiteY153"/>
+              </a:cxn>
+              <a:cxn ang="0">
+                <a:pos x="connsiteX154" y="connsiteY154"/>
+              </a:cxn>
+              <a:cxn ang="0">
+                <a:pos x="connsiteX155" y="connsiteY155"/>
+              </a:cxn>
+              <a:cxn ang="0">
+                <a:pos x="connsiteX156" y="connsiteY156"/>
+              </a:cxn>
+              <a:cxn ang="0">
+                <a:pos x="connsiteX157" y="connsiteY157"/>
+              </a:cxn>
+              <a:cxn ang="0">
+                <a:pos x="connsiteX158" y="connsiteY158"/>
+              </a:cxn>
+              <a:cxn ang="0">
+                <a:pos x="connsiteX159" y="connsiteY159"/>
+              </a:cxn>
+              <a:cxn ang="0">
+                <a:pos x="connsiteX160" y="connsiteY160"/>
+              </a:cxn>
+              <a:cxn ang="0">
+                <a:pos x="connsiteX161" y="connsiteY161"/>
+              </a:cxn>
+              <a:cxn ang="0">
+                <a:pos x="connsiteX162" y="connsiteY162"/>
+              </a:cxn>
+              <a:cxn ang="0">
+                <a:pos x="connsiteX163" y="connsiteY163"/>
+              </a:cxn>
+              <a:cxn ang="0">
+                <a:pos x="connsiteX164" y="connsiteY164"/>
+              </a:cxn>
+              <a:cxn ang="0">
+                <a:pos x="connsiteX165" y="connsiteY165"/>
+              </a:cxn>
+              <a:cxn ang="0">
+                <a:pos x="connsiteX166" y="connsiteY166"/>
+              </a:cxn>
+              <a:cxn ang="0">
+                <a:pos x="connsiteX167" y="connsiteY167"/>
+              </a:cxn>
+              <a:cxn ang="0">
+                <a:pos x="connsiteX168" y="connsiteY168"/>
+              </a:cxn>
+              <a:cxn ang="0">
+                <a:pos x="connsiteX169" y="connsiteY169"/>
+              </a:cxn>
+              <a:cxn ang="0">
+                <a:pos x="connsiteX170" y="connsiteY170"/>
+              </a:cxn>
+              <a:cxn ang="0">
+                <a:pos x="connsiteX171" y="connsiteY171"/>
+              </a:cxn>
+              <a:cxn ang="0">
+                <a:pos x="connsiteX172" y="connsiteY172"/>
+              </a:cxn>
+              <a:cxn ang="0">
+                <a:pos x="connsiteX173" y="connsiteY173"/>
+              </a:cxn>
+              <a:cxn ang="0">
+                <a:pos x="connsiteX174" y="connsiteY174"/>
+              </a:cxn>
+              <a:cxn ang="0">
+                <a:pos x="connsiteX175" y="connsiteY175"/>
+              </a:cxn>
+              <a:cxn ang="0">
+                <a:pos x="connsiteX176" y="connsiteY176"/>
+              </a:cxn>
+              <a:cxn ang="0">
+                <a:pos x="connsiteX177" y="connsiteY177"/>
+              </a:cxn>
+              <a:cxn ang="0">
+                <a:pos x="connsiteX178" y="connsiteY178"/>
+              </a:cxn>
+              <a:cxn ang="0">
+                <a:pos x="connsiteX179" y="connsiteY179"/>
+              </a:cxn>
+              <a:cxn ang="0">
+                <a:pos x="connsiteX180" y="connsiteY180"/>
+              </a:cxn>
+              <a:cxn ang="0">
+                <a:pos x="connsiteX181" y="connsiteY181"/>
+              </a:cxn>
+              <a:cxn ang="0">
+                <a:pos x="connsiteX182" y="connsiteY182"/>
+              </a:cxn>
+              <a:cxn ang="0">
+                <a:pos x="connsiteX183" y="connsiteY183"/>
+              </a:cxn>
+              <a:cxn ang="0">
+                <a:pos x="connsiteX184" y="connsiteY184"/>
+              </a:cxn>
+              <a:cxn ang="0">
+                <a:pos x="connsiteX185" y="connsiteY185"/>
+              </a:cxn>
+              <a:cxn ang="0">
+                <a:pos x="connsiteX186" y="connsiteY186"/>
+              </a:cxn>
+              <a:cxn ang="0">
+                <a:pos x="connsiteX187" y="connsiteY187"/>
+              </a:cxn>
+              <a:cxn ang="0">
+                <a:pos x="connsiteX188" y="connsiteY188"/>
+              </a:cxn>
+              <a:cxn ang="0">
+                <a:pos x="connsiteX189" y="connsiteY189"/>
+              </a:cxn>
+              <a:cxn ang="0">
+                <a:pos x="connsiteX190" y="connsiteY190"/>
+              </a:cxn>
+              <a:cxn ang="0">
+                <a:pos x="connsiteX191" y="connsiteY191"/>
+              </a:cxn>
+              <a:cxn ang="0">
+                <a:pos x="connsiteX192" y="connsiteY192"/>
+              </a:cxn>
+              <a:cxn ang="0">
+                <a:pos x="connsiteX193" y="connsiteY193"/>
+              </a:cxn>
+              <a:cxn ang="0">
+                <a:pos x="connsiteX194" y="connsiteY194"/>
+              </a:cxn>
+              <a:cxn ang="0">
+                <a:pos x="connsiteX195" y="connsiteY195"/>
+              </a:cxn>
+              <a:cxn ang="0">
+                <a:pos x="connsiteX196" y="connsiteY196"/>
+              </a:cxn>
+              <a:cxn ang="0">
+                <a:pos x="connsiteX197" y="connsiteY197"/>
+              </a:cxn>
+              <a:cxn ang="0">
+                <a:pos x="connsiteX198" y="connsiteY198"/>
+              </a:cxn>
+              <a:cxn ang="0">
+                <a:pos x="connsiteX199" y="connsiteY199"/>
+              </a:cxn>
+              <a:cxn ang="0">
+                <a:pos x="connsiteX200" y="connsiteY200"/>
+              </a:cxn>
+              <a:cxn ang="0">
+                <a:pos x="connsiteX201" y="connsiteY201"/>
+              </a:cxn>
+              <a:cxn ang="0">
+                <a:pos x="connsiteX202" y="connsiteY202"/>
+              </a:cxn>
+              <a:cxn ang="0">
+                <a:pos x="connsiteX203" y="connsiteY203"/>
+              </a:cxn>
+              <a:cxn ang="0">
+                <a:pos x="connsiteX204" y="connsiteY204"/>
+              </a:cxn>
+              <a:cxn ang="0">
+                <a:pos x="connsiteX205" y="connsiteY205"/>
+              </a:cxn>
+              <a:cxn ang="0">
+                <a:pos x="connsiteX206" y="connsiteY206"/>
+              </a:cxn>
+              <a:cxn ang="0">
+                <a:pos x="connsiteX207" y="connsiteY207"/>
+              </a:cxn>
+              <a:cxn ang="0">
+                <a:pos x="connsiteX208" y="connsiteY208"/>
+              </a:cxn>
+              <a:cxn ang="0">
+                <a:pos x="connsiteX209" y="connsiteY209"/>
+              </a:cxn>
+              <a:cxn ang="0">
+                <a:pos x="connsiteX210" y="connsiteY210"/>
+              </a:cxn>
+              <a:cxn ang="0">
+                <a:pos x="connsiteX211" y="connsiteY211"/>
+              </a:cxn>
+              <a:cxn ang="0">
+                <a:pos x="connsiteX212" y="connsiteY212"/>
+              </a:cxn>
+            </a:cxnLst>
+            <a:rect l="l" t="t" r="r" b="b"/>
+            <a:pathLst>
+              <a:path w="12192000" h="6858000">
+                <a:moveTo>
+                  <a:pt x="5947992" y="2457985"/>
+                </a:moveTo>
+                <a:cubicBezTo>
+                  <a:pt x="5940097" y="2457729"/>
+                  <a:pt x="5932472" y="2460803"/>
+                  <a:pt x="5926156" y="2472983"/>
+                </a:cubicBezTo>
+                <a:cubicBezTo>
+                  <a:pt x="5959722" y="2505081"/>
+                  <a:pt x="6002495" y="2493015"/>
+                  <a:pt x="6047792" y="2529213"/>
+                </a:cubicBezTo>
+                <a:cubicBezTo>
+                  <a:pt x="5974160" y="2517829"/>
+                  <a:pt x="5915867" y="2508723"/>
+                  <a:pt x="5857576" y="2499619"/>
+                </a:cubicBezTo>
+                <a:cubicBezTo>
+                  <a:pt x="5856491" y="2505992"/>
+                  <a:pt x="5855409" y="2512367"/>
+                  <a:pt x="5854328" y="2518740"/>
+                </a:cubicBezTo>
+                <a:cubicBezTo>
+                  <a:pt x="5928861" y="2532172"/>
+                  <a:pt x="5997802" y="2566775"/>
+                  <a:pt x="6070351" y="2591134"/>
+                </a:cubicBezTo>
+                <a:cubicBezTo>
+                  <a:pt x="6063673" y="2606161"/>
+                  <a:pt x="6056996" y="2603200"/>
+                  <a:pt x="6051040" y="2602290"/>
+                </a:cubicBezTo>
+                <a:cubicBezTo>
+                  <a:pt x="6012239" y="2596370"/>
+                  <a:pt x="5973439" y="2590453"/>
+                  <a:pt x="5936261" y="2574288"/>
+                </a:cubicBezTo>
+                <a:cubicBezTo>
+                  <a:pt x="5927960" y="2570644"/>
+                  <a:pt x="5917853" y="2570644"/>
+                  <a:pt x="5913160" y="2581573"/>
+                </a:cubicBezTo>
+                <a:cubicBezTo>
+                  <a:pt x="5906483" y="2597054"/>
+                  <a:pt x="5916047" y="2607071"/>
+                  <a:pt x="5924531" y="2615492"/>
+                </a:cubicBezTo>
+                <a:cubicBezTo>
+                  <a:pt x="5939329" y="2630063"/>
+                  <a:pt x="5957196" y="2625966"/>
+                  <a:pt x="5974341" y="2628696"/>
+                </a:cubicBezTo>
+                <a:cubicBezTo>
+                  <a:pt x="6019999" y="2635754"/>
+                  <a:pt x="6041837" y="2657837"/>
+                  <a:pt x="6051944" y="2708377"/>
+                </a:cubicBezTo>
+                <a:cubicBezTo>
+                  <a:pt x="6011879" y="2687887"/>
+                  <a:pt x="5973256" y="2713157"/>
+                  <a:pt x="5934457" y="2698814"/>
+                </a:cubicBezTo>
+                <a:cubicBezTo>
+                  <a:pt x="5924351" y="2695173"/>
+                  <a:pt x="5908288" y="2700635"/>
+                  <a:pt x="5913702" y="2718165"/>
+                </a:cubicBezTo>
+                <a:cubicBezTo>
+                  <a:pt x="5918755" y="2734556"/>
+                  <a:pt x="5935540" y="2746393"/>
+                  <a:pt x="5905761" y="2743207"/>
+                </a:cubicBezTo>
+                <a:cubicBezTo>
+                  <a:pt x="5884465" y="2740930"/>
+                  <a:pt x="5842778" y="2759370"/>
+                  <a:pt x="5860282" y="2763923"/>
+                </a:cubicBezTo>
+                <a:cubicBezTo>
+                  <a:pt x="5882300" y="2769615"/>
+                  <a:pt x="5903777" y="2777811"/>
+                  <a:pt x="5931750" y="2787144"/>
+                </a:cubicBezTo>
+                <a:cubicBezTo>
+                  <a:pt x="5900888" y="2802395"/>
+                  <a:pt x="5878690" y="2799208"/>
+                  <a:pt x="5855409" y="2787144"/>
+                </a:cubicBezTo>
+                <a:cubicBezTo>
+                  <a:pt x="5827256" y="2772574"/>
+                  <a:pt x="5790619" y="2754817"/>
+                  <a:pt x="5767701" y="2771209"/>
+                </a:cubicBezTo>
+                <a:cubicBezTo>
+                  <a:pt x="5733410" y="2795794"/>
+                  <a:pt x="5704896" y="2780314"/>
+                  <a:pt x="5674216" y="2776216"/>
+                </a:cubicBezTo>
+                <a:cubicBezTo>
+                  <a:pt x="5611774" y="2767792"/>
+                  <a:pt x="5549872" y="2753678"/>
+                  <a:pt x="5487249" y="2746850"/>
+                </a:cubicBezTo>
+                <a:cubicBezTo>
+                  <a:pt x="5462163" y="2744118"/>
+                  <a:pt x="5435093" y="2731143"/>
+                  <a:pt x="5398276" y="2748898"/>
+                </a:cubicBezTo>
+                <a:cubicBezTo>
+                  <a:pt x="5565032" y="2839732"/>
+                  <a:pt x="5744058" y="2834041"/>
+                  <a:pt x="5892947" y="2946502"/>
+                </a:cubicBezTo>
+                <a:cubicBezTo>
+                  <a:pt x="5886631" y="2957201"/>
+                  <a:pt x="5854508" y="2987707"/>
+                  <a:pt x="5867682" y="2989983"/>
+                </a:cubicBezTo>
+                <a:cubicBezTo>
+                  <a:pt x="5904678" y="2996585"/>
+                  <a:pt x="5937523" y="3018895"/>
+                  <a:pt x="5971273" y="3037335"/>
+                </a:cubicBezTo>
+                <a:cubicBezTo>
+                  <a:pt x="5985891" y="3045302"/>
+                  <a:pt x="6003576" y="3055776"/>
+                  <a:pt x="5996719" y="3084231"/>
+                </a:cubicBezTo>
+                <a:cubicBezTo>
+                  <a:pt x="5984267" y="3092199"/>
+                  <a:pt x="5975063" y="3081044"/>
+                  <a:pt x="5964776" y="3080134"/>
+                </a:cubicBezTo>
+                <a:cubicBezTo>
+                  <a:pt x="5954308" y="3079224"/>
+                  <a:pt x="5930847" y="3085141"/>
+                  <a:pt x="5937344" y="3089012"/>
+                </a:cubicBezTo>
+                <a:cubicBezTo>
+                  <a:pt x="5966942" y="3106542"/>
+                  <a:pt x="5913702" y="3148657"/>
+                  <a:pt x="5948713" y="3148657"/>
+                </a:cubicBezTo>
+                <a:cubicBezTo>
+                  <a:pt x="6007366" y="3148884"/>
+                  <a:pt x="6038588" y="3223555"/>
+                  <a:pt x="6095075" y="3225605"/>
+                </a:cubicBezTo>
+                <a:cubicBezTo>
+                  <a:pt x="6104098" y="3225831"/>
+                  <a:pt x="6108430" y="3239035"/>
+                  <a:pt x="6108249" y="3250646"/>
+                </a:cubicBezTo>
+                <a:cubicBezTo>
+                  <a:pt x="6108249" y="3264533"/>
+                  <a:pt x="6099948" y="3267037"/>
+                  <a:pt x="6090744" y="3268403"/>
+                </a:cubicBezTo>
+                <a:cubicBezTo>
+                  <a:pt x="6076667" y="3270451"/>
+                  <a:pt x="6062049" y="3250646"/>
+                  <a:pt x="6043461" y="3277509"/>
+                </a:cubicBezTo>
+                <a:cubicBezTo>
+                  <a:pt x="6076847" y="3293216"/>
+                  <a:pt x="6110234" y="3308925"/>
+                  <a:pt x="6109692" y="3362879"/>
+                </a:cubicBezTo>
+                <a:cubicBezTo>
+                  <a:pt x="6109513" y="3377448"/>
+                  <a:pt x="6123409" y="3382912"/>
+                  <a:pt x="6133877" y="3386554"/>
+                </a:cubicBezTo>
+                <a:cubicBezTo>
+                  <a:pt x="6151202" y="3392474"/>
+                  <a:pt x="6165818" y="3402946"/>
+                  <a:pt x="6175205" y="3423208"/>
+                </a:cubicBezTo>
+                <a:cubicBezTo>
+                  <a:pt x="6175023" y="3427077"/>
+                  <a:pt x="6174842" y="3431175"/>
+                  <a:pt x="6175926" y="3434363"/>
+                </a:cubicBezTo>
+                <a:cubicBezTo>
+                  <a:pt x="6172859" y="3483307"/>
+                  <a:pt x="6147593" y="3481940"/>
+                  <a:pt x="6119620" y="3473747"/>
+                </a:cubicBezTo>
+                <a:cubicBezTo>
+                  <a:pt x="6086232" y="3463729"/>
+                  <a:pt x="6053206" y="3445516"/>
+                  <a:pt x="6018015" y="3463046"/>
+                </a:cubicBezTo>
+                <a:cubicBezTo>
+                  <a:pt x="6067646" y="3486494"/>
+                  <a:pt x="6121605" y="3488316"/>
+                  <a:pt x="6168166" y="3521781"/>
+                </a:cubicBezTo>
+                <a:cubicBezTo>
+                  <a:pt x="5997802" y="3527928"/>
+                  <a:pt x="5847289" y="3422296"/>
+                  <a:pt x="5682157" y="3381775"/>
+                </a:cubicBezTo>
+                <a:cubicBezTo>
+                  <a:pt x="5687753" y="3408864"/>
+                  <a:pt x="5701106" y="3414328"/>
+                  <a:pt x="5713198" y="3418426"/>
+                </a:cubicBezTo>
+                <a:cubicBezTo>
+                  <a:pt x="5774197" y="3438916"/>
+                  <a:pt x="5827616" y="3479666"/>
+                  <a:pt x="5883202" y="3514950"/>
+                </a:cubicBezTo>
+                <a:cubicBezTo>
+                  <a:pt x="5906121" y="3529520"/>
+                  <a:pt x="5922726" y="3544092"/>
+                  <a:pt x="5931387" y="3575508"/>
+                </a:cubicBezTo>
+                <a:cubicBezTo>
+                  <a:pt x="5939149" y="3603965"/>
+                  <a:pt x="5954128" y="3617168"/>
+                  <a:pt x="5981919" y="3608971"/>
+                </a:cubicBezTo>
+                <a:cubicBezTo>
+                  <a:pt x="6004478" y="3602142"/>
+                  <a:pt x="6029202" y="3605784"/>
+                  <a:pt x="6052845" y="3608290"/>
+                </a:cubicBezTo>
+                <a:cubicBezTo>
+                  <a:pt x="6080096" y="3611021"/>
+                  <a:pt x="6110596" y="3643120"/>
+                  <a:pt x="6103196" y="3659739"/>
+                </a:cubicBezTo>
+                <a:cubicBezTo>
+                  <a:pt x="6090564" y="3687968"/>
+                  <a:pt x="6069448" y="3673853"/>
+                  <a:pt x="6050680" y="3670666"/>
+                </a:cubicBezTo>
+                <a:cubicBezTo>
+                  <a:pt x="6029383" y="3666796"/>
+                  <a:pt x="5989861" y="3658828"/>
+                  <a:pt x="5989139" y="3662243"/>
+                </a:cubicBezTo>
+                <a:cubicBezTo>
+                  <a:pt x="5975242" y="3733043"/>
+                  <a:pt x="5877426" y="3671351"/>
+                  <a:pt x="5856311" y="3664973"/>
+                </a:cubicBezTo>
+                <a:cubicBezTo>
+                  <a:pt x="5829964" y="3657007"/>
+                  <a:pt x="5805239" y="3671577"/>
+                  <a:pt x="5780153" y="3674991"/>
+                </a:cubicBezTo>
+                <a:cubicBezTo>
+                  <a:pt x="5757776" y="3678178"/>
+                  <a:pt x="5631264" y="3687968"/>
+                  <a:pt x="5605096" y="3657917"/>
+                </a:cubicBezTo>
+                <a:cubicBezTo>
+                  <a:pt x="5601487" y="3681365"/>
+                  <a:pt x="5609066" y="3690927"/>
+                  <a:pt x="5615384" y="3701627"/>
+                </a:cubicBezTo>
+                <a:cubicBezTo>
+                  <a:pt x="5624226" y="3716879"/>
+                  <a:pt x="5625670" y="3727579"/>
+                  <a:pt x="5608886" y="3739645"/>
+                </a:cubicBezTo>
+                <a:cubicBezTo>
+                  <a:pt x="5561061" y="3774249"/>
+                  <a:pt x="5561784" y="3775386"/>
+                  <a:pt x="5606359" y="3822284"/>
+                </a:cubicBezTo>
+                <a:cubicBezTo>
+                  <a:pt x="5608526" y="3824332"/>
+                  <a:pt x="5607622" y="3831162"/>
+                  <a:pt x="5607984" y="3835716"/>
+                </a:cubicBezTo>
+                <a:cubicBezTo>
+                  <a:pt x="5596254" y="3843000"/>
+                  <a:pt x="5582537" y="3824787"/>
+                  <a:pt x="5568822" y="3844366"/>
+                </a:cubicBezTo>
+                <a:cubicBezTo>
+                  <a:pt x="5628557" y="3930418"/>
+                  <a:pt x="5719696" y="3951589"/>
+                  <a:pt x="5802171" y="4016244"/>
+                </a:cubicBezTo>
+                <a:cubicBezTo>
+                  <a:pt x="5735397" y="4037643"/>
+                  <a:pt x="5695332" y="3962973"/>
+                  <a:pt x="5646244" y="3972534"/>
+                </a:cubicBezTo>
+                <a:cubicBezTo>
+                  <a:pt x="5621699" y="3995983"/>
+                  <a:pt x="5694611" y="4033546"/>
+                  <a:pt x="5625129" y="4044701"/>
+                </a:cubicBezTo>
+                <a:cubicBezTo>
+                  <a:pt x="5655268" y="4065189"/>
+                  <a:pt x="5677646" y="4085221"/>
+                  <a:pt x="5698400" y="4108899"/>
+                </a:cubicBezTo>
+                <a:cubicBezTo>
+                  <a:pt x="5735397" y="4151242"/>
+                  <a:pt x="5742615" y="4179015"/>
+                  <a:pt x="5725470" y="4235930"/>
+                </a:cubicBezTo>
+                <a:cubicBezTo>
+                  <a:pt x="5714280" y="4273265"/>
+                  <a:pt x="5697858" y="4307641"/>
+                  <a:pt x="5712295" y="4352032"/>
+                </a:cubicBezTo>
+                <a:cubicBezTo>
+                  <a:pt x="5722402" y="4382538"/>
+                  <a:pt x="5718431" y="4402571"/>
+                  <a:pt x="5680894" y="4388911"/>
+                </a:cubicBezTo>
+                <a:cubicBezTo>
+                  <a:pt x="5640469" y="4374341"/>
+                  <a:pt x="5625311" y="4401660"/>
+                  <a:pt x="5635415" y="4455158"/>
+                </a:cubicBezTo>
+                <a:cubicBezTo>
+                  <a:pt x="5641912" y="4489535"/>
+                  <a:pt x="5635053" y="4500006"/>
+                  <a:pt x="5607263" y="4496136"/>
+                </a:cubicBezTo>
+                <a:cubicBezTo>
+                  <a:pt x="5576581" y="4491811"/>
+                  <a:pt x="5547347" y="4469272"/>
+                  <a:pt x="5509446" y="4480201"/>
+                </a:cubicBezTo>
+                <a:cubicBezTo>
+                  <a:pt x="5539765" y="4542578"/>
+                  <a:pt x="5604556" y="4524821"/>
+                  <a:pt x="5639928" y="4584239"/>
+                </a:cubicBezTo>
+                <a:cubicBezTo>
+                  <a:pt x="5597697" y="4584465"/>
+                  <a:pt x="5565392" y="4584239"/>
+                  <a:pt x="5534171" y="4571262"/>
+                </a:cubicBezTo>
+                <a:cubicBezTo>
+                  <a:pt x="5521177" y="4566025"/>
+                  <a:pt x="5506919" y="4560563"/>
+                  <a:pt x="5499701" y="4578547"/>
+                </a:cubicBezTo>
+                <a:cubicBezTo>
+                  <a:pt x="5491219" y="4600174"/>
+                  <a:pt x="5508725" y="4608370"/>
+                  <a:pt x="5519373" y="4612239"/>
+                </a:cubicBezTo>
+                <a:cubicBezTo>
+                  <a:pt x="5549331" y="4623167"/>
+                  <a:pt x="5572251" y="4649119"/>
+                  <a:pt x="5596974" y="4669379"/>
+                </a:cubicBezTo>
+                <a:cubicBezTo>
+                  <a:pt x="5651296" y="4713773"/>
+                  <a:pt x="5710854" y="4750880"/>
+                  <a:pt x="5756873" y="4824185"/>
+                </a:cubicBezTo>
+                <a:cubicBezTo>
+                  <a:pt x="5698941" y="4805517"/>
+                  <a:pt x="5655808" y="4762036"/>
+                  <a:pt x="5602028" y="4753158"/>
+                </a:cubicBezTo>
+                <a:cubicBezTo>
+                  <a:pt x="5648590" y="4819860"/>
+                  <a:pt x="5708506" y="4863796"/>
+                  <a:pt x="5765173" y="4912286"/>
+                </a:cubicBezTo>
+                <a:cubicBezTo>
+                  <a:pt x="5781416" y="4925946"/>
+                  <a:pt x="5797839" y="4935280"/>
+                  <a:pt x="5801450" y="4965101"/>
+                </a:cubicBezTo>
+                <a:cubicBezTo>
+                  <a:pt x="5808487" y="5022926"/>
+                  <a:pt x="5829602" y="5070733"/>
+                  <a:pt x="5874721" y="5096229"/>
+                </a:cubicBezTo>
+                <a:cubicBezTo>
+                  <a:pt x="5875080" y="5096458"/>
+                  <a:pt x="5872555" y="5105110"/>
+                  <a:pt x="5871110" y="5111026"/>
+                </a:cubicBezTo>
+                <a:cubicBezTo>
+                  <a:pt x="5843499" y="5112849"/>
+                  <a:pt x="5821663" y="5078700"/>
+                  <a:pt x="5786469" y="5089855"/>
+                </a:cubicBezTo>
+                <a:cubicBezTo>
+                  <a:pt x="5820218" y="5136296"/>
+                  <a:pt x="5848372" y="5177958"/>
+                  <a:pt x="5896196" y="5200041"/>
+                </a:cubicBezTo>
+                <a:cubicBezTo>
+                  <a:pt x="5934457" y="5217568"/>
+                  <a:pt x="5981739" y="5227813"/>
+                  <a:pt x="6009534" y="5284725"/>
+                </a:cubicBezTo>
+                <a:cubicBezTo>
+                  <a:pt x="5977228" y="5295882"/>
+                  <a:pt x="5953224" y="5281769"/>
+                  <a:pt x="5929042" y="5271751"/>
+                </a:cubicBezTo>
+                <a:cubicBezTo>
+                  <a:pt x="5892045" y="5256270"/>
+                  <a:pt x="5855409" y="5238742"/>
+                  <a:pt x="5818413" y="5223260"/>
+                </a:cubicBezTo>
+                <a:cubicBezTo>
+                  <a:pt x="5804336" y="5217341"/>
+                  <a:pt x="5788996" y="5213242"/>
+                  <a:pt x="5779973" y="5241473"/>
+                </a:cubicBezTo>
+                <a:cubicBezTo>
+                  <a:pt x="5827077" y="5247392"/>
+                  <a:pt x="5855230" y="5285637"/>
+                  <a:pt x="5884826" y="5321606"/>
+                </a:cubicBezTo>
+                <a:cubicBezTo>
+                  <a:pt x="5901430" y="5341868"/>
+                  <a:pt x="5914966" y="5368959"/>
+                  <a:pt x="5944924" y="5358715"/>
+                </a:cubicBezTo>
+                <a:cubicBezTo>
+                  <a:pt x="5960626" y="5353252"/>
+                  <a:pt x="5970550" y="5368502"/>
+                  <a:pt x="5968926" y="5387170"/>
+                </a:cubicBezTo>
+                <a:cubicBezTo>
+                  <a:pt x="5962971" y="5452963"/>
+                  <a:pt x="5999606" y="5475955"/>
+                  <a:pt x="6037505" y="5488704"/>
+                </a:cubicBezTo>
+                <a:cubicBezTo>
+                  <a:pt x="6109333" y="5512608"/>
+                  <a:pt x="6169069" y="5568837"/>
+                  <a:pt x="6238910" y="5599571"/>
+                </a:cubicBezTo>
+                <a:cubicBezTo>
+                  <a:pt x="6306768" y="5629394"/>
+                  <a:pt x="6359285" y="5700193"/>
+                  <a:pt x="6427321" y="5737302"/>
+                </a:cubicBezTo>
+                <a:cubicBezTo>
+                  <a:pt x="6476592" y="5764165"/>
+                  <a:pt x="6523694" y="5798767"/>
+                  <a:pt x="6574408" y="5823126"/>
+                </a:cubicBezTo>
+                <a:cubicBezTo>
+                  <a:pt x="6694419" y="5880723"/>
+                  <a:pt x="6816779" y="5926936"/>
+                  <a:pt x="6946177" y="5933538"/>
+                </a:cubicBezTo>
+                <a:cubicBezTo>
+                  <a:pt x="7053016" y="5938775"/>
+                  <a:pt x="7979734" y="5933767"/>
+                  <a:pt x="8356197" y="5184561"/>
+                </a:cubicBezTo>
+                <a:cubicBezTo>
+                  <a:pt x="8363416" y="5180917"/>
+                  <a:pt x="8371536" y="5171356"/>
+                  <a:pt x="8374063" y="5162249"/>
+                </a:cubicBezTo>
+                <a:cubicBezTo>
+                  <a:pt x="8386155" y="5119678"/>
+                  <a:pt x="8415752" y="5101238"/>
+                  <a:pt x="8442461" y="5078246"/>
+                </a:cubicBezTo>
+                <a:cubicBezTo>
+                  <a:pt x="8465923" y="5057984"/>
+                  <a:pt x="8490829" y="5036813"/>
+                  <a:pt x="8500574" y="5002664"/>
+                </a:cubicBezTo>
+                <a:cubicBezTo>
+                  <a:pt x="8513388" y="4957134"/>
+                  <a:pt x="8476933" y="4994469"/>
+                  <a:pt x="8470255" y="4977167"/>
+                </a:cubicBezTo>
+                <a:cubicBezTo>
+                  <a:pt x="8484151" y="4953492"/>
+                  <a:pt x="8505628" y="4931864"/>
+                  <a:pt x="8511222" y="4905001"/>
+                </a:cubicBezTo>
+                <a:cubicBezTo>
+                  <a:pt x="8531614" y="4808021"/>
+                  <a:pt x="8575650" y="4737448"/>
+                  <a:pt x="8641522" y="4682584"/>
+                </a:cubicBezTo>
+                <a:cubicBezTo>
+                  <a:pt x="8660471" y="4666876"/>
+                  <a:pt x="8672923" y="4638191"/>
+                  <a:pt x="8698730" y="4633640"/>
+                </a:cubicBezTo>
+                <a:cubicBezTo>
+                  <a:pt x="8756120" y="4623622"/>
+                  <a:pt x="8738073" y="4545310"/>
+                  <a:pt x="8768393" y="4510479"/>
+                </a:cubicBezTo>
+                <a:cubicBezTo>
+                  <a:pt x="8774168" y="4503875"/>
+                  <a:pt x="8779401" y="4490901"/>
+                  <a:pt x="8778319" y="4482024"/>
+                </a:cubicBezTo>
+                <a:cubicBezTo>
+                  <a:pt x="8776696" y="4469272"/>
+                  <a:pt x="8769837" y="4457207"/>
+                  <a:pt x="8764062" y="4445824"/>
+                </a:cubicBezTo>
+                <a:cubicBezTo>
+                  <a:pt x="8758106" y="4434442"/>
+                  <a:pt x="8749083" y="4424425"/>
+                  <a:pt x="8753414" y="4409400"/>
+                </a:cubicBezTo>
+                <a:cubicBezTo>
+                  <a:pt x="8755217" y="4403254"/>
+                  <a:pt x="8753956" y="4381855"/>
+                  <a:pt x="8767310" y="4398700"/>
+                </a:cubicBezTo>
+                <a:cubicBezTo>
+                  <a:pt x="8803945" y="4444915"/>
+                  <a:pt x="8825242" y="4401206"/>
+                  <a:pt x="8856643" y="4380261"/>
+                </a:cubicBezTo>
+                <a:cubicBezTo>
+                  <a:pt x="8831377" y="4358633"/>
+                  <a:pt x="8808638" y="4343381"/>
+                  <a:pt x="8804848" y="4311055"/>
+                </a:cubicBezTo>
+                <a:cubicBezTo>
+                  <a:pt x="8797088" y="4244352"/>
+                  <a:pt x="8763883" y="4213847"/>
+                  <a:pt x="8713530" y="4207927"/>
+                </a:cubicBezTo>
+                <a:cubicBezTo>
+                  <a:pt x="8732118" y="4143502"/>
+                  <a:pt x="8732118" y="4143502"/>
+                  <a:pt x="8672022" y="4134623"/>
+                </a:cubicBezTo>
+                <a:cubicBezTo>
+                  <a:pt x="8695122" y="4093646"/>
+                  <a:pt x="8695122" y="4083174"/>
+                  <a:pt x="8667148" y="4069059"/>
+                </a:cubicBezTo>
+                <a:cubicBezTo>
+                  <a:pt x="8640258" y="4055627"/>
+                  <a:pt x="8610481" y="4051074"/>
+                  <a:pt x="8585575" y="4030359"/>
+                </a:cubicBezTo>
+                <a:cubicBezTo>
+                  <a:pt x="8608496" y="3977998"/>
+                  <a:pt x="8614992" y="3917215"/>
+                  <a:pt x="8662275" y="3891717"/>
+                </a:cubicBezTo>
+                <a:cubicBezTo>
+                  <a:pt x="8669675" y="3887847"/>
+                  <a:pt x="8674728" y="3872139"/>
+                  <a:pt x="8670037" y="3863033"/>
+                </a:cubicBezTo>
+                <a:cubicBezTo>
+                  <a:pt x="8652891" y="3830024"/>
+                  <a:pt x="8677435" y="3767419"/>
+                  <a:pt x="8624017" y="3760362"/>
+                </a:cubicBezTo>
+                <a:cubicBezTo>
+                  <a:pt x="8617338" y="3759679"/>
+                  <a:pt x="8611202" y="3752848"/>
+                  <a:pt x="8616436" y="3743970"/>
+                </a:cubicBezTo>
+                <a:cubicBezTo>
+                  <a:pt x="8634484" y="3713010"/>
+                  <a:pt x="8612646" y="3715058"/>
+                  <a:pt x="8599473" y="3711188"/>
+                </a:cubicBezTo>
+                <a:cubicBezTo>
+                  <a:pt x="8583590" y="3706409"/>
+                  <a:pt x="8565543" y="3720067"/>
+                  <a:pt x="8550745" y="3703220"/>
+                </a:cubicBezTo>
+                <a:cubicBezTo>
+                  <a:pt x="8554174" y="3685463"/>
+                  <a:pt x="8566987" y="3685690"/>
+                  <a:pt x="8576010" y="3680000"/>
+                </a:cubicBezTo>
+                <a:cubicBezTo>
+                  <a:pt x="8602359" y="3663608"/>
+                  <a:pt x="8623836" y="3644031"/>
+                  <a:pt x="8625100" y="3601459"/>
+                </a:cubicBezTo>
+                <a:cubicBezTo>
+                  <a:pt x="8626001" y="3567084"/>
+                  <a:pt x="8628889" y="3536807"/>
+                  <a:pt x="8592433" y="3526333"/>
+                </a:cubicBezTo>
+                <a:cubicBezTo>
+                  <a:pt x="8577274" y="3522007"/>
+                  <a:pt x="8581606" y="3497194"/>
+                  <a:pt x="8590269" y="3484900"/>
+                </a:cubicBezTo>
+                <a:cubicBezTo>
+                  <a:pt x="8605789" y="3463046"/>
+                  <a:pt x="8618601" y="3433907"/>
+                  <a:pt x="8645312" y="3431858"/>
+                </a:cubicBezTo>
+                <a:cubicBezTo>
+                  <a:pt x="8661554" y="3430493"/>
+                  <a:pt x="8674007" y="3421385"/>
+                  <a:pt x="8686820" y="3410914"/>
+                </a:cubicBezTo>
+                <a:cubicBezTo>
+                  <a:pt x="8696024" y="3403399"/>
+                  <a:pt x="8707033" y="3397026"/>
+                  <a:pt x="8705950" y="3380864"/>
+                </a:cubicBezTo>
+                <a:cubicBezTo>
+                  <a:pt x="8704867" y="3365383"/>
+                  <a:pt x="8694220" y="3359009"/>
+                  <a:pt x="8683391" y="3355822"/>
+                </a:cubicBezTo>
+                <a:cubicBezTo>
+                  <a:pt x="8647296" y="3345578"/>
+                  <a:pt x="8613369" y="3330552"/>
+                  <a:pt x="8583229" y="3296177"/>
+                </a:cubicBezTo>
+                <a:cubicBezTo>
+                  <a:pt x="8603262" y="3277964"/>
+                  <a:pt x="8622392" y="3264761"/>
+                  <a:pt x="8637190" y="3246320"/>
+                </a:cubicBezTo>
+                <a:cubicBezTo>
+                  <a:pt x="8672923" y="3201702"/>
+                  <a:pt x="8370273" y="3061239"/>
+                  <a:pt x="8355114" y="3011154"/>
+                </a:cubicBezTo>
+                <a:cubicBezTo>
+                  <a:pt x="8350422" y="2995674"/>
+                  <a:pt x="8334361" y="2979739"/>
+                  <a:pt x="8321004" y="2975186"/>
+                </a:cubicBezTo>
+                <a:cubicBezTo>
+                  <a:pt x="8258382" y="2953786"/>
+                  <a:pt x="8204061" y="2905750"/>
+                  <a:pt x="8139993" y="2887993"/>
+                </a:cubicBezTo>
+                <a:cubicBezTo>
+                  <a:pt x="8079535" y="2871148"/>
+                  <a:pt x="8019980" y="2848609"/>
+                  <a:pt x="7953747" y="2826301"/>
+                </a:cubicBezTo>
+                <a:cubicBezTo>
+                  <a:pt x="7994353" y="2770297"/>
+                  <a:pt x="8066361" y="2776900"/>
+                  <a:pt x="8083145" y="2696083"/>
+                </a:cubicBezTo>
+                <a:cubicBezTo>
+                  <a:pt x="8017633" y="2675138"/>
+                  <a:pt x="7948695" y="2699043"/>
+                  <a:pt x="7885529" y="2665804"/>
+                </a:cubicBezTo>
+                <a:cubicBezTo>
+                  <a:pt x="7880115" y="2662846"/>
+                  <a:pt x="7872715" y="2665804"/>
+                  <a:pt x="7866219" y="2666715"/>
+                </a:cubicBezTo>
+                <a:cubicBezTo>
+                  <a:pt x="7736099" y="2684472"/>
+                  <a:pt x="7606520" y="2668993"/>
+                  <a:pt x="7478205" y="2646681"/>
+                </a:cubicBezTo>
+                <a:cubicBezTo>
+                  <a:pt x="7293403" y="2614811"/>
+                  <a:pt x="7107878" y="2594550"/>
+                  <a:pt x="6921993" y="2580207"/>
+                </a:cubicBezTo>
+                <a:cubicBezTo>
+                  <a:pt x="6768412" y="2568368"/>
+                  <a:pt x="6614471" y="2563133"/>
+                  <a:pt x="6461612" y="2540368"/>
+                </a:cubicBezTo>
+                <a:cubicBezTo>
+                  <a:pt x="6298106" y="2516010"/>
+                  <a:pt x="6134780" y="2488463"/>
+                  <a:pt x="5971453" y="2462965"/>
+                </a:cubicBezTo>
+                <a:cubicBezTo>
+                  <a:pt x="5964054" y="2461826"/>
+                  <a:pt x="5955887" y="2458241"/>
+                  <a:pt x="5947992" y="2457985"/>
+                </a:cubicBezTo>
+                <a:close/>
+                <a:moveTo>
+                  <a:pt x="0" y="0"/>
+                </a:moveTo>
+                <a:lnTo>
+                  <a:pt x="8078332" y="0"/>
+                </a:lnTo>
+                <a:lnTo>
+                  <a:pt x="8051806" y="19899"/>
+                </a:lnTo>
+                <a:cubicBezTo>
+                  <a:pt x="8010559" y="45723"/>
+                  <a:pt x="7966035" y="59669"/>
+                  <a:pt x="7919411" y="69998"/>
+                </a:cubicBezTo>
+                <a:cubicBezTo>
+                  <a:pt x="7900760" y="74283"/>
+                  <a:pt x="7882423" y="82852"/>
+                  <a:pt x="7880558" y="103665"/>
+                </a:cubicBezTo>
+                <a:cubicBezTo>
+                  <a:pt x="7878694" y="125395"/>
+                  <a:pt x="7897654" y="133963"/>
+                  <a:pt x="7913505" y="144066"/>
+                </a:cubicBezTo>
+                <a:cubicBezTo>
+                  <a:pt x="7935573" y="158143"/>
+                  <a:pt x="7957019" y="170388"/>
+                  <a:pt x="7984993" y="172224"/>
+                </a:cubicBezTo>
+                <a:cubicBezTo>
+                  <a:pt x="8030996" y="174978"/>
+                  <a:pt x="8053062" y="214154"/>
+                  <a:pt x="8079793" y="243535"/>
+                </a:cubicBezTo>
+                <a:cubicBezTo>
+                  <a:pt x="8094711" y="260064"/>
+                  <a:pt x="8102173" y="293423"/>
+                  <a:pt x="8076065" y="299239"/>
+                </a:cubicBezTo>
+                <a:cubicBezTo>
+                  <a:pt x="8013279" y="313320"/>
+                  <a:pt x="8018253" y="354025"/>
+                  <a:pt x="8019804" y="400240"/>
+                </a:cubicBezTo>
+                <a:cubicBezTo>
+                  <a:pt x="8021980" y="457476"/>
+                  <a:pt x="8058970" y="483796"/>
+                  <a:pt x="8104349" y="505833"/>
+                </a:cubicBezTo>
+                <a:cubicBezTo>
+                  <a:pt x="8119890" y="513484"/>
+                  <a:pt x="8141956" y="513178"/>
+                  <a:pt x="8147864" y="537052"/>
+                </a:cubicBezTo>
+                <a:cubicBezTo>
+                  <a:pt x="8122377" y="559700"/>
+                  <a:pt x="8091295" y="541338"/>
+                  <a:pt x="8063941" y="547764"/>
+                </a:cubicBezTo>
+                <a:cubicBezTo>
+                  <a:pt x="8041252" y="552966"/>
+                  <a:pt x="8003642" y="550213"/>
+                  <a:pt x="8034725" y="591836"/>
+                </a:cubicBezTo>
+                <a:cubicBezTo>
+                  <a:pt x="8043740" y="603773"/>
+                  <a:pt x="8033171" y="612956"/>
+                  <a:pt x="8021669" y="613874"/>
+                </a:cubicBezTo>
+                <a:cubicBezTo>
+                  <a:pt x="7929668" y="623362"/>
+                  <a:pt x="7971939" y="707531"/>
+                  <a:pt x="7942410" y="751909"/>
+                </a:cubicBezTo>
+                <a:cubicBezTo>
+                  <a:pt x="7934331" y="764151"/>
+                  <a:pt x="7943034" y="785269"/>
+                  <a:pt x="7955778" y="790472"/>
+                </a:cubicBezTo>
+                <a:cubicBezTo>
+                  <a:pt x="8037212" y="824753"/>
+                  <a:pt x="8048401" y="906472"/>
+                  <a:pt x="8087876" y="976867"/>
+                </a:cubicBezTo>
+                <a:cubicBezTo>
+                  <a:pt x="8044981" y="1004717"/>
+                  <a:pt x="7993697" y="1010838"/>
+                  <a:pt x="7947386" y="1028897"/>
+                </a:cubicBezTo>
+                <a:cubicBezTo>
+                  <a:pt x="7899207" y="1047873"/>
+                  <a:pt x="7899207" y="1061952"/>
+                  <a:pt x="7938992" y="1117042"/>
+                </a:cubicBezTo>
+                <a:cubicBezTo>
+                  <a:pt x="7835489" y="1128980"/>
+                  <a:pt x="7835489" y="1128980"/>
+                  <a:pt x="7867503" y="1215596"/>
+                </a:cubicBezTo>
+                <a:cubicBezTo>
+                  <a:pt x="7780782" y="1223554"/>
+                  <a:pt x="7723594" y="1264566"/>
+                  <a:pt x="7710229" y="1354244"/>
+                </a:cubicBezTo>
+                <a:cubicBezTo>
+                  <a:pt x="7703701" y="1397704"/>
+                  <a:pt x="7664539" y="1418209"/>
+                  <a:pt x="7621024" y="1447286"/>
+                </a:cubicBezTo>
+                <a:cubicBezTo>
+                  <a:pt x="7675106" y="1475446"/>
+                  <a:pt x="7711784" y="1534209"/>
+                  <a:pt x="7774880" y="1472076"/>
+                </a:cubicBezTo>
+                <a:cubicBezTo>
+                  <a:pt x="7797879" y="1449429"/>
+                  <a:pt x="7795707" y="1478199"/>
+                  <a:pt x="7798812" y="1486462"/>
+                </a:cubicBezTo>
+                <a:cubicBezTo>
+                  <a:pt x="7806271" y="1506661"/>
+                  <a:pt x="7790732" y="1520130"/>
+                  <a:pt x="7780474" y="1535432"/>
+                </a:cubicBezTo>
+                <a:cubicBezTo>
+                  <a:pt x="7770528" y="1550736"/>
+                  <a:pt x="7758715" y="1566956"/>
+                  <a:pt x="7755919" y="1584099"/>
+                </a:cubicBezTo>
+                <a:cubicBezTo>
+                  <a:pt x="7754055" y="1596034"/>
+                  <a:pt x="7763068" y="1613478"/>
+                  <a:pt x="7773014" y="1622355"/>
+                </a:cubicBezTo>
+                <a:cubicBezTo>
+                  <a:pt x="7825233" y="1669183"/>
+                  <a:pt x="7794151" y="1774469"/>
+                  <a:pt x="7892993" y="1787937"/>
+                </a:cubicBezTo>
+                <a:cubicBezTo>
+                  <a:pt x="7937439" y="1794056"/>
+                  <a:pt x="7958885" y="1832621"/>
+                  <a:pt x="7991521" y="1853739"/>
+                </a:cubicBezTo>
+                <a:cubicBezTo>
+                  <a:pt x="8104970" y="1927500"/>
+                  <a:pt x="8180811" y="2022380"/>
+                  <a:pt x="8215932" y="2152764"/>
+                </a:cubicBezTo>
+                <a:cubicBezTo>
+                  <a:pt x="8225567" y="2188879"/>
+                  <a:pt x="8262556" y="2217957"/>
+                  <a:pt x="8286489" y="2249786"/>
+                </a:cubicBezTo>
+                <a:cubicBezTo>
+                  <a:pt x="8274987" y="2273047"/>
+                  <a:pt x="8212203" y="2222852"/>
+                  <a:pt x="8234270" y="2284064"/>
+                </a:cubicBezTo>
+                <a:cubicBezTo>
+                  <a:pt x="8251054" y="2329975"/>
+                  <a:pt x="8293949" y="2358439"/>
+                  <a:pt x="8334357" y="2385679"/>
+                </a:cubicBezTo>
+                <a:cubicBezTo>
+                  <a:pt x="8380357" y="2416591"/>
+                  <a:pt x="8431331" y="2441382"/>
+                  <a:pt x="8452157" y="2498616"/>
+                </a:cubicBezTo>
+                <a:cubicBezTo>
+                  <a:pt x="8456509" y="2510859"/>
+                  <a:pt x="8470494" y="2523714"/>
+                  <a:pt x="8482927" y="2528612"/>
+                </a:cubicBezTo>
+                <a:cubicBezTo>
+                  <a:pt x="9131298" y="3535869"/>
+                  <a:pt x="10727356" y="3542602"/>
+                  <a:pt x="10911361" y="3535561"/>
+                </a:cubicBezTo>
+                <a:cubicBezTo>
+                  <a:pt x="11134219" y="3526686"/>
+                  <a:pt x="11344956" y="3464554"/>
+                  <a:pt x="11551649" y="3387120"/>
+                </a:cubicBezTo>
+                <a:cubicBezTo>
+                  <a:pt x="11638991" y="3354371"/>
+                  <a:pt x="11720114" y="3307851"/>
+                  <a:pt x="11804971" y="3271735"/>
+                </a:cubicBezTo>
+                <a:cubicBezTo>
+                  <a:pt x="11922148" y="3221845"/>
+                  <a:pt x="12012596" y="3126660"/>
+                  <a:pt x="12129465" y="3086565"/>
+                </a:cubicBezTo>
+                <a:lnTo>
+                  <a:pt x="12192000" y="3060706"/>
+                </a:lnTo>
+                <a:lnTo>
+                  <a:pt x="12192000" y="3766004"/>
+                </a:lnTo>
+                <a:lnTo>
+                  <a:pt x="12069511" y="3730912"/>
+                </a:lnTo>
+                <a:cubicBezTo>
+                  <a:pt x="11963133" y="3704591"/>
+                  <a:pt x="11854734" y="3686839"/>
+                  <a:pt x="11743305" y="3682401"/>
+                </a:cubicBezTo>
+                <a:cubicBezTo>
+                  <a:pt x="11731805" y="3681961"/>
+                  <a:pt x="11714789" y="3681575"/>
+                  <a:pt x="11692833" y="3681484"/>
+                </a:cubicBezTo>
+                <a:cubicBezTo>
+                  <a:pt x="11363495" y="3680110"/>
+                  <a:pt x="9922719" y="3745047"/>
+                  <a:pt x="9314871" y="4689350"/>
+                </a:cubicBezTo>
+                <a:cubicBezTo>
+                  <a:pt x="9302438" y="4694248"/>
+                  <a:pt x="9288453" y="4707103"/>
+                  <a:pt x="9284101" y="4719346"/>
+                </a:cubicBezTo>
+                <a:cubicBezTo>
+                  <a:pt x="9263275" y="4776580"/>
+                  <a:pt x="9212301" y="4801371"/>
+                  <a:pt x="9166300" y="4832283"/>
+                </a:cubicBezTo>
+                <a:cubicBezTo>
+                  <a:pt x="9125893" y="4859523"/>
+                  <a:pt x="9082998" y="4887987"/>
+                  <a:pt x="9066214" y="4933898"/>
+                </a:cubicBezTo>
+                <a:cubicBezTo>
+                  <a:pt x="9044146" y="4995110"/>
+                  <a:pt x="9106931" y="4944915"/>
+                  <a:pt x="9118433" y="4968176"/>
+                </a:cubicBezTo>
+                <a:cubicBezTo>
+                  <a:pt x="9094500" y="5000005"/>
+                  <a:pt x="9057511" y="5029083"/>
+                  <a:pt x="9047876" y="5065198"/>
+                </a:cubicBezTo>
+                <a:cubicBezTo>
+                  <a:pt x="9012755" y="5195582"/>
+                  <a:pt x="8936914" y="5290462"/>
+                  <a:pt x="8823465" y="5364223"/>
+                </a:cubicBezTo>
+                <a:cubicBezTo>
+                  <a:pt x="8790828" y="5385341"/>
+                  <a:pt x="8769383" y="5423906"/>
+                  <a:pt x="8724937" y="5430025"/>
+                </a:cubicBezTo>
+                <a:cubicBezTo>
+                  <a:pt x="8626095" y="5443493"/>
+                  <a:pt x="8657177" y="5548779"/>
+                  <a:pt x="8604958" y="5595607"/>
+                </a:cubicBezTo>
+                <a:cubicBezTo>
+                  <a:pt x="8595012" y="5604484"/>
+                  <a:pt x="8585999" y="5621928"/>
+                  <a:pt x="8587863" y="5633863"/>
+                </a:cubicBezTo>
+                <a:cubicBezTo>
+                  <a:pt x="8590659" y="5651006"/>
+                  <a:pt x="8602472" y="5667226"/>
+                  <a:pt x="8612418" y="5682530"/>
+                </a:cubicBezTo>
+                <a:cubicBezTo>
+                  <a:pt x="8622675" y="5697832"/>
+                  <a:pt x="8638215" y="5711301"/>
+                  <a:pt x="8630756" y="5731500"/>
+                </a:cubicBezTo>
+                <a:cubicBezTo>
+                  <a:pt x="8627651" y="5739763"/>
+                  <a:pt x="8629823" y="5768533"/>
+                  <a:pt x="8606823" y="5745886"/>
+                </a:cubicBezTo>
+                <a:cubicBezTo>
+                  <a:pt x="8543727" y="5683753"/>
+                  <a:pt x="8507049" y="5742516"/>
+                  <a:pt x="8452968" y="5770676"/>
+                </a:cubicBezTo>
+                <a:cubicBezTo>
+                  <a:pt x="8496482" y="5799753"/>
+                  <a:pt x="8535645" y="5820258"/>
+                  <a:pt x="8542173" y="5863718"/>
+                </a:cubicBezTo>
+                <a:cubicBezTo>
+                  <a:pt x="8555538" y="5953396"/>
+                  <a:pt x="8612726" y="5994408"/>
+                  <a:pt x="8699447" y="6002366"/>
+                </a:cubicBezTo>
+                <a:cubicBezTo>
+                  <a:pt x="8667433" y="6088982"/>
+                  <a:pt x="8667433" y="6088982"/>
+                  <a:pt x="8770936" y="6100920"/>
+                </a:cubicBezTo>
+                <a:cubicBezTo>
+                  <a:pt x="8731151" y="6156010"/>
+                  <a:pt x="8731151" y="6170089"/>
+                  <a:pt x="8779329" y="6189065"/>
+                </a:cubicBezTo>
+                <a:cubicBezTo>
+                  <a:pt x="8825641" y="6207124"/>
+                  <a:pt x="8876925" y="6213245"/>
+                  <a:pt x="8919820" y="6241095"/>
+                </a:cubicBezTo>
+                <a:cubicBezTo>
+                  <a:pt x="8880345" y="6311490"/>
+                  <a:pt x="8869155" y="6393209"/>
+                  <a:pt x="8787721" y="6427490"/>
+                </a:cubicBezTo>
+                <a:cubicBezTo>
+                  <a:pt x="8774978" y="6432693"/>
+                  <a:pt x="8766275" y="6453811"/>
+                  <a:pt x="8774354" y="6466053"/>
+                </a:cubicBezTo>
+                <a:cubicBezTo>
+                  <a:pt x="8803883" y="6510431"/>
+                  <a:pt x="8761612" y="6594600"/>
+                  <a:pt x="8853613" y="6604088"/>
+                </a:cubicBezTo>
+                <a:cubicBezTo>
+                  <a:pt x="8865115" y="6605005"/>
+                  <a:pt x="8875684" y="6614189"/>
+                  <a:pt x="8866669" y="6626125"/>
+                </a:cubicBezTo>
+                <a:cubicBezTo>
+                  <a:pt x="8835586" y="6667749"/>
+                  <a:pt x="8873196" y="6664996"/>
+                  <a:pt x="8895884" y="6670198"/>
+                </a:cubicBezTo>
+                <a:cubicBezTo>
+                  <a:pt x="8923238" y="6676624"/>
+                  <a:pt x="8954320" y="6658261"/>
+                  <a:pt x="8979808" y="6680910"/>
+                </a:cubicBezTo>
+                <a:cubicBezTo>
+                  <a:pt x="8973900" y="6704783"/>
+                  <a:pt x="8951834" y="6704478"/>
+                  <a:pt x="8936293" y="6712128"/>
+                </a:cubicBezTo>
+                <a:cubicBezTo>
+                  <a:pt x="8890913" y="6734166"/>
+                  <a:pt x="8853924" y="6760486"/>
+                  <a:pt x="8851748" y="6817721"/>
+                </a:cubicBezTo>
+                <a:lnTo>
+                  <a:pt x="8854326" y="6858000"/>
+                </a:lnTo>
+                <a:lnTo>
+                  <a:pt x="0" y="6858000"/>
+                </a:lnTo>
+                <a:close/>
+              </a:path>
+            </a:pathLst>
+          </a:custGeom>
+          <a:solidFill>
+            <a:schemeClr val="bg2">
+              <a:alpha val="50000"/>
+            </a:schemeClr>
+          </a:solidFill>
+          <a:ln w="32707" cap="flat">
+            <a:noFill/>
+            <a:prstDash val="solid"/>
+            <a:miter/>
+          </a:ln>
+        </p:spPr>
+        <p:txBody>
+          <a:bodyPr rtlCol="0" anchor="ctr"/>
+          <a:lstStyle/>
+          <a:p>
+            <a:pPr defTabSz="457200"/>
+            <a:endParaRPr lang="en-US">
+              <a:solidFill>
+                <a:schemeClr val="tx1"/>
+              </a:solidFill>
+            </a:endParaRPr>
+          </a:p>
+        </p:txBody>
+      </p:sp>
+      <p:sp>
+        <p:nvSpPr>
+          <p:cNvPr id="2" name="Título 1">
+            <a:extLst>
+              <a:ext uri="{FF2B5EF4-FFF2-40B4-BE49-F238E27FC236}">
+                <a16:creationId xmlns:a16="http://schemas.microsoft.com/office/drawing/2014/main" id="{812AF1EE-C605-6B89-46AE-04D23B222049}"/>
+              </a:ext>
+            </a:extLst>
+          </p:cNvPr>
+          <p:cNvSpPr>
+            <a:spLocks noGrp="1"/>
+          </p:cNvSpPr>
+          <p:nvPr>
+            <p:ph type="title"/>
+          </p:nvPr>
+        </p:nvSpPr>
+        <p:spPr>
+          <a:xfrm>
+            <a:off x="971368" y="371720"/>
+            <a:ext cx="6125964" cy="1330244"/>
+          </a:xfrm>
+        </p:spPr>
+        <p:txBody>
+          <a:bodyPr anchor="b">
+            <a:normAutofit/>
+          </a:bodyPr>
+          <a:lstStyle/>
+          <a:p>
+            <a:r>
+              <a:rPr lang="pt-BR" sz="3200" dirty="0"/>
+              <a:t>Exemplos de Software Open </a:t>
+            </a:r>
+            <a:r>
+              <a:rPr lang="pt-BR" sz="3200" dirty="0" err="1"/>
+              <a:t>Source</a:t>
+            </a:r>
+            <a:endParaRPr lang="pt-BR" sz="3200" dirty="0"/>
+          </a:p>
+        </p:txBody>
+      </p:sp>
+      <p:sp>
+        <p:nvSpPr>
+          <p:cNvPr id="3" name="Espaço Reservado para Conteúdo 2">
+            <a:extLst>
+              <a:ext uri="{FF2B5EF4-FFF2-40B4-BE49-F238E27FC236}">
+                <a16:creationId xmlns:a16="http://schemas.microsoft.com/office/drawing/2014/main" id="{E8AB1AE7-26BF-66CD-1EC3-0465EF1D448E}"/>
+              </a:ext>
+            </a:extLst>
+          </p:cNvPr>
+          <p:cNvSpPr>
+            <a:spLocks noGrp="1"/>
+          </p:cNvSpPr>
+          <p:nvPr>
+            <p:ph idx="1"/>
+          </p:nvPr>
+        </p:nvSpPr>
+        <p:spPr>
+          <a:xfrm>
+            <a:off x="971368" y="2711395"/>
+            <a:ext cx="5124632" cy="3508430"/>
+          </a:xfrm>
+        </p:spPr>
+        <p:txBody>
+          <a:bodyPr>
+            <a:normAutofit lnSpcReduction="10000"/>
+          </a:bodyPr>
+          <a:lstStyle/>
+          <a:p>
+            <a:r>
+              <a:rPr lang="pt-BR" sz="2400" dirty="0"/>
+              <a:t>Linux – Sistema operacional amplamente utilizado.</a:t>
+            </a:r>
+          </a:p>
+          <a:p>
+            <a:r>
+              <a:rPr lang="pt-BR" sz="2400" dirty="0"/>
+              <a:t>Android – Baseado no kernel Linux e mantido pelo Google.</a:t>
+            </a:r>
+          </a:p>
+          <a:p>
+            <a:r>
+              <a:rPr lang="pt-BR" sz="2400" dirty="0"/>
+              <a:t>Firefox – Navegador da Mozilla.</a:t>
+            </a:r>
+          </a:p>
+          <a:p>
+            <a:r>
+              <a:rPr lang="pt-BR" sz="2400" dirty="0"/>
+              <a:t>LibreOffice – Alternativa ao Microsoft Office.</a:t>
+            </a:r>
+          </a:p>
+          <a:p>
+            <a:r>
+              <a:rPr lang="pt-BR" sz="2400" dirty="0"/>
+              <a:t>MySQL e PostgreSQL – Bancos de dados populares.</a:t>
+            </a:r>
+          </a:p>
+        </p:txBody>
+      </p:sp>
+      <p:pic>
+        <p:nvPicPr>
+          <p:cNvPr id="3078" name="Picture 6" descr="Mozilla Firefox – Wikipédia, a enciclopédia livre">
+            <a:extLst>
+              <a:ext uri="{FF2B5EF4-FFF2-40B4-BE49-F238E27FC236}">
+                <a16:creationId xmlns:a16="http://schemas.microsoft.com/office/drawing/2014/main" id="{2E7875B2-5F99-A1A4-75E6-767BEB5FD087}"/>
+              </a:ext>
+            </a:extLst>
+          </p:cNvPr>
+          <p:cNvPicPr>
+            <a:picLocks noChangeAspect="1" noChangeArrowheads="1"/>
+          </p:cNvPicPr>
+          <p:nvPr/>
+        </p:nvPicPr>
+        <p:blipFill>
+          <a:blip r:embed="rId2">
+            <a:extLst>
+              <a:ext uri="{28A0092B-C50C-407E-A947-70E740481C1C}">
+                <a14:useLocalDpi xmlns:a14="http://schemas.microsoft.com/office/drawing/2010/main" val="0"/>
+              </a:ext>
+            </a:extLst>
+          </a:blip>
+          <a:stretch>
+            <a:fillRect/>
+          </a:stretch>
+        </p:blipFill>
+        <p:spPr bwMode="auto">
+          <a:xfrm>
+            <a:off x="9189995" y="371719"/>
+            <a:ext cx="2324167" cy="2419247"/>
+          </a:xfrm>
+          <a:prstGeom prst="rect">
+            <a:avLst/>
+          </a:prstGeom>
+          <a:noFill/>
+          <a:extLst>
+            <a:ext uri="{909E8E84-426E-40DD-AFC4-6F175D3DCCD1}">
+              <a14:hiddenFill xmlns:a14="http://schemas.microsoft.com/office/drawing/2010/main">
+                <a:solidFill>
+                  <a:srgbClr val="FFFFFF"/>
+                </a:solidFill>
+              </a14:hiddenFill>
+            </a:ext>
+          </a:extLst>
+        </p:spPr>
+      </p:pic>
+      <p:pic>
+        <p:nvPicPr>
+          <p:cNvPr id="3082" name="Picture 10" descr="Linux – Wikipédia, a enciclopédia livre">
+            <a:extLst>
+              <a:ext uri="{FF2B5EF4-FFF2-40B4-BE49-F238E27FC236}">
+                <a16:creationId xmlns:a16="http://schemas.microsoft.com/office/drawing/2014/main" id="{CD5527D6-8565-357F-89BF-C6268E02FC85}"/>
+              </a:ext>
+            </a:extLst>
+          </p:cNvPr>
+          <p:cNvPicPr>
+            <a:picLocks noChangeAspect="1" noChangeArrowheads="1"/>
+          </p:cNvPicPr>
+          <p:nvPr/>
+        </p:nvPicPr>
+        <p:blipFill>
+          <a:blip r:embed="rId3">
+            <a:extLst>
+              <a:ext uri="{28A0092B-C50C-407E-A947-70E740481C1C}">
+                <a14:useLocalDpi xmlns:a14="http://schemas.microsoft.com/office/drawing/2010/main" val="0"/>
+              </a:ext>
+            </a:extLst>
+          </a:blip>
+          <a:stretch>
+            <a:fillRect/>
+          </a:stretch>
+        </p:blipFill>
+        <p:spPr bwMode="auto">
+          <a:xfrm>
+            <a:off x="6410002" y="3247484"/>
+            <a:ext cx="1743398" cy="2064995"/>
+          </a:xfrm>
+          <a:prstGeom prst="rect">
+            <a:avLst/>
+          </a:prstGeom>
+          <a:noFill/>
+          <a:extLst>
+            <a:ext uri="{909E8E84-426E-40DD-AFC4-6F175D3DCCD1}">
+              <a14:hiddenFill xmlns:a14="http://schemas.microsoft.com/office/drawing/2010/main">
+                <a:solidFill>
+                  <a:srgbClr val="FFFFFF"/>
+                </a:solidFill>
+              </a14:hiddenFill>
+            </a:ext>
+          </a:extLst>
+        </p:spPr>
+      </p:pic>
+      <p:pic>
+        <p:nvPicPr>
+          <p:cNvPr id="3080" name="Picture 8" descr="MySQL Sticker - Stickers Devs">
+            <a:extLst>
+              <a:ext uri="{FF2B5EF4-FFF2-40B4-BE49-F238E27FC236}">
+                <a16:creationId xmlns:a16="http://schemas.microsoft.com/office/drawing/2014/main" id="{FA2AE830-A46F-93EF-B6B5-D83E9B549FD7}"/>
+              </a:ext>
+            </a:extLst>
+          </p:cNvPr>
+          <p:cNvPicPr>
+            <a:picLocks noChangeAspect="1" noChangeArrowheads="1"/>
+          </p:cNvPicPr>
+          <p:nvPr/>
+        </p:nvPicPr>
+        <p:blipFill>
+          <a:blip r:embed="rId4">
+            <a:extLst>
+              <a:ext uri="{28A0092B-C50C-407E-A947-70E740481C1C}">
+                <a14:useLocalDpi xmlns:a14="http://schemas.microsoft.com/office/drawing/2010/main" val="0"/>
+              </a:ext>
+            </a:extLst>
+          </a:blip>
+          <a:stretch>
+            <a:fillRect/>
+          </a:stretch>
+        </p:blipFill>
+        <p:spPr bwMode="auto">
+          <a:xfrm>
+            <a:off x="9787199" y="4585648"/>
+            <a:ext cx="1770701" cy="1770701"/>
           </a:xfrm>
           <a:prstGeom prst="rect">
             <a:avLst/>
@@ -6794,7 +12555,7 @@
     </p:spTree>
     <p:extLst>
       <p:ext uri="{BB962C8B-B14F-4D97-AF65-F5344CB8AC3E}">
-        <p14:creationId xmlns:p14="http://schemas.microsoft.com/office/powerpoint/2010/main" val="2378384928"/>
+        <p14:creationId xmlns:p14="http://schemas.microsoft.com/office/powerpoint/2010/main" val="1043309132"/>
       </p:ext>
     </p:extLst>
   </p:cSld>
@@ -6804,9 +12565,17 @@
 </p:sld>
 </file>
 
-<file path=ppt/slides/slide5.xml><?xml version="1.0" encoding="utf-8"?>
+<file path=ppt/slides/slide7.xml><?xml version="1.0" encoding="utf-8"?>
 <p:sld xmlns:a="http://schemas.openxmlformats.org/drawingml/2006/main" xmlns:r="http://schemas.openxmlformats.org/officeDocument/2006/relationships" xmlns:p="http://schemas.openxmlformats.org/presentationml/2006/main">
   <p:cSld>
+    <p:bg>
+      <p:bgPr>
+        <a:solidFill>
+          <a:schemeClr val="bg1"/>
+        </a:solidFill>
+        <a:effectLst/>
+      </p:bgPr>
+    </p:bg>
     <p:spTree>
       <p:nvGrpSpPr>
         <p:cNvPr id="1" name=""/>
@@ -6821,12 +12590,1433 @@
           <a:chExt cx="0" cy="0"/>
         </a:xfrm>
       </p:grpSpPr>
+      <p:sp useBgFill="1">
+        <p:nvSpPr>
+          <p:cNvPr id="8" name="Rectangle 7">
+            <a:extLst>
+              <a:ext uri="{FF2B5EF4-FFF2-40B4-BE49-F238E27FC236}">
+                <a16:creationId xmlns:a16="http://schemas.microsoft.com/office/drawing/2014/main" id="{F837543A-6020-4505-A233-C9DB4BF74011}"/>
+              </a:ext>
+              <a:ext uri="{C183D7F6-B498-43B3-948B-1728B52AA6E4}">
+                <adec:decorative xmlns:adec="http://schemas.microsoft.com/office/drawing/2017/decorative" val="1"/>
+              </a:ext>
+            </a:extLst>
+          </p:cNvPr>
+          <p:cNvSpPr>
+            <a:spLocks noGrp="1" noRot="1" noChangeAspect="1" noMove="1" noResize="1" noEditPoints="1" noAdjustHandles="1" noChangeArrowheads="1" noChangeShapeType="1" noTextEdit="1"/>
+          </p:cNvSpPr>
+          <p:nvPr>
+            <p:extLst>
+              <p:ext uri="{386F3935-93C4-4BCD-93E2-E3B085C9AB24}">
+                <p16:designElem xmlns:p16="http://schemas.microsoft.com/office/powerpoint/2015/main" val="1"/>
+              </p:ext>
+            </p:extLst>
+          </p:nvPr>
+        </p:nvSpPr>
+        <p:spPr>
+          <a:xfrm>
+            <a:off x="3048" y="0"/>
+            <a:ext cx="12188952" cy="6858000"/>
+          </a:xfrm>
+          <a:prstGeom prst="rect">
+            <a:avLst/>
+          </a:prstGeom>
+          <a:ln>
+            <a:noFill/>
+          </a:ln>
+        </p:spPr>
+        <p:style>
+          <a:lnRef idx="2">
+            <a:schemeClr val="accent1">
+              <a:shade val="50000"/>
+            </a:schemeClr>
+          </a:lnRef>
+          <a:fillRef idx="1">
+            <a:schemeClr val="accent1"/>
+          </a:fillRef>
+          <a:effectRef idx="0">
+            <a:schemeClr val="accent1"/>
+          </a:effectRef>
+          <a:fontRef idx="minor">
+            <a:schemeClr val="lt1"/>
+          </a:fontRef>
+        </p:style>
+        <p:txBody>
+          <a:bodyPr rtlCol="0" anchor="ctr"/>
+          <a:lstStyle/>
+          <a:p>
+            <a:pPr algn="ctr"/>
+            <a:endParaRPr lang="en-US"/>
+          </a:p>
+        </p:txBody>
+      </p:sp>
+      <p:sp>
+        <p:nvSpPr>
+          <p:cNvPr id="2" name="Título 1">
+            <a:extLst>
+              <a:ext uri="{FF2B5EF4-FFF2-40B4-BE49-F238E27FC236}">
+                <a16:creationId xmlns:a16="http://schemas.microsoft.com/office/drawing/2014/main" id="{4276DA4E-437A-BFE5-903D-51D21E1CAB57}"/>
+              </a:ext>
+            </a:extLst>
+          </p:cNvPr>
+          <p:cNvSpPr>
+            <a:spLocks noGrp="1"/>
+          </p:cNvSpPr>
+          <p:nvPr>
+            <p:ph type="title"/>
+          </p:nvPr>
+        </p:nvSpPr>
+        <p:spPr>
+          <a:xfrm>
+            <a:off x="838200" y="365125"/>
+            <a:ext cx="5558489" cy="1325563"/>
+          </a:xfrm>
+        </p:spPr>
+        <p:txBody>
+          <a:bodyPr>
+            <a:normAutofit/>
+          </a:bodyPr>
+          <a:lstStyle/>
+          <a:p>
+            <a:r>
+              <a:rPr lang="pt-BR" dirty="0"/>
+              <a:t>Python		</a:t>
+            </a:r>
+          </a:p>
+        </p:txBody>
+      </p:sp>
+      <p:sp>
+        <p:nvSpPr>
+          <p:cNvPr id="10" name="Freeform: Shape 9">
+            <a:extLst>
+              <a:ext uri="{FF2B5EF4-FFF2-40B4-BE49-F238E27FC236}">
+                <a16:creationId xmlns:a16="http://schemas.microsoft.com/office/drawing/2014/main" id="{35B16301-FB18-48BA-A6DD-C37CAF6F9A18}"/>
+              </a:ext>
+              <a:ext uri="{C183D7F6-B498-43B3-948B-1728B52AA6E4}">
+                <adec:decorative xmlns:adec="http://schemas.microsoft.com/office/drawing/2017/decorative" val="1"/>
+              </a:ext>
+            </a:extLst>
+          </p:cNvPr>
+          <p:cNvSpPr>
+            <a:spLocks noGrp="1" noRot="1" noChangeAspect="1" noMove="1" noResize="1" noEditPoints="1" noAdjustHandles="1" noChangeArrowheads="1" noChangeShapeType="1" noTextEdit="1"/>
+          </p:cNvSpPr>
+          <p:nvPr>
+            <p:extLst>
+              <p:ext uri="{386F3935-93C4-4BCD-93E2-E3B085C9AB24}">
+                <p16:designElem xmlns:p16="http://schemas.microsoft.com/office/powerpoint/2015/main" val="1"/>
+              </p:ext>
+            </p:extLst>
+          </p:nvPr>
+        </p:nvSpPr>
+        <p:spPr>
+          <a:xfrm>
+            <a:off x="10208695" y="1"/>
+            <a:ext cx="1135066" cy="477997"/>
+          </a:xfrm>
+          <a:custGeom>
+            <a:avLst/>
+            <a:gdLst>
+              <a:gd name="connsiteX0" fmla="*/ 0 w 1135066"/>
+              <a:gd name="connsiteY0" fmla="*/ 0 h 477997"/>
+              <a:gd name="connsiteX1" fmla="*/ 1135066 w 1135066"/>
+              <a:gd name="connsiteY1" fmla="*/ 0 h 477997"/>
+              <a:gd name="connsiteX2" fmla="*/ 1133370 w 1135066"/>
+              <a:gd name="connsiteY2" fmla="*/ 16827 h 477997"/>
+              <a:gd name="connsiteX3" fmla="*/ 567533 w 1135066"/>
+              <a:gd name="connsiteY3" fmla="*/ 477997 h 477997"/>
+              <a:gd name="connsiteX4" fmla="*/ 1696 w 1135066"/>
+              <a:gd name="connsiteY4" fmla="*/ 16827 h 477997"/>
+            </a:gdLst>
+            <a:ahLst/>
+            <a:cxnLst>
+              <a:cxn ang="0">
+                <a:pos x="connsiteX0" y="connsiteY0"/>
+              </a:cxn>
+              <a:cxn ang="0">
+                <a:pos x="connsiteX1" y="connsiteY1"/>
+              </a:cxn>
+              <a:cxn ang="0">
+                <a:pos x="connsiteX2" y="connsiteY2"/>
+              </a:cxn>
+              <a:cxn ang="0">
+                <a:pos x="connsiteX3" y="connsiteY3"/>
+              </a:cxn>
+              <a:cxn ang="0">
+                <a:pos x="connsiteX4" y="connsiteY4"/>
+              </a:cxn>
+            </a:cxnLst>
+            <a:rect l="l" t="t" r="r" b="b"/>
+            <a:pathLst>
+              <a:path w="1135066" h="477997">
+                <a:moveTo>
+                  <a:pt x="0" y="0"/>
+                </a:moveTo>
+                <a:lnTo>
+                  <a:pt x="1135066" y="0"/>
+                </a:lnTo>
+                <a:lnTo>
+                  <a:pt x="1133370" y="16827"/>
+                </a:lnTo>
+                <a:cubicBezTo>
+                  <a:pt x="1079514" y="280016"/>
+                  <a:pt x="846644" y="477997"/>
+                  <a:pt x="567533" y="477997"/>
+                </a:cubicBezTo>
+                <a:cubicBezTo>
+                  <a:pt x="288422" y="477997"/>
+                  <a:pt x="55552" y="280016"/>
+                  <a:pt x="1696" y="16827"/>
+                </a:cubicBezTo>
+                <a:close/>
+              </a:path>
+            </a:pathLst>
+          </a:custGeom>
+          <a:solidFill>
+            <a:schemeClr val="accent5"/>
+          </a:solidFill>
+          <a:ln>
+            <a:noFill/>
+          </a:ln>
+        </p:spPr>
+        <p:style>
+          <a:lnRef idx="2">
+            <a:schemeClr val="accent1">
+              <a:shade val="50000"/>
+            </a:schemeClr>
+          </a:lnRef>
+          <a:fillRef idx="1">
+            <a:schemeClr val="accent1"/>
+          </a:fillRef>
+          <a:effectRef idx="0">
+            <a:schemeClr val="accent1"/>
+          </a:effectRef>
+          <a:fontRef idx="minor">
+            <a:schemeClr val="lt1"/>
+          </a:fontRef>
+        </p:style>
+        <p:txBody>
+          <a:bodyPr wrap="square" rtlCol="0" anchor="ctr">
+            <a:noAutofit/>
+          </a:bodyPr>
+          <a:lstStyle/>
+          <a:p>
+            <a:pPr algn="ctr"/>
+            <a:endParaRPr lang="en-US"/>
+          </a:p>
+        </p:txBody>
+      </p:sp>
+      <p:sp>
+        <p:nvSpPr>
+          <p:cNvPr id="3" name="Espaço Reservado para Conteúdo 2">
+            <a:extLst>
+              <a:ext uri="{FF2B5EF4-FFF2-40B4-BE49-F238E27FC236}">
+                <a16:creationId xmlns:a16="http://schemas.microsoft.com/office/drawing/2014/main" id="{B9C98198-EE81-D1D1-85BB-DCD07DFBFFC3}"/>
+              </a:ext>
+            </a:extLst>
+          </p:cNvPr>
+          <p:cNvSpPr>
+            <a:spLocks noGrp="1"/>
+          </p:cNvSpPr>
+          <p:nvPr>
+            <p:ph idx="1"/>
+          </p:nvPr>
+        </p:nvSpPr>
+        <p:spPr>
+          <a:xfrm>
+            <a:off x="838200" y="1825625"/>
+            <a:ext cx="5558489" cy="4351338"/>
+          </a:xfrm>
+        </p:spPr>
+        <p:txBody>
+          <a:bodyPr>
+            <a:normAutofit/>
+          </a:bodyPr>
+          <a:lstStyle/>
+          <a:p>
+            <a:r>
+              <a:rPr lang="pt-BR" dirty="0"/>
+              <a:t>Repositório da linguagem, onde você pode contribuir com melhorias  e novas funcionalidades</a:t>
+            </a:r>
+          </a:p>
+          <a:p>
+            <a:endParaRPr lang="pt-BR" dirty="0"/>
+          </a:p>
+          <a:p>
+            <a:pPr lvl="1"/>
+            <a:r>
+              <a:rPr lang="pt-BR" dirty="0">
+                <a:hlinkClick r:id="rId2"/>
+              </a:rPr>
+              <a:t>https://github.com/python</a:t>
+            </a:r>
+            <a:endParaRPr lang="pt-BR" dirty="0"/>
+          </a:p>
+          <a:p>
+            <a:pPr lvl="1"/>
+            <a:endParaRPr lang="pt-BR" dirty="0"/>
+          </a:p>
+          <a:p>
+            <a:pPr lvl="1"/>
+            <a:endParaRPr lang="pt-BR" dirty="0"/>
+          </a:p>
+          <a:p>
+            <a:pPr marL="457200" lvl="1" indent="0">
+              <a:buNone/>
+            </a:pPr>
+            <a:endParaRPr lang="pt-BR" dirty="0"/>
+          </a:p>
+        </p:txBody>
+      </p:sp>
+      <p:sp>
+        <p:nvSpPr>
+          <p:cNvPr id="12" name="Oval 11">
+            <a:extLst>
+              <a:ext uri="{FF2B5EF4-FFF2-40B4-BE49-F238E27FC236}">
+                <a16:creationId xmlns:a16="http://schemas.microsoft.com/office/drawing/2014/main" id="{C3C0D90E-074A-4F52-9B11-B52BEF4BCBE5}"/>
+              </a:ext>
+              <a:ext uri="{C183D7F6-B498-43B3-948B-1728B52AA6E4}">
+                <adec:decorative xmlns:adec="http://schemas.microsoft.com/office/drawing/2017/decorative" val="1"/>
+              </a:ext>
+            </a:extLst>
+          </p:cNvPr>
+          <p:cNvSpPr>
+            <a:spLocks noGrp="1" noRot="1" noChangeAspect="1" noMove="1" noResize="1" noEditPoints="1" noAdjustHandles="1" noChangeArrowheads="1" noChangeShapeType="1" noTextEdit="1"/>
+          </p:cNvSpPr>
+          <p:nvPr>
+            <p:extLst>
+              <p:ext uri="{386F3935-93C4-4BCD-93E2-E3B085C9AB24}">
+                <p16:designElem xmlns:p16="http://schemas.microsoft.com/office/powerpoint/2015/main" val="1"/>
+              </p:ext>
+            </p:extLst>
+          </p:nvPr>
+        </p:nvSpPr>
+        <p:spPr>
+          <a:xfrm>
+            <a:off x="6821310" y="2624479"/>
+            <a:ext cx="812427" cy="812427"/>
+          </a:xfrm>
+          <a:prstGeom prst="ellipse">
+            <a:avLst/>
+          </a:prstGeom>
+          <a:noFill/>
+          <a:ln w="127000">
+            <a:solidFill>
+              <a:schemeClr val="accent5"/>
+            </a:solidFill>
+          </a:ln>
+        </p:spPr>
+        <p:style>
+          <a:lnRef idx="2">
+            <a:schemeClr val="accent1">
+              <a:shade val="50000"/>
+            </a:schemeClr>
+          </a:lnRef>
+          <a:fillRef idx="1">
+            <a:schemeClr val="accent1"/>
+          </a:fillRef>
+          <a:effectRef idx="0">
+            <a:schemeClr val="accent1"/>
+          </a:effectRef>
+          <a:fontRef idx="minor">
+            <a:schemeClr val="lt1"/>
+          </a:fontRef>
+        </p:style>
+        <p:txBody>
+          <a:bodyPr rtlCol="0" anchor="ctr"/>
+          <a:lstStyle/>
+          <a:p>
+            <a:pPr algn="ctr"/>
+            <a:endParaRPr lang="en-US" dirty="0"/>
+          </a:p>
+        </p:txBody>
+      </p:sp>
+      <p:sp>
+        <p:nvSpPr>
+          <p:cNvPr id="14" name="Block Arc 13">
+            <a:extLst>
+              <a:ext uri="{FF2B5EF4-FFF2-40B4-BE49-F238E27FC236}">
+                <a16:creationId xmlns:a16="http://schemas.microsoft.com/office/drawing/2014/main" id="{CABBD4C1-E6F8-46F6-8152-A8A97490BF4D}"/>
+              </a:ext>
+              <a:ext uri="{C183D7F6-B498-43B3-948B-1728B52AA6E4}">
+                <adec:decorative xmlns:adec="http://schemas.microsoft.com/office/drawing/2017/decorative" val="1"/>
+              </a:ext>
+            </a:extLst>
+          </p:cNvPr>
+          <p:cNvSpPr>
+            <a:spLocks noGrp="1" noRot="1" noChangeAspect="1" noMove="1" noResize="1" noEditPoints="1" noAdjustHandles="1" noChangeArrowheads="1" noChangeShapeType="1" noTextEdit="1"/>
+          </p:cNvSpPr>
+          <p:nvPr>
+            <p:extLst>
+              <p:ext uri="{386F3935-93C4-4BCD-93E2-E3B085C9AB24}">
+                <p16:designElem xmlns:p16="http://schemas.microsoft.com/office/powerpoint/2015/main" val="1"/>
+              </p:ext>
+            </p:extLst>
+          </p:nvPr>
+        </p:nvSpPr>
+        <p:spPr>
+          <a:xfrm rot="16200000">
+            <a:off x="8912417" y="1218531"/>
+            <a:ext cx="2387600" cy="2387600"/>
+          </a:xfrm>
+          <a:prstGeom prst="blockArc">
+            <a:avLst/>
+          </a:prstGeom>
+          <a:solidFill>
+            <a:schemeClr val="accent2"/>
+          </a:solidFill>
+          <a:ln>
+            <a:noFill/>
+          </a:ln>
+        </p:spPr>
+        <p:style>
+          <a:lnRef idx="2">
+            <a:schemeClr val="accent1">
+              <a:shade val="50000"/>
+            </a:schemeClr>
+          </a:lnRef>
+          <a:fillRef idx="1">
+            <a:schemeClr val="accent1"/>
+          </a:fillRef>
+          <a:effectRef idx="0">
+            <a:schemeClr val="accent1"/>
+          </a:effectRef>
+          <a:fontRef idx="minor">
+            <a:schemeClr val="lt1"/>
+          </a:fontRef>
+        </p:style>
+        <p:txBody>
+          <a:bodyPr rtlCol="0" anchor="ctr"/>
+          <a:lstStyle/>
+          <a:p>
+            <a:pPr algn="ctr"/>
+            <a:endParaRPr lang="en-US">
+              <a:solidFill>
+                <a:schemeClr val="tx1"/>
+              </a:solidFill>
+            </a:endParaRPr>
+          </a:p>
+        </p:txBody>
+      </p:sp>
+      <p:sp>
+        <p:nvSpPr>
+          <p:cNvPr id="16" name="Freeform: Shape 15">
+            <a:extLst>
+              <a:ext uri="{FF2B5EF4-FFF2-40B4-BE49-F238E27FC236}">
+                <a16:creationId xmlns:a16="http://schemas.microsoft.com/office/drawing/2014/main" id="{83BA5EF5-1FE9-4BF9-83BB-269BCDDF6156}"/>
+              </a:ext>
+              <a:ext uri="{C183D7F6-B498-43B3-948B-1728B52AA6E4}">
+                <adec:decorative xmlns:adec="http://schemas.microsoft.com/office/drawing/2017/decorative" val="1"/>
+              </a:ext>
+            </a:extLst>
+          </p:cNvPr>
+          <p:cNvSpPr>
+            <a:spLocks noGrp="1" noRot="1" noChangeAspect="1" noMove="1" noResize="1" noEditPoints="1" noAdjustHandles="1" noChangeArrowheads="1" noChangeShapeType="1" noTextEdit="1"/>
+          </p:cNvSpPr>
+          <p:nvPr>
+            <p:extLst>
+              <p:ext uri="{386F3935-93C4-4BCD-93E2-E3B085C9AB24}">
+                <p16:designElem xmlns:p16="http://schemas.microsoft.com/office/powerpoint/2015/main" val="1"/>
+              </p:ext>
+            </p:extLst>
+          </p:nvPr>
+        </p:nvSpPr>
+        <p:spPr>
+          <a:xfrm>
+            <a:off x="6821310" y="0"/>
+            <a:ext cx="2315251" cy="1550992"/>
+          </a:xfrm>
+          <a:custGeom>
+            <a:avLst/>
+            <a:gdLst>
+              <a:gd name="connsiteX0" fmla="*/ 0 w 2315251"/>
+              <a:gd name="connsiteY0" fmla="*/ 0 h 1550992"/>
+              <a:gd name="connsiteX1" fmla="*/ 138700 w 2315251"/>
+              <a:gd name="connsiteY1" fmla="*/ 0 h 1550992"/>
+              <a:gd name="connsiteX2" fmla="*/ 138700 w 2315251"/>
+              <a:gd name="connsiteY2" fmla="*/ 1361400 h 1550992"/>
+              <a:gd name="connsiteX3" fmla="*/ 2107387 w 2315251"/>
+              <a:gd name="connsiteY3" fmla="*/ 222673 h 1550992"/>
+              <a:gd name="connsiteX4" fmla="*/ 1722420 w 2315251"/>
+              <a:gd name="connsiteY4" fmla="*/ 0 h 1550992"/>
+              <a:gd name="connsiteX5" fmla="*/ 1999436 w 2315251"/>
+              <a:gd name="connsiteY5" fmla="*/ 0 h 1550992"/>
+              <a:gd name="connsiteX6" fmla="*/ 2280549 w 2315251"/>
+              <a:gd name="connsiteY6" fmla="*/ 162605 h 1550992"/>
+              <a:gd name="connsiteX7" fmla="*/ 2305953 w 2315251"/>
+              <a:gd name="connsiteY7" fmla="*/ 257336 h 1550992"/>
+              <a:gd name="connsiteX8" fmla="*/ 2280549 w 2315251"/>
+              <a:gd name="connsiteY8" fmla="*/ 282740 h 1550992"/>
+              <a:gd name="connsiteX9" fmla="*/ 104026 w 2315251"/>
+              <a:gd name="connsiteY9" fmla="*/ 1541710 h 1550992"/>
+              <a:gd name="connsiteX10" fmla="*/ 69351 w 2315251"/>
+              <a:gd name="connsiteY10" fmla="*/ 1550992 h 1550992"/>
+              <a:gd name="connsiteX11" fmla="*/ 0 w 2315251"/>
+              <a:gd name="connsiteY11" fmla="*/ 1481643 h 1550992"/>
+            </a:gdLst>
+            <a:ahLst/>
+            <a:cxnLst>
+              <a:cxn ang="0">
+                <a:pos x="connsiteX0" y="connsiteY0"/>
+              </a:cxn>
+              <a:cxn ang="0">
+                <a:pos x="connsiteX1" y="connsiteY1"/>
+              </a:cxn>
+              <a:cxn ang="0">
+                <a:pos x="connsiteX2" y="connsiteY2"/>
+              </a:cxn>
+              <a:cxn ang="0">
+                <a:pos x="connsiteX3" y="connsiteY3"/>
+              </a:cxn>
+              <a:cxn ang="0">
+                <a:pos x="connsiteX4" y="connsiteY4"/>
+              </a:cxn>
+              <a:cxn ang="0">
+                <a:pos x="connsiteX5" y="connsiteY5"/>
+              </a:cxn>
+              <a:cxn ang="0">
+                <a:pos x="connsiteX6" y="connsiteY6"/>
+              </a:cxn>
+              <a:cxn ang="0">
+                <a:pos x="connsiteX7" y="connsiteY7"/>
+              </a:cxn>
+              <a:cxn ang="0">
+                <a:pos x="connsiteX8" y="connsiteY8"/>
+              </a:cxn>
+              <a:cxn ang="0">
+                <a:pos x="connsiteX9" y="connsiteY9"/>
+              </a:cxn>
+              <a:cxn ang="0">
+                <a:pos x="connsiteX10" y="connsiteY10"/>
+              </a:cxn>
+              <a:cxn ang="0">
+                <a:pos x="connsiteX11" y="connsiteY11"/>
+              </a:cxn>
+            </a:cxnLst>
+            <a:rect l="l" t="t" r="r" b="b"/>
+            <a:pathLst>
+              <a:path w="2315251" h="1550992">
+                <a:moveTo>
+                  <a:pt x="0" y="0"/>
+                </a:moveTo>
+                <a:lnTo>
+                  <a:pt x="138700" y="0"/>
+                </a:lnTo>
+                <a:lnTo>
+                  <a:pt x="138700" y="1361400"/>
+                </a:lnTo>
+                <a:lnTo>
+                  <a:pt x="2107387" y="222673"/>
+                </a:lnTo>
+                <a:lnTo>
+                  <a:pt x="1722420" y="0"/>
+                </a:lnTo>
+                <a:lnTo>
+                  <a:pt x="1999436" y="0"/>
+                </a:lnTo>
+                <a:lnTo>
+                  <a:pt x="2280549" y="162605"/>
+                </a:lnTo>
+                <a:cubicBezTo>
+                  <a:pt x="2313720" y="181745"/>
+                  <a:pt x="2325104" y="224155"/>
+                  <a:pt x="2305953" y="257336"/>
+                </a:cubicBezTo>
+                <a:cubicBezTo>
+                  <a:pt x="2299872" y="267889"/>
+                  <a:pt x="2291101" y="276648"/>
+                  <a:pt x="2280549" y="282740"/>
+                </a:cubicBezTo>
+                <a:lnTo>
+                  <a:pt x="104026" y="1541710"/>
+                </a:lnTo>
+                <a:cubicBezTo>
+                  <a:pt x="93484" y="1547802"/>
+                  <a:pt x="81523" y="1551003"/>
+                  <a:pt x="69351" y="1550992"/>
+                </a:cubicBezTo>
+                <a:cubicBezTo>
+                  <a:pt x="31049" y="1550992"/>
+                  <a:pt x="0" y="1519944"/>
+                  <a:pt x="0" y="1481643"/>
+                </a:cubicBezTo>
+                <a:close/>
+              </a:path>
+            </a:pathLst>
+          </a:custGeom>
+          <a:solidFill>
+            <a:schemeClr val="accent6"/>
+          </a:solidFill>
+          <a:ln w="9525" cap="flat">
+            <a:noFill/>
+            <a:prstDash val="solid"/>
+            <a:miter/>
+          </a:ln>
+        </p:spPr>
+        <p:txBody>
+          <a:bodyPr rtlCol="0" anchor="ctr"/>
+          <a:lstStyle/>
+          <a:p>
+            <a:endParaRPr lang="en-US" dirty="0"/>
+          </a:p>
+        </p:txBody>
+      </p:sp>
+      <p:cxnSp>
+        <p:nvCxnSpPr>
+          <p:cNvPr id="18" name="Straight Connector 17">
+            <a:extLst>
+              <a:ext uri="{FF2B5EF4-FFF2-40B4-BE49-F238E27FC236}">
+                <a16:creationId xmlns:a16="http://schemas.microsoft.com/office/drawing/2014/main" id="{4B3BCACB-5880-460B-9606-8C433A9AF99D}"/>
+              </a:ext>
+              <a:ext uri="{C183D7F6-B498-43B3-948B-1728B52AA6E4}">
+                <adec:decorative xmlns:adec="http://schemas.microsoft.com/office/drawing/2017/decorative" val="1"/>
+              </a:ext>
+            </a:extLst>
+          </p:cNvPr>
+          <p:cNvCxnSpPr>
+            <a:cxnSpLocks noGrp="1" noRot="1" noChangeAspect="1" noMove="1" noResize="1" noEditPoints="1" noAdjustHandles="1" noChangeArrowheads="1" noChangeShapeType="1"/>
+          </p:cNvCxnSpPr>
+          <p:nvPr>
+            <p:extLst>
+              <p:ext uri="{386F3935-93C4-4BCD-93E2-E3B085C9AB24}">
+                <p16:designElem xmlns:p16="http://schemas.microsoft.com/office/powerpoint/2015/main" val="1"/>
+              </p:ext>
+            </p:extLst>
+          </p:nvPr>
+        </p:nvCxnSpPr>
+        <p:spPr>
+          <a:xfrm>
+            <a:off x="11724638" y="1331572"/>
+            <a:ext cx="0" cy="1597708"/>
+          </a:xfrm>
+          <a:prstGeom prst="line">
+            <a:avLst/>
+          </a:prstGeom>
+          <a:ln w="127000" cap="rnd">
+            <a:solidFill>
+              <a:schemeClr val="accent4"/>
+            </a:solidFill>
+            <a:prstDash val="dash"/>
+          </a:ln>
+        </p:spPr>
+        <p:style>
+          <a:lnRef idx="1">
+            <a:schemeClr val="accent1"/>
+          </a:lnRef>
+          <a:fillRef idx="0">
+            <a:schemeClr val="accent1"/>
+          </a:fillRef>
+          <a:effectRef idx="0">
+            <a:schemeClr val="accent1"/>
+          </a:effectRef>
+          <a:fontRef idx="minor">
+            <a:schemeClr val="tx1"/>
+          </a:fontRef>
+        </p:style>
+      </p:cxnSp>
+      <p:sp>
+        <p:nvSpPr>
+          <p:cNvPr id="20" name="Freeform: Shape 19">
+            <a:extLst>
+              <a:ext uri="{FF2B5EF4-FFF2-40B4-BE49-F238E27FC236}">
+                <a16:creationId xmlns:a16="http://schemas.microsoft.com/office/drawing/2014/main" id="{88853921-7BC9-4BDE-ACAB-133C683C82D6}"/>
+              </a:ext>
+              <a:ext uri="{C183D7F6-B498-43B3-948B-1728B52AA6E4}">
+                <adec:decorative xmlns:adec="http://schemas.microsoft.com/office/drawing/2017/decorative" val="1"/>
+              </a:ext>
+            </a:extLst>
+          </p:cNvPr>
+          <p:cNvSpPr>
+            <a:spLocks noGrp="1" noRot="1" noChangeAspect="1" noMove="1" noResize="1" noEditPoints="1" noAdjustHandles="1" noChangeArrowheads="1" noChangeShapeType="1" noTextEdit="1"/>
+          </p:cNvSpPr>
+          <p:nvPr>
+            <p:extLst>
+              <p:ext uri="{386F3935-93C4-4BCD-93E2-E3B085C9AB24}">
+                <p16:designElem xmlns:p16="http://schemas.microsoft.com/office/powerpoint/2015/main" val="1"/>
+              </p:ext>
+            </p:extLst>
+          </p:nvPr>
+        </p:nvSpPr>
+        <p:spPr>
+          <a:xfrm>
+            <a:off x="11005550" y="4112081"/>
+            <a:ext cx="1186451" cy="1771650"/>
+          </a:xfrm>
+          <a:custGeom>
+            <a:avLst/>
+            <a:gdLst>
+              <a:gd name="connsiteX0" fmla="*/ 61913 w 1186451"/>
+              <a:gd name="connsiteY0" fmla="*/ 0 h 1771650"/>
+              <a:gd name="connsiteX1" fmla="*/ 1186451 w 1186451"/>
+              <a:gd name="connsiteY1" fmla="*/ 0 h 1771650"/>
+              <a:gd name="connsiteX2" fmla="*/ 1186451 w 1186451"/>
+              <a:gd name="connsiteY2" fmla="*/ 123825 h 1771650"/>
+              <a:gd name="connsiteX3" fmla="*/ 123825 w 1186451"/>
+              <a:gd name="connsiteY3" fmla="*/ 123825 h 1771650"/>
+              <a:gd name="connsiteX4" fmla="*/ 123825 w 1186451"/>
+              <a:gd name="connsiteY4" fmla="*/ 1647825 h 1771650"/>
+              <a:gd name="connsiteX5" fmla="*/ 1186451 w 1186451"/>
+              <a:gd name="connsiteY5" fmla="*/ 1647825 h 1771650"/>
+              <a:gd name="connsiteX6" fmla="*/ 1186451 w 1186451"/>
+              <a:gd name="connsiteY6" fmla="*/ 1771650 h 1771650"/>
+              <a:gd name="connsiteX7" fmla="*/ 61913 w 1186451"/>
+              <a:gd name="connsiteY7" fmla="*/ 1771650 h 1771650"/>
+              <a:gd name="connsiteX8" fmla="*/ 0 w 1186451"/>
+              <a:gd name="connsiteY8" fmla="*/ 1709738 h 1771650"/>
+              <a:gd name="connsiteX9" fmla="*/ 0 w 1186451"/>
+              <a:gd name="connsiteY9" fmla="*/ 61913 h 1771650"/>
+              <a:gd name="connsiteX10" fmla="*/ 61913 w 1186451"/>
+              <a:gd name="connsiteY10" fmla="*/ 0 h 1771650"/>
+            </a:gdLst>
+            <a:ahLst/>
+            <a:cxnLst>
+              <a:cxn ang="0">
+                <a:pos x="connsiteX0" y="connsiteY0"/>
+              </a:cxn>
+              <a:cxn ang="0">
+                <a:pos x="connsiteX1" y="connsiteY1"/>
+              </a:cxn>
+              <a:cxn ang="0">
+                <a:pos x="connsiteX2" y="connsiteY2"/>
+              </a:cxn>
+              <a:cxn ang="0">
+                <a:pos x="connsiteX3" y="connsiteY3"/>
+              </a:cxn>
+              <a:cxn ang="0">
+                <a:pos x="connsiteX4" y="connsiteY4"/>
+              </a:cxn>
+              <a:cxn ang="0">
+                <a:pos x="connsiteX5" y="connsiteY5"/>
+              </a:cxn>
+              <a:cxn ang="0">
+                <a:pos x="connsiteX6" y="connsiteY6"/>
+              </a:cxn>
+              <a:cxn ang="0">
+                <a:pos x="connsiteX7" y="connsiteY7"/>
+              </a:cxn>
+              <a:cxn ang="0">
+                <a:pos x="connsiteX8" y="connsiteY8"/>
+              </a:cxn>
+              <a:cxn ang="0">
+                <a:pos x="connsiteX9" y="connsiteY9"/>
+              </a:cxn>
+              <a:cxn ang="0">
+                <a:pos x="connsiteX10" y="connsiteY10"/>
+              </a:cxn>
+            </a:cxnLst>
+            <a:rect l="l" t="t" r="r" b="b"/>
+            <a:pathLst>
+              <a:path w="1186451" h="1771650">
+                <a:moveTo>
+                  <a:pt x="61913" y="0"/>
+                </a:moveTo>
+                <a:lnTo>
+                  <a:pt x="1186451" y="0"/>
+                </a:lnTo>
+                <a:lnTo>
+                  <a:pt x="1186451" y="123825"/>
+                </a:lnTo>
+                <a:lnTo>
+                  <a:pt x="123825" y="123825"/>
+                </a:lnTo>
+                <a:lnTo>
+                  <a:pt x="123825" y="1647825"/>
+                </a:lnTo>
+                <a:lnTo>
+                  <a:pt x="1186451" y="1647825"/>
+                </a:lnTo>
+                <a:lnTo>
+                  <a:pt x="1186451" y="1771650"/>
+                </a:lnTo>
+                <a:lnTo>
+                  <a:pt x="61913" y="1771650"/>
+                </a:lnTo>
+                <a:cubicBezTo>
+                  <a:pt x="27719" y="1771650"/>
+                  <a:pt x="0" y="1743932"/>
+                  <a:pt x="0" y="1709738"/>
+                </a:cubicBezTo>
+                <a:lnTo>
+                  <a:pt x="0" y="61913"/>
+                </a:lnTo>
+                <a:cubicBezTo>
+                  <a:pt x="0" y="27719"/>
+                  <a:pt x="27719" y="0"/>
+                  <a:pt x="61913" y="0"/>
+                </a:cubicBezTo>
+                <a:close/>
+              </a:path>
+            </a:pathLst>
+          </a:custGeom>
+          <a:solidFill>
+            <a:schemeClr val="accent6"/>
+          </a:solidFill>
+          <a:ln w="9525" cap="flat">
+            <a:noFill/>
+            <a:prstDash val="solid"/>
+            <a:miter/>
+          </a:ln>
+        </p:spPr>
+        <p:txBody>
+          <a:bodyPr rtlCol="0" anchor="ctr"/>
+          <a:lstStyle/>
+          <a:p>
+            <a:endParaRPr lang="en-US"/>
+          </a:p>
+        </p:txBody>
+      </p:sp>
+      <p:sp>
+        <p:nvSpPr>
+          <p:cNvPr id="22" name="Arc 21">
+            <a:extLst>
+              <a:ext uri="{FF2B5EF4-FFF2-40B4-BE49-F238E27FC236}">
+                <a16:creationId xmlns:a16="http://schemas.microsoft.com/office/drawing/2014/main" id="{09192968-3AE7-4470-A61C-97294BB92731}"/>
+              </a:ext>
+              <a:ext uri="{C183D7F6-B498-43B3-948B-1728B52AA6E4}">
+                <adec:decorative xmlns:adec="http://schemas.microsoft.com/office/drawing/2017/decorative" val="1"/>
+              </a:ext>
+            </a:extLst>
+          </p:cNvPr>
+          <p:cNvSpPr>
+            <a:spLocks noGrp="1" noRot="1" noChangeAspect="1" noMove="1" noResize="1" noEditPoints="1" noAdjustHandles="1" noChangeArrowheads="1" noChangeShapeType="1" noTextEdit="1"/>
+          </p:cNvSpPr>
+          <p:nvPr>
+            <p:extLst>
+              <p:ext uri="{386F3935-93C4-4BCD-93E2-E3B085C9AB24}">
+                <p16:designElem xmlns:p16="http://schemas.microsoft.com/office/powerpoint/2015/main" val="1"/>
+              </p:ext>
+            </p:extLst>
+          </p:nvPr>
+        </p:nvSpPr>
+        <p:spPr>
+          <a:xfrm rot="20992895">
+            <a:off x="6086940" y="4145122"/>
+            <a:ext cx="4083433" cy="4083433"/>
+          </a:xfrm>
+          <a:prstGeom prst="arc">
+            <a:avLst/>
+          </a:prstGeom>
+          <a:ln w="127000" cap="rnd">
+            <a:solidFill>
+              <a:schemeClr val="accent4"/>
+            </a:solidFill>
+            <a:prstDash val="dash"/>
+          </a:ln>
+        </p:spPr>
+        <p:style>
+          <a:lnRef idx="1">
+            <a:schemeClr val="accent1"/>
+          </a:lnRef>
+          <a:fillRef idx="0">
+            <a:schemeClr val="accent1"/>
+          </a:fillRef>
+          <a:effectRef idx="0">
+            <a:schemeClr val="accent1"/>
+          </a:effectRef>
+          <a:fontRef idx="minor">
+            <a:schemeClr val="tx1"/>
+          </a:fontRef>
+        </p:style>
+        <p:txBody>
+          <a:bodyPr rtlCol="0" anchor="ctr"/>
+          <a:lstStyle/>
+          <a:p>
+            <a:pPr algn="ctr"/>
+            <a:endParaRPr lang="en-US" dirty="0"/>
+          </a:p>
+        </p:txBody>
+      </p:sp>
+      <p:sp>
+        <p:nvSpPr>
+          <p:cNvPr id="24" name="Freeform: Shape 23">
+            <a:extLst>
+              <a:ext uri="{FF2B5EF4-FFF2-40B4-BE49-F238E27FC236}">
+                <a16:creationId xmlns:a16="http://schemas.microsoft.com/office/drawing/2014/main" id="{3AB72E55-43E4-4356-BFE8-E2102CB0B505}"/>
+              </a:ext>
+              <a:ext uri="{C183D7F6-B498-43B3-948B-1728B52AA6E4}">
+                <adec:decorative xmlns:adec="http://schemas.microsoft.com/office/drawing/2017/decorative" val="1"/>
+              </a:ext>
+            </a:extLst>
+          </p:cNvPr>
+          <p:cNvSpPr>
+            <a:spLocks noGrp="1" noRot="1" noChangeAspect="1" noMove="1" noResize="1" noEditPoints="1" noAdjustHandles="1" noChangeArrowheads="1" noChangeShapeType="1" noTextEdit="1"/>
+          </p:cNvSpPr>
+          <p:nvPr>
+            <p:extLst>
+              <p:ext uri="{386F3935-93C4-4BCD-93E2-E3B085C9AB24}">
+                <p16:designElem xmlns:p16="http://schemas.microsoft.com/office/powerpoint/2015/main" val="1"/>
+              </p:ext>
+            </p:extLst>
+          </p:nvPr>
+        </p:nvSpPr>
+        <p:spPr>
+          <a:xfrm>
+            <a:off x="6821310" y="4962670"/>
+            <a:ext cx="2643352" cy="1895331"/>
+          </a:xfrm>
+          <a:custGeom>
+            <a:avLst/>
+            <a:gdLst>
+              <a:gd name="connsiteX0" fmla="*/ 1321676 w 2643352"/>
+              <a:gd name="connsiteY0" fmla="*/ 0 h 1895331"/>
+              <a:gd name="connsiteX1" fmla="*/ 2643352 w 2643352"/>
+              <a:gd name="connsiteY1" fmla="*/ 1321676 h 1895331"/>
+              <a:gd name="connsiteX2" fmla="*/ 2539488 w 2643352"/>
+              <a:gd name="connsiteY2" fmla="*/ 1836132 h 1895331"/>
+              <a:gd name="connsiteX3" fmla="*/ 2510970 w 2643352"/>
+              <a:gd name="connsiteY3" fmla="*/ 1895331 h 1895331"/>
+              <a:gd name="connsiteX4" fmla="*/ 132382 w 2643352"/>
+              <a:gd name="connsiteY4" fmla="*/ 1895331 h 1895331"/>
+              <a:gd name="connsiteX5" fmla="*/ 103864 w 2643352"/>
+              <a:gd name="connsiteY5" fmla="*/ 1836132 h 1895331"/>
+              <a:gd name="connsiteX6" fmla="*/ 0 w 2643352"/>
+              <a:gd name="connsiteY6" fmla="*/ 1321676 h 1895331"/>
+              <a:gd name="connsiteX7" fmla="*/ 1321676 w 2643352"/>
+              <a:gd name="connsiteY7" fmla="*/ 0 h 1895331"/>
+            </a:gdLst>
+            <a:ahLst/>
+            <a:cxnLst>
+              <a:cxn ang="0">
+                <a:pos x="connsiteX0" y="connsiteY0"/>
+              </a:cxn>
+              <a:cxn ang="0">
+                <a:pos x="connsiteX1" y="connsiteY1"/>
+              </a:cxn>
+              <a:cxn ang="0">
+                <a:pos x="connsiteX2" y="connsiteY2"/>
+              </a:cxn>
+              <a:cxn ang="0">
+                <a:pos x="connsiteX3" y="connsiteY3"/>
+              </a:cxn>
+              <a:cxn ang="0">
+                <a:pos x="connsiteX4" y="connsiteY4"/>
+              </a:cxn>
+              <a:cxn ang="0">
+                <a:pos x="connsiteX5" y="connsiteY5"/>
+              </a:cxn>
+              <a:cxn ang="0">
+                <a:pos x="connsiteX6" y="connsiteY6"/>
+              </a:cxn>
+              <a:cxn ang="0">
+                <a:pos x="connsiteX7" y="connsiteY7"/>
+              </a:cxn>
+            </a:cxnLst>
+            <a:rect l="l" t="t" r="r" b="b"/>
+            <a:pathLst>
+              <a:path w="2643352" h="1895331">
+                <a:moveTo>
+                  <a:pt x="1321676" y="0"/>
+                </a:moveTo>
+                <a:cubicBezTo>
+                  <a:pt x="2051617" y="0"/>
+                  <a:pt x="2643352" y="591735"/>
+                  <a:pt x="2643352" y="1321676"/>
+                </a:cubicBezTo>
+                <a:cubicBezTo>
+                  <a:pt x="2643352" y="1504161"/>
+                  <a:pt x="2606369" y="1678009"/>
+                  <a:pt x="2539488" y="1836132"/>
+                </a:cubicBezTo>
+                <a:lnTo>
+                  <a:pt x="2510970" y="1895331"/>
+                </a:lnTo>
+                <a:lnTo>
+                  <a:pt x="132382" y="1895331"/>
+                </a:lnTo>
+                <a:lnTo>
+                  <a:pt x="103864" y="1836132"/>
+                </a:lnTo>
+                <a:cubicBezTo>
+                  <a:pt x="36984" y="1678009"/>
+                  <a:pt x="0" y="1504161"/>
+                  <a:pt x="0" y="1321676"/>
+                </a:cubicBezTo>
+                <a:cubicBezTo>
+                  <a:pt x="0" y="591735"/>
+                  <a:pt x="591735" y="0"/>
+                  <a:pt x="1321676" y="0"/>
+                </a:cubicBezTo>
+                <a:close/>
+              </a:path>
+            </a:pathLst>
+          </a:custGeom>
+          <a:solidFill>
+            <a:schemeClr val="accent2"/>
+          </a:solidFill>
+          <a:ln>
+            <a:noFill/>
+          </a:ln>
+        </p:spPr>
+        <p:style>
+          <a:lnRef idx="2">
+            <a:schemeClr val="accent1">
+              <a:shade val="50000"/>
+            </a:schemeClr>
+          </a:lnRef>
+          <a:fillRef idx="1">
+            <a:schemeClr val="accent1"/>
+          </a:fillRef>
+          <a:effectRef idx="0">
+            <a:schemeClr val="accent1"/>
+          </a:effectRef>
+          <a:fontRef idx="minor">
+            <a:schemeClr val="lt1"/>
+          </a:fontRef>
+        </p:style>
+        <p:txBody>
+          <a:bodyPr rtlCol="0" anchor="ctr"/>
+          <a:lstStyle/>
+          <a:p>
+            <a:pPr algn="ctr"/>
+            <a:endParaRPr lang="en-US"/>
+          </a:p>
+        </p:txBody>
+      </p:sp>
+    </p:spTree>
+    <p:extLst>
+      <p:ext uri="{BB962C8B-B14F-4D97-AF65-F5344CB8AC3E}">
+        <p14:creationId xmlns:p14="http://schemas.microsoft.com/office/powerpoint/2010/main" val="4292516510"/>
+      </p:ext>
+    </p:extLst>
+  </p:cSld>
+  <p:clrMapOvr>
+    <a:masterClrMapping/>
+  </p:clrMapOvr>
+</p:sld>
+</file>
+
+<file path=ppt/slides/slide8.xml><?xml version="1.0" encoding="utf-8"?>
+<p:sld xmlns:a="http://schemas.openxmlformats.org/drawingml/2006/main" xmlns:r="http://schemas.openxmlformats.org/officeDocument/2006/relationships" xmlns:p="http://schemas.openxmlformats.org/presentationml/2006/main">
+  <p:cSld>
+    <p:bg>
+      <p:bgPr>
+        <a:solidFill>
+          <a:schemeClr val="bg1"/>
+        </a:solidFill>
+        <a:effectLst/>
+      </p:bgPr>
+    </p:bg>
+    <p:spTree>
+      <p:nvGrpSpPr>
+        <p:cNvPr id="1" name=""/>
+        <p:cNvGrpSpPr/>
+        <p:nvPr/>
+      </p:nvGrpSpPr>
+      <p:grpSpPr>
+        <a:xfrm>
+          <a:off x="0" y="0"/>
+          <a:ext cx="0" cy="0"/>
+          <a:chOff x="0" y="0"/>
+          <a:chExt cx="0" cy="0"/>
+        </a:xfrm>
+      </p:grpSpPr>
+      <p:sp useBgFill="1">
+        <p:nvSpPr>
+          <p:cNvPr id="4114" name="Rectangle 4113">
+            <a:extLst>
+              <a:ext uri="{FF2B5EF4-FFF2-40B4-BE49-F238E27FC236}">
+                <a16:creationId xmlns:a16="http://schemas.microsoft.com/office/drawing/2014/main" id="{77C59BEC-C4CC-4741-B975-08C543178D3D}"/>
+              </a:ext>
+              <a:ext uri="{C183D7F6-B498-43B3-948B-1728B52AA6E4}">
+                <adec:decorative xmlns:adec="http://schemas.microsoft.com/office/drawing/2017/decorative" val="1"/>
+              </a:ext>
+            </a:extLst>
+          </p:cNvPr>
+          <p:cNvSpPr>
+            <a:spLocks noGrp="1" noRot="1" noChangeAspect="1" noMove="1" noResize="1" noEditPoints="1" noAdjustHandles="1" noChangeArrowheads="1" noChangeShapeType="1" noTextEdit="1"/>
+          </p:cNvSpPr>
+          <p:nvPr>
+            <p:extLst>
+              <p:ext uri="{386F3935-93C4-4BCD-93E2-E3B085C9AB24}">
+                <p16:designElem xmlns:p16="http://schemas.microsoft.com/office/powerpoint/2015/main" val="1"/>
+              </p:ext>
+            </p:extLst>
+          </p:nvPr>
+        </p:nvSpPr>
+        <p:spPr bwMode="white">
+          <a:xfrm>
+            <a:off x="0" y="0"/>
+            <a:ext cx="12192000" cy="6858000"/>
+          </a:xfrm>
+          <a:prstGeom prst="rect">
+            <a:avLst/>
+          </a:prstGeom>
+          <a:ln>
+            <a:noFill/>
+          </a:ln>
+        </p:spPr>
+        <p:style>
+          <a:lnRef idx="2">
+            <a:schemeClr val="accent1">
+              <a:shade val="50000"/>
+            </a:schemeClr>
+          </a:lnRef>
+          <a:fillRef idx="1">
+            <a:schemeClr val="accent1"/>
+          </a:fillRef>
+          <a:effectRef idx="0">
+            <a:schemeClr val="accent1"/>
+          </a:effectRef>
+          <a:fontRef idx="minor">
+            <a:schemeClr val="lt1"/>
+          </a:fontRef>
+        </p:style>
+        <p:txBody>
+          <a:bodyPr rtlCol="0" anchor="ctr"/>
+          <a:lstStyle>
+            <a:defPPr>
+              <a:defRPr lang="en-US"/>
+            </a:defPPr>
+            <a:lvl1pPr marL="0" algn="l" defTabSz="914400" rtl="0" eaLnBrk="1" latinLnBrk="0" hangingPunct="1">
+              <a:defRPr sz="1800" kern="1200">
+                <a:solidFill>
+                  <a:schemeClr val="lt1"/>
+                </a:solidFill>
+                <a:latin typeface="+mn-lt"/>
+                <a:ea typeface="+mn-ea"/>
+                <a:cs typeface="+mn-cs"/>
+              </a:defRPr>
+            </a:lvl1pPr>
+            <a:lvl2pPr marL="457200" algn="l" defTabSz="914400" rtl="0" eaLnBrk="1" latinLnBrk="0" hangingPunct="1">
+              <a:defRPr sz="1800" kern="1200">
+                <a:solidFill>
+                  <a:schemeClr val="lt1"/>
+                </a:solidFill>
+                <a:latin typeface="+mn-lt"/>
+                <a:ea typeface="+mn-ea"/>
+                <a:cs typeface="+mn-cs"/>
+              </a:defRPr>
+            </a:lvl2pPr>
+            <a:lvl3pPr marL="914400" algn="l" defTabSz="914400" rtl="0" eaLnBrk="1" latinLnBrk="0" hangingPunct="1">
+              <a:defRPr sz="1800" kern="1200">
+                <a:solidFill>
+                  <a:schemeClr val="lt1"/>
+                </a:solidFill>
+                <a:latin typeface="+mn-lt"/>
+                <a:ea typeface="+mn-ea"/>
+                <a:cs typeface="+mn-cs"/>
+              </a:defRPr>
+            </a:lvl3pPr>
+            <a:lvl4pPr marL="1371600" algn="l" defTabSz="914400" rtl="0" eaLnBrk="1" latinLnBrk="0" hangingPunct="1">
+              <a:defRPr sz="1800" kern="1200">
+                <a:solidFill>
+                  <a:schemeClr val="lt1"/>
+                </a:solidFill>
+                <a:latin typeface="+mn-lt"/>
+                <a:ea typeface="+mn-ea"/>
+                <a:cs typeface="+mn-cs"/>
+              </a:defRPr>
+            </a:lvl4pPr>
+            <a:lvl5pPr marL="1828800" algn="l" defTabSz="914400" rtl="0" eaLnBrk="1" latinLnBrk="0" hangingPunct="1">
+              <a:defRPr sz="1800" kern="1200">
+                <a:solidFill>
+                  <a:schemeClr val="lt1"/>
+                </a:solidFill>
+                <a:latin typeface="+mn-lt"/>
+                <a:ea typeface="+mn-ea"/>
+                <a:cs typeface="+mn-cs"/>
+              </a:defRPr>
+            </a:lvl5pPr>
+            <a:lvl6pPr marL="2286000" algn="l" defTabSz="914400" rtl="0" eaLnBrk="1" latinLnBrk="0" hangingPunct="1">
+              <a:defRPr sz="1800" kern="1200">
+                <a:solidFill>
+                  <a:schemeClr val="lt1"/>
+                </a:solidFill>
+                <a:latin typeface="+mn-lt"/>
+                <a:ea typeface="+mn-ea"/>
+                <a:cs typeface="+mn-cs"/>
+              </a:defRPr>
+            </a:lvl6pPr>
+            <a:lvl7pPr marL="2743200" algn="l" defTabSz="914400" rtl="0" eaLnBrk="1" latinLnBrk="0" hangingPunct="1">
+              <a:defRPr sz="1800" kern="1200">
+                <a:solidFill>
+                  <a:schemeClr val="lt1"/>
+                </a:solidFill>
+                <a:latin typeface="+mn-lt"/>
+                <a:ea typeface="+mn-ea"/>
+                <a:cs typeface="+mn-cs"/>
+              </a:defRPr>
+            </a:lvl7pPr>
+            <a:lvl8pPr marL="3200400" algn="l" defTabSz="914400" rtl="0" eaLnBrk="1" latinLnBrk="0" hangingPunct="1">
+              <a:defRPr sz="1800" kern="1200">
+                <a:solidFill>
+                  <a:schemeClr val="lt1"/>
+                </a:solidFill>
+                <a:latin typeface="+mn-lt"/>
+                <a:ea typeface="+mn-ea"/>
+                <a:cs typeface="+mn-cs"/>
+              </a:defRPr>
+            </a:lvl8pPr>
+            <a:lvl9pPr marL="3657600" algn="l" defTabSz="914400" rtl="0" eaLnBrk="1" latinLnBrk="0" hangingPunct="1">
+              <a:defRPr sz="1800" kern="1200">
+                <a:solidFill>
+                  <a:schemeClr val="lt1"/>
+                </a:solidFill>
+                <a:latin typeface="+mn-lt"/>
+                <a:ea typeface="+mn-ea"/>
+                <a:cs typeface="+mn-cs"/>
+              </a:defRPr>
+            </a:lvl9pPr>
+          </a:lstStyle>
+          <a:p>
+            <a:pPr algn="ctr"/>
+            <a:endParaRPr lang="en-US"/>
+          </a:p>
+        </p:txBody>
+      </p:sp>
+      <p:sp>
+        <p:nvSpPr>
+          <p:cNvPr id="4116" name="Arc 4115">
+            <a:extLst>
+              <a:ext uri="{FF2B5EF4-FFF2-40B4-BE49-F238E27FC236}">
+                <a16:creationId xmlns:a16="http://schemas.microsoft.com/office/drawing/2014/main" id="{72DEF309-605D-4117-9340-6D589B6C3A34}"/>
+              </a:ext>
+              <a:ext uri="{C183D7F6-B498-43B3-948B-1728B52AA6E4}">
+                <adec:decorative xmlns:adec="http://schemas.microsoft.com/office/drawing/2017/decorative" val="1"/>
+              </a:ext>
+            </a:extLst>
+          </p:cNvPr>
+          <p:cNvSpPr>
+            <a:spLocks noGrp="1" noRot="1" noChangeAspect="1" noMove="1" noResize="1" noEditPoints="1" noAdjustHandles="1" noChangeArrowheads="1" noChangeShapeType="1" noTextEdit="1"/>
+          </p:cNvSpPr>
+          <p:nvPr>
+            <p:extLst>
+              <p:ext uri="{386F3935-93C4-4BCD-93E2-E3B085C9AB24}">
+                <p16:designElem xmlns:p16="http://schemas.microsoft.com/office/powerpoint/2015/main" val="1"/>
+              </p:ext>
+            </p:extLst>
+          </p:nvPr>
+        </p:nvSpPr>
+        <p:spPr>
+          <a:xfrm rot="13986173" flipV="1">
+            <a:off x="3930947" y="651615"/>
+            <a:ext cx="4083433" cy="4083433"/>
+          </a:xfrm>
+          <a:prstGeom prst="arc">
+            <a:avLst>
+              <a:gd name="adj1" fmla="val 16200000"/>
+              <a:gd name="adj2" fmla="val 20093138"/>
+            </a:avLst>
+          </a:prstGeom>
+          <a:ln w="127000" cap="rnd">
+            <a:solidFill>
+              <a:schemeClr val="accent4"/>
+            </a:solidFill>
+            <a:prstDash val="dash"/>
+          </a:ln>
+        </p:spPr>
+        <p:style>
+          <a:lnRef idx="1">
+            <a:schemeClr val="accent1"/>
+          </a:lnRef>
+          <a:fillRef idx="0">
+            <a:schemeClr val="accent1"/>
+          </a:fillRef>
+          <a:effectRef idx="0">
+            <a:schemeClr val="accent1"/>
+          </a:effectRef>
+          <a:fontRef idx="minor">
+            <a:schemeClr val="tx1"/>
+          </a:fontRef>
+        </p:style>
+        <p:txBody>
+          <a:bodyPr rtlCol="0" anchor="ctr"/>
+          <a:lstStyle/>
+          <a:p>
+            <a:pPr algn="ctr"/>
+            <a:endParaRPr lang="en-US" dirty="0"/>
+          </a:p>
+        </p:txBody>
+      </p:sp>
+      <p:sp>
+        <p:nvSpPr>
+          <p:cNvPr id="2" name="Título 1">
+            <a:extLst>
+              <a:ext uri="{FF2B5EF4-FFF2-40B4-BE49-F238E27FC236}">
+                <a16:creationId xmlns:a16="http://schemas.microsoft.com/office/drawing/2014/main" id="{FB07AB14-0928-1B00-1F1C-1935897DB7E4}"/>
+              </a:ext>
+            </a:extLst>
+          </p:cNvPr>
+          <p:cNvSpPr>
+            <a:spLocks noGrp="1"/>
+          </p:cNvSpPr>
+          <p:nvPr>
+            <p:ph type="title"/>
+          </p:nvPr>
+        </p:nvSpPr>
+        <p:spPr>
+          <a:xfrm>
+            <a:off x="838200" y="365125"/>
+            <a:ext cx="10515599" cy="1325563"/>
+          </a:xfrm>
+        </p:spPr>
+        <p:txBody>
+          <a:bodyPr>
+            <a:normAutofit/>
+          </a:bodyPr>
+          <a:lstStyle/>
+          <a:p>
+            <a:r>
+              <a:rPr lang="pt-BR"/>
+              <a:t>Sistemas Operacionais</a:t>
+            </a:r>
+          </a:p>
+        </p:txBody>
+      </p:sp>
+      <p:sp>
+        <p:nvSpPr>
+          <p:cNvPr id="3" name="Espaço Reservado para Conteúdo 2">
+            <a:extLst>
+              <a:ext uri="{FF2B5EF4-FFF2-40B4-BE49-F238E27FC236}">
+                <a16:creationId xmlns:a16="http://schemas.microsoft.com/office/drawing/2014/main" id="{93F3D177-2C42-894B-5061-59B4450D2873}"/>
+              </a:ext>
+            </a:extLst>
+          </p:cNvPr>
+          <p:cNvSpPr>
+            <a:spLocks noGrp="1"/>
+          </p:cNvSpPr>
+          <p:nvPr>
+            <p:ph idx="1"/>
+          </p:nvPr>
+        </p:nvSpPr>
+        <p:spPr>
+          <a:xfrm>
+            <a:off x="803444" y="1776717"/>
+            <a:ext cx="6306518" cy="4351338"/>
+          </a:xfrm>
+        </p:spPr>
+        <p:txBody>
+          <a:bodyPr>
+            <a:normAutofit/>
+          </a:bodyPr>
+          <a:lstStyle/>
+          <a:p>
+            <a:pPr marL="0" indent="0">
+              <a:buNone/>
+            </a:pPr>
+            <a:r>
+              <a:rPr lang="pt-BR" sz="2400" dirty="0"/>
+              <a:t>Um sistema operacional é o programa principal do computador ou celular. Ele faz o aparelho funcionar, gerenciando tudo o que acontece, como abrir programas, salvar arquivos e conectar dispositivos (como teclado e internet).</a:t>
+            </a:r>
+          </a:p>
+          <a:p>
+            <a:endParaRPr lang="pt-BR" sz="2400" dirty="0"/>
+          </a:p>
+          <a:p>
+            <a:pPr lvl="1"/>
+            <a:r>
+              <a:rPr lang="pt-BR" dirty="0"/>
+              <a:t>Em resumo, gerencia os recursos de um dispositivo. </a:t>
+            </a:r>
+          </a:p>
+          <a:p>
+            <a:endParaRPr lang="pt-BR" sz="1700" dirty="0"/>
+          </a:p>
+          <a:p>
+            <a:endParaRPr lang="pt-BR" sz="1700" dirty="0"/>
+          </a:p>
+          <a:p>
+            <a:endParaRPr lang="pt-BR" sz="1700" dirty="0"/>
+          </a:p>
+        </p:txBody>
+      </p:sp>
+      <p:sp>
+        <p:nvSpPr>
+          <p:cNvPr id="4118" name="Oval 4117">
+            <a:extLst>
+              <a:ext uri="{FF2B5EF4-FFF2-40B4-BE49-F238E27FC236}">
+                <a16:creationId xmlns:a16="http://schemas.microsoft.com/office/drawing/2014/main" id="{A7B99495-F43F-4D80-A44F-2CB4764EB90B}"/>
+              </a:ext>
+              <a:ext uri="{C183D7F6-B498-43B3-948B-1728B52AA6E4}">
+                <adec:decorative xmlns:adec="http://schemas.microsoft.com/office/drawing/2017/decorative" val="1"/>
+              </a:ext>
+            </a:extLst>
+          </p:cNvPr>
+          <p:cNvSpPr>
+            <a:spLocks noGrp="1" noRot="1" noChangeAspect="1" noMove="1" noResize="1" noEditPoints="1" noAdjustHandles="1" noChangeArrowheads="1" noChangeShapeType="1" noTextEdit="1"/>
+          </p:cNvSpPr>
+          <p:nvPr>
+            <p:extLst>
+              <p:ext uri="{386F3935-93C4-4BCD-93E2-E3B085C9AB24}">
+                <p16:designElem xmlns:p16="http://schemas.microsoft.com/office/powerpoint/2015/main" val="1"/>
+              </p:ext>
+            </p:extLst>
+          </p:nvPr>
+        </p:nvSpPr>
+        <p:spPr>
+          <a:xfrm>
+            <a:off x="10677008" y="5228027"/>
+            <a:ext cx="1107241" cy="1077204"/>
+          </a:xfrm>
+          <a:prstGeom prst="ellipse">
+            <a:avLst/>
+          </a:prstGeom>
+          <a:solidFill>
+            <a:schemeClr val="accent2"/>
+          </a:solidFill>
+          <a:ln>
+            <a:noFill/>
+          </a:ln>
+        </p:spPr>
+        <p:style>
+          <a:lnRef idx="2">
+            <a:schemeClr val="accent1">
+              <a:shade val="50000"/>
+            </a:schemeClr>
+          </a:lnRef>
+          <a:fillRef idx="1">
+            <a:schemeClr val="accent1"/>
+          </a:fillRef>
+          <a:effectRef idx="0">
+            <a:schemeClr val="accent1"/>
+          </a:effectRef>
+          <a:fontRef idx="minor">
+            <a:schemeClr val="lt1"/>
+          </a:fontRef>
+        </p:style>
+        <p:txBody>
+          <a:bodyPr rtlCol="0" anchor="ctr"/>
+          <a:lstStyle/>
+          <a:p>
+            <a:pPr marL="0" marR="0" lvl="0" indent="0" algn="ctr" defTabSz="914400" rtl="0" eaLnBrk="1" fontAlgn="auto" latinLnBrk="0" hangingPunct="1">
+              <a:lnSpc>
+                <a:spcPct val="100000"/>
+              </a:lnSpc>
+              <a:spcBef>
+                <a:spcPts val="0"/>
+              </a:spcBef>
+              <a:spcAft>
+                <a:spcPts val="0"/>
+              </a:spcAft>
+              <a:buClrTx/>
+              <a:buSzTx/>
+              <a:buFontTx/>
+              <a:buNone/>
+              <a:tabLst/>
+              <a:defRPr/>
+            </a:pPr>
+            <a:endParaRPr kumimoji="0" lang="en-US" sz="1800" b="0" i="0" u="none" strike="noStrike" kern="1200" cap="none" spc="0" normalizeH="0" baseline="0" noProof="0">
+              <a:ln>
+                <a:noFill/>
+              </a:ln>
+              <a:solidFill>
+                <a:srgbClr val="FFFFFF"/>
+              </a:solidFill>
+              <a:effectLst/>
+              <a:uLnTx/>
+              <a:uFillTx/>
+              <a:latin typeface="Calibri" panose="020F0502020204030204"/>
+              <a:ea typeface="+mn-ea"/>
+              <a:cs typeface="+mn-cs"/>
+            </a:endParaRPr>
+          </a:p>
+        </p:txBody>
+      </p:sp>
       <p:pic>
         <p:nvPicPr>
-          <p:cNvPr id="26626" name="Picture 2" descr="Resto do Slide 😅 - Pedagogia DOS MEMES | Facebook">
+          <p:cNvPr id="4098" name="Picture 2" descr="Sistemas operacionais - Conheça os melhores do mercado e tenha outras opções">
             <a:extLst>
               <a:ext uri="{FF2B5EF4-FFF2-40B4-BE49-F238E27FC236}">
-                <a16:creationId xmlns:a16="http://schemas.microsoft.com/office/drawing/2014/main" id="{20ED57FC-A949-8467-AD04-FD38EE9729E8}"/>
+                <a16:creationId xmlns:a16="http://schemas.microsoft.com/office/drawing/2014/main" id="{E9F61F82-BC34-BDFE-3820-14EB78AA6B65}"/>
               </a:ext>
             </a:extLst>
           </p:cNvPr>
@@ -6843,19 +14033,62 @@
               </a:ext>
             </a:extLst>
           </a:blip>
-          <a:srcRect/>
           <a:stretch>
             <a:fillRect/>
           </a:stretch>
         </p:blipFill>
         <p:spPr bwMode="auto">
           <a:xfrm>
-            <a:off x="3023950" y="356950"/>
-            <a:ext cx="6144100" cy="6144100"/>
+            <a:off x="7309785" y="2075312"/>
+            <a:ext cx="4221597" cy="2199031"/>
           </a:xfrm>
-          <a:prstGeom prst="rect">
+          <a:custGeom>
             <a:avLst/>
-          </a:prstGeom>
+            <a:gdLst/>
+            <a:ahLst/>
+            <a:cxnLst/>
+            <a:rect l="l" t="t" r="r" b="b"/>
+            <a:pathLst>
+              <a:path w="4221597" h="4303912">
+                <a:moveTo>
+                  <a:pt x="126986" y="0"/>
+                </a:moveTo>
+                <a:lnTo>
+                  <a:pt x="4094611" y="0"/>
+                </a:lnTo>
+                <a:cubicBezTo>
+                  <a:pt x="4164743" y="0"/>
+                  <a:pt x="4221597" y="56854"/>
+                  <a:pt x="4221597" y="126986"/>
+                </a:cubicBezTo>
+                <a:lnTo>
+                  <a:pt x="4221597" y="4176926"/>
+                </a:lnTo>
+                <a:cubicBezTo>
+                  <a:pt x="4221597" y="4247058"/>
+                  <a:pt x="4164743" y="4303912"/>
+                  <a:pt x="4094611" y="4303912"/>
+                </a:cubicBezTo>
+                <a:lnTo>
+                  <a:pt x="126986" y="4303912"/>
+                </a:lnTo>
+                <a:cubicBezTo>
+                  <a:pt x="56854" y="4303912"/>
+                  <a:pt x="0" y="4247058"/>
+                  <a:pt x="0" y="4176926"/>
+                </a:cubicBezTo>
+                <a:lnTo>
+                  <a:pt x="0" y="126986"/>
+                </a:lnTo>
+                <a:cubicBezTo>
+                  <a:pt x="0" y="56854"/>
+                  <a:pt x="56854" y="0"/>
+                  <a:pt x="126986" y="0"/>
+                </a:cubicBezTo>
+                <a:close/>
+              </a:path>
+            </a:pathLst>
+          </a:custGeom>
           <a:noFill/>
           <a:extLst>
             <a:ext uri="{909E8E84-426E-40DD-AFC4-6F175D3DCCD1}">
@@ -6871,7 +14104,627 @@
     </p:spTree>
     <p:extLst>
       <p:ext uri="{BB962C8B-B14F-4D97-AF65-F5344CB8AC3E}">
-        <p14:creationId xmlns:p14="http://schemas.microsoft.com/office/powerpoint/2010/main" val="1481317892"/>
+        <p14:creationId xmlns:p14="http://schemas.microsoft.com/office/powerpoint/2010/main" val="1758334521"/>
+      </p:ext>
+    </p:extLst>
+  </p:cSld>
+  <p:clrMapOvr>
+    <a:masterClrMapping/>
+  </p:clrMapOvr>
+</p:sld>
+</file>
+
+<file path=ppt/slides/slide9.xml><?xml version="1.0" encoding="utf-8"?>
+<p:sld xmlns:a="http://schemas.openxmlformats.org/drawingml/2006/main" xmlns:r="http://schemas.openxmlformats.org/officeDocument/2006/relationships" xmlns:p="http://schemas.openxmlformats.org/presentationml/2006/main">
+  <p:cSld>
+    <p:bg>
+      <p:bgPr>
+        <a:solidFill>
+          <a:schemeClr val="bg1"/>
+        </a:solidFill>
+        <a:effectLst/>
+      </p:bgPr>
+    </p:bg>
+    <p:spTree>
+      <p:nvGrpSpPr>
+        <p:cNvPr id="1" name=""/>
+        <p:cNvGrpSpPr/>
+        <p:nvPr/>
+      </p:nvGrpSpPr>
+      <p:grpSpPr>
+        <a:xfrm>
+          <a:off x="0" y="0"/>
+          <a:ext cx="0" cy="0"/>
+          <a:chOff x="0" y="0"/>
+          <a:chExt cx="0" cy="0"/>
+        </a:xfrm>
+      </p:grpSpPr>
+      <p:sp>
+        <p:nvSpPr>
+          <p:cNvPr id="6166" name="Rectangle 6165">
+            <a:extLst>
+              <a:ext uri="{FF2B5EF4-FFF2-40B4-BE49-F238E27FC236}">
+                <a16:creationId xmlns:a16="http://schemas.microsoft.com/office/drawing/2014/main" id="{F3060C83-F051-4F0E-ABAD-AA0DFC48B218}"/>
+              </a:ext>
+              <a:ext uri="{C183D7F6-B498-43B3-948B-1728B52AA6E4}">
+                <adec:decorative xmlns:adec="http://schemas.microsoft.com/office/drawing/2017/decorative" val="1"/>
+              </a:ext>
+            </a:extLst>
+          </p:cNvPr>
+          <p:cNvSpPr>
+            <a:spLocks noGrp="1" noRot="1" noChangeAspect="1" noMove="1" noResize="1" noEditPoints="1" noAdjustHandles="1" noChangeArrowheads="1" noChangeShapeType="1" noTextEdit="1"/>
+          </p:cNvSpPr>
+          <p:nvPr>
+            <p:extLst>
+              <p:ext uri="{386F3935-93C4-4BCD-93E2-E3B085C9AB24}">
+                <p16:designElem xmlns:p16="http://schemas.microsoft.com/office/powerpoint/2015/main" val="1"/>
+              </p:ext>
+            </p:extLst>
+          </p:nvPr>
+        </p:nvSpPr>
+        <p:spPr>
+          <a:xfrm>
+            <a:off x="0" y="0"/>
+            <a:ext cx="12192000" cy="6858000"/>
+          </a:xfrm>
+          <a:prstGeom prst="rect">
+            <a:avLst/>
+          </a:prstGeom>
+          <a:solidFill>
+            <a:schemeClr val="bg1"/>
+          </a:solidFill>
+          <a:ln>
+            <a:noFill/>
+          </a:ln>
+        </p:spPr>
+        <p:style>
+          <a:lnRef idx="2">
+            <a:schemeClr val="accent1">
+              <a:shade val="50000"/>
+            </a:schemeClr>
+          </a:lnRef>
+          <a:fillRef idx="1">
+            <a:schemeClr val="accent1"/>
+          </a:fillRef>
+          <a:effectRef idx="0">
+            <a:schemeClr val="accent1"/>
+          </a:effectRef>
+          <a:fontRef idx="minor">
+            <a:schemeClr val="lt1"/>
+          </a:fontRef>
+        </p:style>
+        <p:txBody>
+          <a:bodyPr rtlCol="0" anchor="ctr"/>
+          <a:lstStyle/>
+          <a:p>
+            <a:pPr algn="ctr"/>
+            <a:endParaRPr lang="en-US" dirty="0"/>
+          </a:p>
+        </p:txBody>
+      </p:sp>
+      <p:sp>
+        <p:nvSpPr>
+          <p:cNvPr id="6168" name="Freeform: Shape 6167">
+            <a:extLst>
+              <a:ext uri="{FF2B5EF4-FFF2-40B4-BE49-F238E27FC236}">
+                <a16:creationId xmlns:a16="http://schemas.microsoft.com/office/drawing/2014/main" id="{83C98ABE-055B-441F-B07E-44F97F083C39}"/>
+              </a:ext>
+              <a:ext uri="{C183D7F6-B498-43B3-948B-1728B52AA6E4}">
+                <adec:decorative xmlns:adec="http://schemas.microsoft.com/office/drawing/2017/decorative" val="1"/>
+              </a:ext>
+            </a:extLst>
+          </p:cNvPr>
+          <p:cNvSpPr>
+            <a:spLocks noGrp="1" noRot="1" noChangeAspect="1" noMove="1" noResize="1" noEditPoints="1" noAdjustHandles="1" noChangeArrowheads="1" noChangeShapeType="1" noTextEdit="1"/>
+          </p:cNvSpPr>
+          <p:nvPr>
+            <p:extLst>
+              <p:ext uri="{386F3935-93C4-4BCD-93E2-E3B085C9AB24}">
+                <p16:designElem xmlns:p16="http://schemas.microsoft.com/office/powerpoint/2015/main" val="1"/>
+              </p:ext>
+            </p:extLst>
+          </p:nvPr>
+        </p:nvSpPr>
+        <p:spPr>
+          <a:xfrm rot="18900000" flipH="1">
+            <a:off x="-376156" y="-253670"/>
+            <a:ext cx="1827638" cy="1376989"/>
+          </a:xfrm>
+          <a:custGeom>
+            <a:avLst/>
+            <a:gdLst>
+              <a:gd name="connsiteX0" fmla="*/ 0 w 1827638"/>
+              <a:gd name="connsiteY0" fmla="*/ 987379 h 1376989"/>
+              <a:gd name="connsiteX1" fmla="*/ 987379 w 1827638"/>
+              <a:gd name="connsiteY1" fmla="*/ 0 h 1376989"/>
+              <a:gd name="connsiteX2" fmla="*/ 1827638 w 1827638"/>
+              <a:gd name="connsiteY2" fmla="*/ 840260 h 1376989"/>
+              <a:gd name="connsiteX3" fmla="*/ 1827638 w 1827638"/>
+              <a:gd name="connsiteY3" fmla="*/ 1376989 h 1376989"/>
+              <a:gd name="connsiteX4" fmla="*/ 0 w 1827638"/>
+              <a:gd name="connsiteY4" fmla="*/ 1376989 h 1376989"/>
+            </a:gdLst>
+            <a:ahLst/>
+            <a:cxnLst>
+              <a:cxn ang="0">
+                <a:pos x="connsiteX0" y="connsiteY0"/>
+              </a:cxn>
+              <a:cxn ang="0">
+                <a:pos x="connsiteX1" y="connsiteY1"/>
+              </a:cxn>
+              <a:cxn ang="0">
+                <a:pos x="connsiteX2" y="connsiteY2"/>
+              </a:cxn>
+              <a:cxn ang="0">
+                <a:pos x="connsiteX3" y="connsiteY3"/>
+              </a:cxn>
+              <a:cxn ang="0">
+                <a:pos x="connsiteX4" y="connsiteY4"/>
+              </a:cxn>
+            </a:cxnLst>
+            <a:rect l="l" t="t" r="r" b="b"/>
+            <a:pathLst>
+              <a:path w="1827638" h="1376989">
+                <a:moveTo>
+                  <a:pt x="0" y="987379"/>
+                </a:moveTo>
+                <a:lnTo>
+                  <a:pt x="987379" y="0"/>
+                </a:lnTo>
+                <a:lnTo>
+                  <a:pt x="1827638" y="840260"/>
+                </a:lnTo>
+                <a:lnTo>
+                  <a:pt x="1827638" y="1376989"/>
+                </a:lnTo>
+                <a:lnTo>
+                  <a:pt x="0" y="1376989"/>
+                </a:lnTo>
+                <a:close/>
+              </a:path>
+            </a:pathLst>
+          </a:custGeom>
+          <a:solidFill>
+            <a:schemeClr val="accent1">
+              <a:alpha val="30000"/>
+            </a:schemeClr>
+          </a:solidFill>
+          <a:ln>
+            <a:noFill/>
+          </a:ln>
+        </p:spPr>
+        <p:style>
+          <a:lnRef idx="2">
+            <a:schemeClr val="accent1">
+              <a:shade val="50000"/>
+            </a:schemeClr>
+          </a:lnRef>
+          <a:fillRef idx="1">
+            <a:schemeClr val="accent1"/>
+          </a:fillRef>
+          <a:effectRef idx="0">
+            <a:schemeClr val="accent1"/>
+          </a:effectRef>
+          <a:fontRef idx="minor">
+            <a:schemeClr val="lt1"/>
+          </a:fontRef>
+        </p:style>
+        <p:txBody>
+          <a:bodyPr rtlCol="0" anchor="ctr"/>
+          <a:lstStyle/>
+          <a:p>
+            <a:pPr algn="ctr"/>
+            <a:endParaRPr lang="en-US" dirty="0"/>
+          </a:p>
+        </p:txBody>
+      </p:sp>
+      <p:sp>
+        <p:nvSpPr>
+          <p:cNvPr id="6170" name="Rectangle 6169">
+            <a:extLst>
+              <a:ext uri="{FF2B5EF4-FFF2-40B4-BE49-F238E27FC236}">
+                <a16:creationId xmlns:a16="http://schemas.microsoft.com/office/drawing/2014/main" id="{29FDB030-9B49-4CED-8CCD-4D99382388AC}"/>
+              </a:ext>
+              <a:ext uri="{C183D7F6-B498-43B3-948B-1728B52AA6E4}">
+                <adec:decorative xmlns:adec="http://schemas.microsoft.com/office/drawing/2017/decorative" val="1"/>
+              </a:ext>
+            </a:extLst>
+          </p:cNvPr>
+          <p:cNvSpPr>
+            <a:spLocks noGrp="1" noRot="1" noChangeAspect="1" noMove="1" noResize="1" noEditPoints="1" noAdjustHandles="1" noChangeArrowheads="1" noChangeShapeType="1" noTextEdit="1"/>
+          </p:cNvSpPr>
+          <p:nvPr>
+            <p:extLst>
+              <p:ext uri="{386F3935-93C4-4BCD-93E2-E3B085C9AB24}">
+                <p16:designElem xmlns:p16="http://schemas.microsoft.com/office/powerpoint/2015/main" val="1"/>
+              </p:ext>
+            </p:extLst>
+          </p:nvPr>
+        </p:nvSpPr>
+        <p:spPr>
+          <a:xfrm rot="18900000" flipH="1">
+            <a:off x="891641" y="422146"/>
+            <a:ext cx="645368" cy="645368"/>
+          </a:xfrm>
+          <a:prstGeom prst="rect">
+            <a:avLst/>
+          </a:prstGeom>
+          <a:solidFill>
+            <a:schemeClr val="accent1">
+              <a:alpha val="30000"/>
+            </a:schemeClr>
+          </a:solidFill>
+          <a:ln>
+            <a:noFill/>
+          </a:ln>
+        </p:spPr>
+        <p:style>
+          <a:lnRef idx="2">
+            <a:schemeClr val="accent1">
+              <a:shade val="50000"/>
+            </a:schemeClr>
+          </a:lnRef>
+          <a:fillRef idx="1">
+            <a:schemeClr val="accent1"/>
+          </a:fillRef>
+          <a:effectRef idx="0">
+            <a:schemeClr val="accent1"/>
+          </a:effectRef>
+          <a:fontRef idx="minor">
+            <a:schemeClr val="lt1"/>
+          </a:fontRef>
+        </p:style>
+        <p:txBody>
+          <a:bodyPr rtlCol="0" anchor="ctr"/>
+          <a:lstStyle/>
+          <a:p>
+            <a:pPr algn="ctr"/>
+            <a:endParaRPr lang="en-US"/>
+          </a:p>
+        </p:txBody>
+      </p:sp>
+      <p:sp>
+        <p:nvSpPr>
+          <p:cNvPr id="6172" name="Rectangle 6171">
+            <a:extLst>
+              <a:ext uri="{FF2B5EF4-FFF2-40B4-BE49-F238E27FC236}">
+                <a16:creationId xmlns:a16="http://schemas.microsoft.com/office/drawing/2014/main" id="{3783CA14-24A1-485C-8B30-D6A5D87987AD}"/>
+              </a:ext>
+              <a:ext uri="{C183D7F6-B498-43B3-948B-1728B52AA6E4}">
+                <adec:decorative xmlns:adec="http://schemas.microsoft.com/office/drawing/2017/decorative" val="1"/>
+              </a:ext>
+            </a:extLst>
+          </p:cNvPr>
+          <p:cNvSpPr>
+            <a:spLocks noGrp="1" noRot="1" noChangeAspect="1" noMove="1" noResize="1" noEditPoints="1" noAdjustHandles="1" noChangeArrowheads="1" noChangeShapeType="1" noTextEdit="1"/>
+          </p:cNvSpPr>
+          <p:nvPr>
+            <p:extLst>
+              <p:ext uri="{386F3935-93C4-4BCD-93E2-E3B085C9AB24}">
+                <p16:designElem xmlns:p16="http://schemas.microsoft.com/office/powerpoint/2015/main" val="1"/>
+              </p:ext>
+            </p:extLst>
+          </p:nvPr>
+        </p:nvSpPr>
+        <p:spPr>
+          <a:xfrm rot="18900000" flipH="1">
+            <a:off x="10043482" y="655140"/>
+            <a:ext cx="687472" cy="687472"/>
+          </a:xfrm>
+          <a:prstGeom prst="rect">
+            <a:avLst/>
+          </a:prstGeom>
+          <a:solidFill>
+            <a:schemeClr val="accent4">
+              <a:alpha val="30000"/>
+            </a:schemeClr>
+          </a:solidFill>
+          <a:ln>
+            <a:noFill/>
+          </a:ln>
+        </p:spPr>
+        <p:style>
+          <a:lnRef idx="2">
+            <a:schemeClr val="accent1">
+              <a:shade val="50000"/>
+            </a:schemeClr>
+          </a:lnRef>
+          <a:fillRef idx="1">
+            <a:schemeClr val="accent1"/>
+          </a:fillRef>
+          <a:effectRef idx="0">
+            <a:schemeClr val="accent1"/>
+          </a:effectRef>
+          <a:fontRef idx="minor">
+            <a:schemeClr val="lt1"/>
+          </a:fontRef>
+        </p:style>
+        <p:txBody>
+          <a:bodyPr rtlCol="0" anchor="ctr"/>
+          <a:lstStyle/>
+          <a:p>
+            <a:pPr algn="ctr"/>
+            <a:endParaRPr lang="en-US"/>
+          </a:p>
+        </p:txBody>
+      </p:sp>
+      <p:sp>
+        <p:nvSpPr>
+          <p:cNvPr id="6174" name="Freeform: Shape 6173">
+            <a:extLst>
+              <a:ext uri="{FF2B5EF4-FFF2-40B4-BE49-F238E27FC236}">
+                <a16:creationId xmlns:a16="http://schemas.microsoft.com/office/drawing/2014/main" id="{9A97C86A-04D6-40F7-AE84-31AB43E6A846}"/>
+              </a:ext>
+              <a:ext uri="{C183D7F6-B498-43B3-948B-1728B52AA6E4}">
+                <adec:decorative xmlns:adec="http://schemas.microsoft.com/office/drawing/2017/decorative" val="1"/>
+              </a:ext>
+            </a:extLst>
+          </p:cNvPr>
+          <p:cNvSpPr>
+            <a:spLocks noGrp="1" noRot="1" noChangeAspect="1" noMove="1" noResize="1" noEditPoints="1" noAdjustHandles="1" noChangeArrowheads="1" noChangeShapeType="1" noTextEdit="1"/>
+          </p:cNvSpPr>
+          <p:nvPr>
+            <p:extLst>
+              <p:ext uri="{386F3935-93C4-4BCD-93E2-E3B085C9AB24}">
+                <p16:designElem xmlns:p16="http://schemas.microsoft.com/office/powerpoint/2015/main" val="1"/>
+              </p:ext>
+            </p:extLst>
+          </p:nvPr>
+        </p:nvSpPr>
+        <p:spPr>
+          <a:xfrm rot="10800000" flipH="1">
+            <a:off x="9356643" y="0"/>
+            <a:ext cx="2835357" cy="1480837"/>
+          </a:xfrm>
+          <a:custGeom>
+            <a:avLst/>
+            <a:gdLst>
+              <a:gd name="connsiteX0" fmla="*/ 2835357 w 2835357"/>
+              <a:gd name="connsiteY0" fmla="*/ 1480837 h 1480837"/>
+              <a:gd name="connsiteX1" fmla="*/ 0 w 2835357"/>
+              <a:gd name="connsiteY1" fmla="*/ 1480837 h 1480837"/>
+              <a:gd name="connsiteX2" fmla="*/ 1552727 w 2835357"/>
+              <a:gd name="connsiteY2" fmla="*/ 0 h 1480837"/>
+              <a:gd name="connsiteX3" fmla="*/ 2835357 w 2835357"/>
+              <a:gd name="connsiteY3" fmla="*/ 1223245 h 1480837"/>
+            </a:gdLst>
+            <a:ahLst/>
+            <a:cxnLst>
+              <a:cxn ang="0">
+                <a:pos x="connsiteX0" y="connsiteY0"/>
+              </a:cxn>
+              <a:cxn ang="0">
+                <a:pos x="connsiteX1" y="connsiteY1"/>
+              </a:cxn>
+              <a:cxn ang="0">
+                <a:pos x="connsiteX2" y="connsiteY2"/>
+              </a:cxn>
+              <a:cxn ang="0">
+                <a:pos x="connsiteX3" y="connsiteY3"/>
+              </a:cxn>
+            </a:cxnLst>
+            <a:rect l="l" t="t" r="r" b="b"/>
+            <a:pathLst>
+              <a:path w="2835357" h="1480837">
+                <a:moveTo>
+                  <a:pt x="2835357" y="1480837"/>
+                </a:moveTo>
+                <a:lnTo>
+                  <a:pt x="0" y="1480837"/>
+                </a:lnTo>
+                <a:lnTo>
+                  <a:pt x="1552727" y="0"/>
+                </a:lnTo>
+                <a:lnTo>
+                  <a:pt x="2835357" y="1223245"/>
+                </a:lnTo>
+                <a:close/>
+              </a:path>
+            </a:pathLst>
+          </a:custGeom>
+          <a:solidFill>
+            <a:schemeClr val="accent4">
+              <a:alpha val="30000"/>
+            </a:schemeClr>
+          </a:solidFill>
+          <a:ln>
+            <a:noFill/>
+          </a:ln>
+        </p:spPr>
+        <p:style>
+          <a:lnRef idx="2">
+            <a:schemeClr val="accent1">
+              <a:shade val="50000"/>
+            </a:schemeClr>
+          </a:lnRef>
+          <a:fillRef idx="1">
+            <a:schemeClr val="accent1"/>
+          </a:fillRef>
+          <a:effectRef idx="0">
+            <a:schemeClr val="accent1"/>
+          </a:effectRef>
+          <a:fontRef idx="minor">
+            <a:schemeClr val="lt1"/>
+          </a:fontRef>
+        </p:style>
+        <p:txBody>
+          <a:bodyPr wrap="square" rtlCol="0" anchor="ctr">
+            <a:noAutofit/>
+          </a:bodyPr>
+          <a:lstStyle/>
+          <a:p>
+            <a:pPr algn="ctr"/>
+            <a:endParaRPr lang="en-US" dirty="0"/>
+          </a:p>
+        </p:txBody>
+      </p:sp>
+      <p:sp>
+        <p:nvSpPr>
+          <p:cNvPr id="6176" name="Isosceles Triangle 6175">
+            <a:extLst>
+              <a:ext uri="{FF2B5EF4-FFF2-40B4-BE49-F238E27FC236}">
+                <a16:creationId xmlns:a16="http://schemas.microsoft.com/office/drawing/2014/main" id="{FF9F2414-84E8-453E-B1F3-389FDE8192D9}"/>
+              </a:ext>
+              <a:ext uri="{C183D7F6-B498-43B3-948B-1728B52AA6E4}">
+                <adec:decorative xmlns:adec="http://schemas.microsoft.com/office/drawing/2017/decorative" val="1"/>
+              </a:ext>
+            </a:extLst>
+          </p:cNvPr>
+          <p:cNvSpPr>
+            <a:spLocks noGrp="1" noRot="1" noChangeAspect="1" noMove="1" noResize="1" noEditPoints="1" noAdjustHandles="1" noChangeArrowheads="1" noChangeShapeType="1" noTextEdit="1"/>
+          </p:cNvSpPr>
+          <p:nvPr>
+            <p:extLst>
+              <p:ext uri="{386F3935-93C4-4BCD-93E2-E3B085C9AB24}">
+                <p16:designElem xmlns:p16="http://schemas.microsoft.com/office/powerpoint/2015/main" val="1"/>
+              </p:ext>
+            </p:extLst>
+          </p:nvPr>
+        </p:nvSpPr>
+        <p:spPr>
+          <a:xfrm flipH="1">
+            <a:off x="7976344" y="6115501"/>
+            <a:ext cx="1494513" cy="742499"/>
+          </a:xfrm>
+          <a:prstGeom prst="triangle">
+            <a:avLst/>
+          </a:prstGeom>
+          <a:solidFill>
+            <a:schemeClr val="accent1">
+              <a:alpha val="30000"/>
+            </a:schemeClr>
+          </a:solidFill>
+          <a:ln>
+            <a:noFill/>
+          </a:ln>
+        </p:spPr>
+        <p:style>
+          <a:lnRef idx="2">
+            <a:schemeClr val="accent1">
+              <a:shade val="50000"/>
+            </a:schemeClr>
+          </a:lnRef>
+          <a:fillRef idx="1">
+            <a:schemeClr val="accent1"/>
+          </a:fillRef>
+          <a:effectRef idx="0">
+            <a:schemeClr val="accent1"/>
+          </a:effectRef>
+          <a:fontRef idx="minor">
+            <a:schemeClr val="lt1"/>
+          </a:fontRef>
+        </p:style>
+        <p:txBody>
+          <a:bodyPr rtlCol="0" anchor="ctr"/>
+          <a:lstStyle/>
+          <a:p>
+            <a:pPr algn="ctr"/>
+            <a:endParaRPr lang="en-US"/>
+          </a:p>
+        </p:txBody>
+      </p:sp>
+      <p:pic>
+        <p:nvPicPr>
+          <p:cNvPr id="5" name="Imagem 4">
+            <a:extLst>
+              <a:ext uri="{FF2B5EF4-FFF2-40B4-BE49-F238E27FC236}">
+                <a16:creationId xmlns:a16="http://schemas.microsoft.com/office/drawing/2014/main" id="{18697ADB-639F-E5D3-9287-CAF1B52FA07A}"/>
+              </a:ext>
+            </a:extLst>
+          </p:cNvPr>
+          <p:cNvPicPr>
+            <a:picLocks noChangeAspect="1"/>
+          </p:cNvPicPr>
+          <p:nvPr/>
+        </p:nvPicPr>
+        <p:blipFill>
+          <a:blip r:embed="rId2"/>
+          <a:stretch>
+            <a:fillRect/>
+          </a:stretch>
+        </p:blipFill>
+        <p:spPr>
+          <a:xfrm>
+            <a:off x="1964574" y="61888"/>
+            <a:ext cx="8262851" cy="6734223"/>
+          </a:xfrm>
+          <a:prstGeom prst="rect">
+            <a:avLst/>
+          </a:prstGeom>
+          <a:ln>
+            <a:noFill/>
+          </a:ln>
+        </p:spPr>
+      </p:pic>
+      <p:sp>
+        <p:nvSpPr>
+          <p:cNvPr id="6178" name="Isosceles Triangle 6177">
+            <a:extLst>
+              <a:ext uri="{FF2B5EF4-FFF2-40B4-BE49-F238E27FC236}">
+                <a16:creationId xmlns:a16="http://schemas.microsoft.com/office/drawing/2014/main" id="{3ECA69A1-7536-43AC-85EF-C7106179F5ED}"/>
+              </a:ext>
+              <a:ext uri="{C183D7F6-B498-43B3-948B-1728B52AA6E4}">
+                <adec:decorative xmlns:adec="http://schemas.microsoft.com/office/drawing/2017/decorative" val="1"/>
+              </a:ext>
+            </a:extLst>
+          </p:cNvPr>
+          <p:cNvSpPr>
+            <a:spLocks noGrp="1" noRot="1" noChangeAspect="1" noMove="1" noResize="1" noEditPoints="1" noAdjustHandles="1" noChangeArrowheads="1" noChangeShapeType="1" noTextEdit="1"/>
+          </p:cNvSpPr>
+          <p:nvPr>
+            <p:extLst>
+              <p:ext uri="{386F3935-93C4-4BCD-93E2-E3B085C9AB24}">
+                <p16:designElem xmlns:p16="http://schemas.microsoft.com/office/powerpoint/2015/main" val="1"/>
+              </p:ext>
+            </p:extLst>
+          </p:nvPr>
+        </p:nvSpPr>
+        <p:spPr>
+          <a:xfrm flipH="1">
+            <a:off x="7604080" y="6453143"/>
+            <a:ext cx="814903" cy="404857"/>
+          </a:xfrm>
+          <a:prstGeom prst="triangle">
+            <a:avLst/>
+          </a:prstGeom>
+          <a:solidFill>
+            <a:schemeClr val="accent1">
+              <a:alpha val="30000"/>
+            </a:schemeClr>
+          </a:solidFill>
+          <a:ln>
+            <a:noFill/>
+          </a:ln>
+        </p:spPr>
+        <p:style>
+          <a:lnRef idx="2">
+            <a:schemeClr val="accent1">
+              <a:shade val="50000"/>
+            </a:schemeClr>
+          </a:lnRef>
+          <a:fillRef idx="1">
+            <a:schemeClr val="accent1"/>
+          </a:fillRef>
+          <a:effectRef idx="0">
+            <a:schemeClr val="accent1"/>
+          </a:effectRef>
+          <a:fontRef idx="minor">
+            <a:schemeClr val="lt1"/>
+          </a:fontRef>
+        </p:style>
+        <p:txBody>
+          <a:bodyPr rtlCol="0" anchor="ctr"/>
+          <a:lstStyle/>
+          <a:p>
+            <a:pPr algn="ctr"/>
+            <a:endParaRPr lang="en-US"/>
+          </a:p>
+        </p:txBody>
+      </p:sp>
+    </p:spTree>
+    <p:extLst>
+      <p:ext uri="{BB962C8B-B14F-4D97-AF65-F5344CB8AC3E}">
+        <p14:creationId xmlns:p14="http://schemas.microsoft.com/office/powerpoint/2010/main" val="1382647187"/>
       </p:ext>
     </p:extLst>
   </p:cSld>
